--- a/BreakingDownComplexSystemswithRabbitMQ/Breaking Down Complex Systems with RabbitMQ.pptx
+++ b/BreakingDownComplexSystemswithRabbitMQ/Breaking Down Complex Systems with RabbitMQ.pptx
@@ -5,16 +5,37 @@
     <p:sldMasterId id="2147483648" r:id="rId2"/>
   </p:sldMasterIdLst>
   <p:notesMasterIdLst>
-    <p:notesMasterId r:id="rId7"/>
+    <p:notesMasterId r:id="rId28"/>
   </p:notesMasterIdLst>
   <p:handoutMasterIdLst>
-    <p:handoutMasterId r:id="rId8"/>
+    <p:handoutMasterId r:id="rId29"/>
   </p:handoutMasterIdLst>
   <p:sldIdLst>
     <p:sldId id="257" r:id="rId3"/>
     <p:sldId id="258" r:id="rId4"/>
-    <p:sldId id="259" r:id="rId5"/>
-    <p:sldId id="260" r:id="rId6"/>
+    <p:sldId id="265" r:id="rId5"/>
+    <p:sldId id="266" r:id="rId6"/>
+    <p:sldId id="277" r:id="rId7"/>
+    <p:sldId id="259" r:id="rId8"/>
+    <p:sldId id="260" r:id="rId9"/>
+    <p:sldId id="261" r:id="rId10"/>
+    <p:sldId id="278" r:id="rId11"/>
+    <p:sldId id="279" r:id="rId12"/>
+    <p:sldId id="262" r:id="rId13"/>
+    <p:sldId id="263" r:id="rId14"/>
+    <p:sldId id="280" r:id="rId15"/>
+    <p:sldId id="281" r:id="rId16"/>
+    <p:sldId id="274" r:id="rId17"/>
+    <p:sldId id="264" r:id="rId18"/>
+    <p:sldId id="275" r:id="rId19"/>
+    <p:sldId id="276" r:id="rId20"/>
+    <p:sldId id="267" r:id="rId21"/>
+    <p:sldId id="268" r:id="rId22"/>
+    <p:sldId id="273" r:id="rId23"/>
+    <p:sldId id="269" r:id="rId24"/>
+    <p:sldId id="270" r:id="rId25"/>
+    <p:sldId id="271" r:id="rId26"/>
+    <p:sldId id="272" r:id="rId27"/>
   </p:sldIdLst>
   <p:sldSz cx="12192000" cy="6858000"/>
   <p:notesSz cx="6858000" cy="9144000"/>
@@ -206,7 +227,7 @@
           <a:p>
             <a:fld id="{D63D5444-F62C-42C3-A75A-D9DBA807730F}" type="datetimeFigureOut">
               <a:rPr lang="en-US" smtClean="0"/>
-              <a:t>7/7/2014</a:t>
+              <a:t>7/18/2014</a:t>
             </a:fld>
             <a:endParaRPr lang="en-US"/>
           </a:p>
@@ -371,7 +392,7 @@
           <a:p>
             <a:fld id="{12CAA1FA-7B6A-47D2-8D61-F225D71B51FF}" type="datetimeFigureOut">
               <a:rPr lang="en-US" smtClean="0"/>
-              <a:t>7/7/2014</a:t>
+              <a:t>7/18/2014</a:t>
             </a:fld>
             <a:endParaRPr lang="en-US"/>
           </a:p>
@@ -1212,7 +1233,7 @@
           <a:p>
             <a:fld id="{A79A3335-6331-4872-A8B7-ECD55539F4D0}" type="datetimeFigureOut">
               <a:rPr lang="en-US" smtClean="0"/>
-              <a:t>7/7/2014</a:t>
+              <a:t>7/18/2014</a:t>
             </a:fld>
             <a:endParaRPr lang="en-US"/>
           </a:p>
@@ -1471,7 +1492,7 @@
           <a:p>
             <a:fld id="{A79A3335-6331-4872-A8B7-ECD55539F4D0}" type="datetimeFigureOut">
               <a:rPr lang="en-US" smtClean="0"/>
-              <a:t>7/7/2014</a:t>
+              <a:t>7/18/2014</a:t>
             </a:fld>
             <a:endParaRPr lang="en-US"/>
           </a:p>
@@ -1999,7 +2020,7 @@
           <a:p>
             <a:fld id="{A79A3335-6331-4872-A8B7-ECD55539F4D0}" type="datetimeFigureOut">
               <a:rPr lang="en-US" smtClean="0"/>
-              <a:t>7/7/2014</a:t>
+              <a:t>7/18/2014</a:t>
             </a:fld>
             <a:endParaRPr lang="en-US"/>
           </a:p>
@@ -2331,7 +2352,7 @@
           <a:p>
             <a:fld id="{A79A3335-6331-4872-A8B7-ECD55539F4D0}" type="datetimeFigureOut">
               <a:rPr lang="en-US" smtClean="0"/>
-              <a:t>7/7/2014</a:t>
+              <a:t>7/18/2014</a:t>
             </a:fld>
             <a:endParaRPr lang="en-US"/>
           </a:p>
@@ -2404,6 +2425,258 @@
 </p:sldLayout>
 </file>
 
+<file path=ppt/slideLayouts/slideLayout14.xml><?xml version="1.0" encoding="utf-8"?>
+<p:sldLayout xmlns:a="http://schemas.openxmlformats.org/drawingml/2006/main" xmlns:r="http://schemas.openxmlformats.org/officeDocument/2006/relationships" xmlns:p="http://schemas.openxmlformats.org/presentationml/2006/main" userDrawn="1">
+  <p:cSld name="18_Title and Content">
+    <p:spTree>
+      <p:nvGrpSpPr>
+        <p:cNvPr id="1" name=""/>
+        <p:cNvGrpSpPr/>
+        <p:nvPr/>
+      </p:nvGrpSpPr>
+      <p:grpSpPr>
+        <a:xfrm>
+          <a:off x="0" y="0"/>
+          <a:ext cx="0" cy="0"/>
+          <a:chOff x="0" y="0"/>
+          <a:chExt cx="0" cy="0"/>
+        </a:xfrm>
+      </p:grpSpPr>
+      <p:sp>
+        <p:nvSpPr>
+          <p:cNvPr id="3" name="Content Placeholder 2"/>
+          <p:cNvSpPr>
+            <a:spLocks noGrp="1"/>
+          </p:cNvSpPr>
+          <p:nvPr>
+            <p:ph idx="1" hasCustomPrompt="1"/>
+          </p:nvPr>
+        </p:nvSpPr>
+        <p:spPr>
+          <a:xfrm>
+            <a:off x="304800" y="1751527"/>
+            <a:ext cx="11582400" cy="4275786"/>
+          </a:xfrm>
+          <a:prstGeom prst="rect">
+            <a:avLst/>
+          </a:prstGeom>
+        </p:spPr>
+        <p:txBody>
+          <a:bodyPr vert="horz" lIns="0" tIns="45720" rIns="91440" bIns="45720" rtlCol="0">
+            <a:normAutofit/>
+          </a:bodyPr>
+          <a:lstStyle>
+            <a:lvl1pPr>
+              <a:defRPr lang="en-US" smtClean="0"/>
+            </a:lvl1pPr>
+            <a:lvl2pPr>
+              <a:defRPr lang="en-US" smtClean="0"/>
+            </a:lvl2pPr>
+            <a:lvl3pPr>
+              <a:defRPr lang="en-US" smtClean="0"/>
+            </a:lvl3pPr>
+            <a:lvl4pPr>
+              <a:defRPr lang="en-US" smtClean="0"/>
+            </a:lvl4pPr>
+            <a:lvl5pPr>
+              <a:defRPr lang="en-US" sz="1800"/>
+            </a:lvl5pPr>
+          </a:lstStyle>
+          <a:p>
+            <a:pPr lvl="0"/>
+            <a:r>
+              <a:rPr lang="en-US" dirty="0" smtClean="0"/>
+              <a:t>Click to edit text styles Arial 22/24</a:t>
+            </a:r>
+          </a:p>
+          <a:p>
+            <a:pPr lvl="1"/>
+            <a:r>
+              <a:rPr lang="en-US" dirty="0" smtClean="0"/>
+              <a:t>Second level</a:t>
+            </a:r>
+          </a:p>
+          <a:p>
+            <a:pPr lvl="2"/>
+            <a:r>
+              <a:rPr lang="en-US" dirty="0" smtClean="0"/>
+              <a:t>Third level</a:t>
+            </a:r>
+          </a:p>
+          <a:p>
+            <a:pPr lvl="3"/>
+            <a:r>
+              <a:rPr lang="en-US" dirty="0" smtClean="0"/>
+              <a:t>Fourth level</a:t>
+            </a:r>
+          </a:p>
+          <a:p>
+            <a:pPr lvl="4"/>
+            <a:r>
+              <a:rPr lang="en-US" dirty="0" smtClean="0"/>
+              <a:t>Fifth level</a:t>
+            </a:r>
+            <a:endParaRPr lang="en-US" dirty="0"/>
+          </a:p>
+        </p:txBody>
+      </p:sp>
+      <p:sp>
+        <p:nvSpPr>
+          <p:cNvPr id="10" name="Date Placeholder 9"/>
+          <p:cNvSpPr>
+            <a:spLocks noGrp="1"/>
+          </p:cNvSpPr>
+          <p:nvPr>
+            <p:ph type="dt" sz="half" idx="10"/>
+          </p:nvPr>
+        </p:nvSpPr>
+        <p:spPr/>
+        <p:txBody>
+          <a:bodyPr/>
+          <a:lstStyle/>
+          <a:p>
+            <a:fld id="{3FFEEF4C-44EF-431E-80A2-CF6E8AAE357A}" type="datetime1">
+              <a:rPr lang="en-US" smtClean="0"/>
+              <a:t>7/18/2014</a:t>
+            </a:fld>
+            <a:endParaRPr lang="en-US" dirty="0"/>
+          </a:p>
+        </p:txBody>
+      </p:sp>
+      <p:sp>
+        <p:nvSpPr>
+          <p:cNvPr id="11" name="Footer Placeholder 10"/>
+          <p:cNvSpPr>
+            <a:spLocks noGrp="1"/>
+          </p:cNvSpPr>
+          <p:nvPr>
+            <p:ph type="ftr" sz="quarter" idx="11"/>
+          </p:nvPr>
+        </p:nvSpPr>
+        <p:spPr/>
+        <p:txBody>
+          <a:bodyPr/>
+          <a:lstStyle/>
+          <a:p>
+            <a:pPr>
+              <a:lnSpc>
+                <a:spcPts val="1000"/>
+              </a:lnSpc>
+            </a:pPr>
+            <a:r>
+              <a:rPr lang="en-US" smtClean="0"/>
+              <a:t>McKesson Corporation Confidential and Proprietary</a:t>
+            </a:r>
+            <a:endParaRPr lang="en-US" dirty="0"/>
+          </a:p>
+        </p:txBody>
+      </p:sp>
+      <p:sp>
+        <p:nvSpPr>
+          <p:cNvPr id="12" name="Slide Number Placeholder 11"/>
+          <p:cNvSpPr>
+            <a:spLocks noGrp="1"/>
+          </p:cNvSpPr>
+          <p:nvPr>
+            <p:ph type="sldNum" sz="quarter" idx="12"/>
+          </p:nvPr>
+        </p:nvSpPr>
+        <p:spPr/>
+        <p:txBody>
+          <a:bodyPr/>
+          <a:lstStyle/>
+          <a:p>
+            <a:fld id="{B52DE8F2-FE9F-4322-A945-8EFB995C108B}" type="slidenum">
+              <a:rPr lang="en-US" smtClean="0"/>
+              <a:pPr/>
+              <a:t>‹#›</a:t>
+            </a:fld>
+            <a:endParaRPr lang="en-US" dirty="0"/>
+          </a:p>
+        </p:txBody>
+      </p:sp>
+      <p:sp>
+        <p:nvSpPr>
+          <p:cNvPr id="14" name="Title 13"/>
+          <p:cNvSpPr>
+            <a:spLocks noGrp="1"/>
+          </p:cNvSpPr>
+          <p:nvPr>
+            <p:ph type="title" hasCustomPrompt="1"/>
+          </p:nvPr>
+        </p:nvSpPr>
+        <p:spPr/>
+        <p:txBody>
+          <a:bodyPr vert="horz" lIns="0" tIns="0" rIns="0" bIns="0" rtlCol="0" anchor="t" anchorCtr="0">
+            <a:noAutofit/>
+          </a:bodyPr>
+          <a:lstStyle>
+            <a:lvl1pPr>
+              <a:defRPr lang="en-US" dirty="0"/>
+            </a:lvl1pPr>
+          </a:lstStyle>
+          <a:p>
+            <a:pPr lvl="0">
+              <a:lnSpc>
+                <a:spcPts val="3400"/>
+              </a:lnSpc>
+            </a:pPr>
+            <a:r>
+              <a:rPr lang="en-US" dirty="0" smtClean="0"/>
+              <a:t>Click to edit Agenda title style Arial 32/34</a:t>
+            </a:r>
+            <a:endParaRPr lang="en-US" dirty="0"/>
+          </a:p>
+        </p:txBody>
+      </p:sp>
+      <p:sp>
+        <p:nvSpPr>
+          <p:cNvPr id="7" name="Text Placeholder 11"/>
+          <p:cNvSpPr>
+            <a:spLocks noGrp="1"/>
+          </p:cNvSpPr>
+          <p:nvPr>
+            <p:ph type="body" sz="quarter" idx="15"/>
+          </p:nvPr>
+        </p:nvSpPr>
+        <p:spPr>
+          <a:xfrm>
+            <a:off x="292100" y="6019800"/>
+            <a:ext cx="5801784" cy="457200"/>
+          </a:xfrm>
+        </p:spPr>
+        <p:txBody>
+          <a:bodyPr anchor="b" anchorCtr="0"/>
+          <a:lstStyle>
+            <a:lvl1pPr>
+              <a:lnSpc>
+                <a:spcPts val="1000"/>
+              </a:lnSpc>
+              <a:defRPr sz="900" baseline="0"/>
+            </a:lvl1pPr>
+          </a:lstStyle>
+          <a:p>
+            <a:pPr lvl="0"/>
+            <a:r>
+              <a:rPr lang="en-US" smtClean="0"/>
+              <a:t>Click to edit Master text styles</a:t>
+            </a:r>
+          </a:p>
+        </p:txBody>
+      </p:sp>
+    </p:spTree>
+    <p:extLst>
+      <p:ext uri="{BB962C8B-B14F-4D97-AF65-F5344CB8AC3E}">
+        <p14:creationId xmlns:p14="http://schemas.microsoft.com/office/powerpoint/2010/main" val="3985387035"/>
+      </p:ext>
+    </p:extLst>
+  </p:cSld>
+  <p:clrMapOvr>
+    <a:masterClrMapping/>
+  </p:clrMapOvr>
+</p:sldLayout>
+</file>
+
 <file path=ppt/slideLayouts/slideLayout2.xml><?xml version="1.0" encoding="utf-8"?>
 <p:sldLayout xmlns:a="http://schemas.openxmlformats.org/drawingml/2006/main" xmlns:r="http://schemas.openxmlformats.org/officeDocument/2006/relationships" xmlns:p="http://schemas.openxmlformats.org/presentationml/2006/main" type="obj" preserve="1">
   <p:cSld name="Title and Content">
@@ -2513,7 +2786,7 @@
           <a:p>
             <a:fld id="{A79A3335-6331-4872-A8B7-ECD55539F4D0}" type="datetimeFigureOut">
               <a:rPr lang="en-US" smtClean="0"/>
-              <a:t>7/7/2014</a:t>
+              <a:t>7/18/2014</a:t>
             </a:fld>
             <a:endParaRPr lang="en-US"/>
           </a:p>
@@ -3743,7 +4016,7 @@
           <a:p>
             <a:fld id="{A79A3335-6331-4872-A8B7-ECD55539F4D0}" type="datetimeFigureOut">
               <a:rPr lang="en-US" smtClean="0"/>
-              <a:t>7/7/2014</a:t>
+              <a:t>7/18/2014</a:t>
             </a:fld>
             <a:endParaRPr lang="en-US"/>
           </a:p>
@@ -4126,7 +4399,7 @@
           <a:p>
             <a:fld id="{A79A3335-6331-4872-A8B7-ECD55539F4D0}" type="datetimeFigureOut">
               <a:rPr lang="en-US" smtClean="0"/>
-              <a:t>7/7/2014</a:t>
+              <a:t>7/18/2014</a:t>
             </a:fld>
             <a:endParaRPr lang="en-US"/>
           </a:p>
@@ -4256,7 +4529,7 @@
           <a:p>
             <a:fld id="{A79A3335-6331-4872-A8B7-ECD55539F4D0}" type="datetimeFigureOut">
               <a:rPr lang="en-US" smtClean="0"/>
-              <a:t>7/7/2014</a:t>
+              <a:t>7/18/2014</a:t>
             </a:fld>
             <a:endParaRPr lang="en-US"/>
           </a:p>
@@ -4363,7 +4636,7 @@
           <a:p>
             <a:fld id="{A79A3335-6331-4872-A8B7-ECD55539F4D0}" type="datetimeFigureOut">
               <a:rPr lang="en-US" smtClean="0"/>
-              <a:t>7/7/2014</a:t>
+              <a:t>7/18/2014</a:t>
             </a:fld>
             <a:endParaRPr lang="en-US"/>
           </a:p>
@@ -4654,7 +4927,7 @@
           <a:p>
             <a:fld id="{A79A3335-6331-4872-A8B7-ECD55539F4D0}" type="datetimeFigureOut">
               <a:rPr lang="en-US" smtClean="0"/>
-              <a:t>7/7/2014</a:t>
+              <a:t>7/18/2014</a:t>
             </a:fld>
             <a:endParaRPr lang="en-US"/>
           </a:p>
@@ -5018,7 +5291,7 @@
             <a:fld id="{A79A3335-6331-4872-A8B7-ECD55539F4D0}" type="datetimeFigureOut">
               <a:rPr lang="en-US" smtClean="0"/>
               <a:pPr/>
-              <a:t>7/7/2014</a:t>
+              <a:t>7/18/2014</a:t>
             </a:fld>
             <a:endParaRPr lang="en-US"/>
           </a:p>
@@ -5121,6 +5394,7 @@
     <p:sldLayoutId id="2147483661" r:id="rId11"/>
     <p:sldLayoutId id="2147483658" r:id="rId12"/>
     <p:sldLayoutId id="2147483659" r:id="rId13"/>
+    <p:sldLayoutId id="2147483662" r:id="rId14"/>
   </p:sldLayoutIdLst>
   <mc:AlternateContent xmlns:mc="http://schemas.openxmlformats.org/markup-compatibility/2006" xmlns:p14="http://schemas.microsoft.com/office/powerpoint/2010/main">
     <mc:Choice Requires="p14">
@@ -5569,6 +5843,930 @@
 </p:sld>
 </file>
 
+<file path=ppt/slides/slide10.xml><?xml version="1.0" encoding="utf-8"?>
+<p:sld xmlns:a="http://schemas.openxmlformats.org/drawingml/2006/main" xmlns:r="http://schemas.openxmlformats.org/officeDocument/2006/relationships" xmlns:p="http://schemas.openxmlformats.org/presentationml/2006/main">
+  <p:cSld>
+    <p:spTree>
+      <p:nvGrpSpPr>
+        <p:cNvPr id="1" name=""/>
+        <p:cNvGrpSpPr/>
+        <p:nvPr/>
+      </p:nvGrpSpPr>
+      <p:grpSpPr>
+        <a:xfrm>
+          <a:off x="0" y="0"/>
+          <a:ext cx="0" cy="0"/>
+          <a:chOff x="0" y="0"/>
+          <a:chExt cx="0" cy="0"/>
+        </a:xfrm>
+      </p:grpSpPr>
+      <p:sp>
+        <p:nvSpPr>
+          <p:cNvPr id="4" name="Title 3"/>
+          <p:cNvSpPr>
+            <a:spLocks noGrp="1"/>
+          </p:cNvSpPr>
+          <p:nvPr>
+            <p:ph type="title"/>
+          </p:nvPr>
+        </p:nvSpPr>
+        <p:spPr/>
+        <p:txBody>
+          <a:bodyPr/>
+          <a:lstStyle/>
+          <a:p>
+            <a:r>
+              <a:rPr lang="en-US" dirty="0" smtClean="0"/>
+              <a:t>Demo</a:t>
+            </a:r>
+            <a:endParaRPr lang="en-US" dirty="0"/>
+          </a:p>
+        </p:txBody>
+      </p:sp>
+      <p:sp>
+        <p:nvSpPr>
+          <p:cNvPr id="5" name="Text Placeholder 4"/>
+          <p:cNvSpPr>
+            <a:spLocks noGrp="1"/>
+          </p:cNvSpPr>
+          <p:nvPr>
+            <p:ph type="body" idx="1"/>
+          </p:nvPr>
+        </p:nvSpPr>
+        <p:spPr/>
+        <p:txBody>
+          <a:bodyPr/>
+          <a:lstStyle/>
+          <a:p>
+            <a:r>
+              <a:rPr lang="en-US" dirty="0" smtClean="0"/>
+              <a:t>Scaling Out Background Worker</a:t>
+            </a:r>
+            <a:endParaRPr lang="en-US" dirty="0"/>
+          </a:p>
+        </p:txBody>
+      </p:sp>
+    </p:spTree>
+    <p:extLst>
+      <p:ext uri="{BB962C8B-B14F-4D97-AF65-F5344CB8AC3E}">
+        <p14:creationId xmlns:p14="http://schemas.microsoft.com/office/powerpoint/2010/main" val="4169221901"/>
+      </p:ext>
+    </p:extLst>
+  </p:cSld>
+  <p:clrMapOvr>
+    <a:masterClrMapping/>
+  </p:clrMapOvr>
+  <mc:AlternateContent xmlns:mc="http://schemas.openxmlformats.org/markup-compatibility/2006">
+    <mc:Choice xmlns:p14="http://schemas.microsoft.com/office/powerpoint/2010/main" Requires="p14">
+      <p:transition spd="med" p14:dur="700">
+        <p:fade/>
+      </p:transition>
+    </mc:Choice>
+    <mc:Fallback>
+      <p:transition spd="med">
+        <p:fade/>
+      </p:transition>
+    </mc:Fallback>
+  </mc:AlternateContent>
+</p:sld>
+</file>
+
+<file path=ppt/slides/slide11.xml><?xml version="1.0" encoding="utf-8"?>
+<p:sld xmlns:a="http://schemas.openxmlformats.org/drawingml/2006/main" xmlns:r="http://schemas.openxmlformats.org/officeDocument/2006/relationships" xmlns:p="http://schemas.openxmlformats.org/presentationml/2006/main">
+  <p:cSld>
+    <p:spTree>
+      <p:nvGrpSpPr>
+        <p:cNvPr id="1" name=""/>
+        <p:cNvGrpSpPr/>
+        <p:nvPr/>
+      </p:nvGrpSpPr>
+      <p:grpSpPr>
+        <a:xfrm>
+          <a:off x="0" y="0"/>
+          <a:ext cx="0" cy="0"/>
+          <a:chOff x="0" y="0"/>
+          <a:chExt cx="0" cy="0"/>
+        </a:xfrm>
+      </p:grpSpPr>
+      <p:sp>
+        <p:nvSpPr>
+          <p:cNvPr id="2" name="Title 1"/>
+          <p:cNvSpPr>
+            <a:spLocks noGrp="1"/>
+          </p:cNvSpPr>
+          <p:nvPr>
+            <p:ph type="title"/>
+          </p:nvPr>
+        </p:nvSpPr>
+        <p:spPr/>
+        <p:txBody>
+          <a:bodyPr/>
+          <a:lstStyle/>
+          <a:p>
+            <a:r>
+              <a:rPr lang="en-US" dirty="0" smtClean="0"/>
+              <a:t>Pub/Sub</a:t>
+            </a:r>
+            <a:endParaRPr lang="en-US" dirty="0"/>
+          </a:p>
+        </p:txBody>
+      </p:sp>
+      <p:sp>
+        <p:nvSpPr>
+          <p:cNvPr id="3" name="Content Placeholder 2"/>
+          <p:cNvSpPr>
+            <a:spLocks noGrp="1"/>
+          </p:cNvSpPr>
+          <p:nvPr>
+            <p:ph idx="1"/>
+          </p:nvPr>
+        </p:nvSpPr>
+        <p:spPr/>
+        <p:txBody>
+          <a:bodyPr>
+            <a:normAutofit/>
+          </a:bodyPr>
+          <a:lstStyle/>
+          <a:p>
+            <a:r>
+              <a:rPr lang="en-US" sz="3600" dirty="0" smtClean="0"/>
+              <a:t>Publisher</a:t>
+            </a:r>
+          </a:p>
+          <a:p>
+            <a:pPr lvl="1"/>
+            <a:r>
+              <a:rPr lang="en-US" sz="3200" dirty="0" smtClean="0"/>
+              <a:t>Sends out messages about it’s activity (events)</a:t>
+            </a:r>
+          </a:p>
+          <a:p>
+            <a:r>
+              <a:rPr lang="en-US" sz="3600" dirty="0" smtClean="0"/>
+              <a:t>Subscriber(s)</a:t>
+            </a:r>
+          </a:p>
+          <a:p>
+            <a:pPr lvl="1"/>
+            <a:r>
+              <a:rPr lang="en-US" sz="3200" dirty="0" smtClean="0"/>
+              <a:t>Receive messages and do work</a:t>
+            </a:r>
+            <a:endParaRPr lang="en-US" sz="3200" dirty="0"/>
+          </a:p>
+        </p:txBody>
+      </p:sp>
+    </p:spTree>
+    <p:extLst>
+      <p:ext uri="{BB962C8B-B14F-4D97-AF65-F5344CB8AC3E}">
+        <p14:creationId xmlns:p14="http://schemas.microsoft.com/office/powerpoint/2010/main" val="2742967825"/>
+      </p:ext>
+    </p:extLst>
+  </p:cSld>
+  <p:clrMapOvr>
+    <a:masterClrMapping/>
+  </p:clrMapOvr>
+  <mc:AlternateContent xmlns:mc="http://schemas.openxmlformats.org/markup-compatibility/2006">
+    <mc:Choice xmlns:p14="http://schemas.microsoft.com/office/powerpoint/2010/main" Requires="p14">
+      <p:transition spd="med" p14:dur="700">
+        <p:fade/>
+      </p:transition>
+    </mc:Choice>
+    <mc:Fallback>
+      <p:transition spd="med">
+        <p:fade/>
+      </p:transition>
+    </mc:Fallback>
+  </mc:AlternateContent>
+</p:sld>
+</file>
+
+<file path=ppt/slides/slide12.xml><?xml version="1.0" encoding="utf-8"?>
+<p:sld xmlns:a="http://schemas.openxmlformats.org/drawingml/2006/main" xmlns:r="http://schemas.openxmlformats.org/officeDocument/2006/relationships" xmlns:p="http://schemas.openxmlformats.org/presentationml/2006/main">
+  <p:cSld>
+    <p:spTree>
+      <p:nvGrpSpPr>
+        <p:cNvPr id="1" name=""/>
+        <p:cNvGrpSpPr/>
+        <p:nvPr/>
+      </p:nvGrpSpPr>
+      <p:grpSpPr>
+        <a:xfrm>
+          <a:off x="0" y="0"/>
+          <a:ext cx="0" cy="0"/>
+          <a:chOff x="0" y="0"/>
+          <a:chExt cx="0" cy="0"/>
+        </a:xfrm>
+      </p:grpSpPr>
+      <p:sp>
+        <p:nvSpPr>
+          <p:cNvPr id="2" name="Title 1"/>
+          <p:cNvSpPr>
+            <a:spLocks noGrp="1"/>
+          </p:cNvSpPr>
+          <p:nvPr>
+            <p:ph type="title"/>
+          </p:nvPr>
+        </p:nvSpPr>
+        <p:spPr/>
+        <p:txBody>
+          <a:bodyPr/>
+          <a:lstStyle/>
+          <a:p>
+            <a:r>
+              <a:rPr lang="en-US" dirty="0" smtClean="0"/>
+              <a:t>Why Pub/Sub?</a:t>
+            </a:r>
+            <a:endParaRPr lang="en-US" dirty="0"/>
+          </a:p>
+        </p:txBody>
+      </p:sp>
+      <p:sp>
+        <p:nvSpPr>
+          <p:cNvPr id="3" name="Content Placeholder 2"/>
+          <p:cNvSpPr>
+            <a:spLocks noGrp="1"/>
+          </p:cNvSpPr>
+          <p:nvPr>
+            <p:ph idx="1"/>
+          </p:nvPr>
+        </p:nvSpPr>
+        <p:spPr/>
+        <p:txBody>
+          <a:bodyPr/>
+          <a:lstStyle/>
+          <a:p>
+            <a:r>
+              <a:rPr lang="en-US" dirty="0" smtClean="0"/>
+              <a:t>Different work that needs to be done when an event completes</a:t>
+            </a:r>
+          </a:p>
+          <a:p>
+            <a:r>
+              <a:rPr lang="en-US" dirty="0" smtClean="0"/>
+              <a:t>Decoupling to allow flexibility</a:t>
+            </a:r>
+          </a:p>
+          <a:p>
+            <a:r>
+              <a:rPr lang="en-US" dirty="0" smtClean="0"/>
+              <a:t>Refresh multiple clients</a:t>
+            </a:r>
+          </a:p>
+        </p:txBody>
+      </p:sp>
+    </p:spTree>
+    <p:extLst>
+      <p:ext uri="{BB962C8B-B14F-4D97-AF65-F5344CB8AC3E}">
+        <p14:creationId xmlns:p14="http://schemas.microsoft.com/office/powerpoint/2010/main" val="306983652"/>
+      </p:ext>
+    </p:extLst>
+  </p:cSld>
+  <p:clrMapOvr>
+    <a:masterClrMapping/>
+  </p:clrMapOvr>
+  <mc:AlternateContent xmlns:mc="http://schemas.openxmlformats.org/markup-compatibility/2006">
+    <mc:Choice xmlns:p14="http://schemas.microsoft.com/office/powerpoint/2010/main" Requires="p14">
+      <p:transition spd="med" p14:dur="700">
+        <p:fade/>
+      </p:transition>
+    </mc:Choice>
+    <mc:Fallback>
+      <p:transition spd="med">
+        <p:fade/>
+      </p:transition>
+    </mc:Fallback>
+  </mc:AlternateContent>
+</p:sld>
+</file>
+
+<file path=ppt/slides/slide13.xml><?xml version="1.0" encoding="utf-8"?>
+<p:sld xmlns:a="http://schemas.openxmlformats.org/drawingml/2006/main" xmlns:r="http://schemas.openxmlformats.org/officeDocument/2006/relationships" xmlns:p="http://schemas.openxmlformats.org/presentationml/2006/main">
+  <p:cSld>
+    <p:spTree>
+      <p:nvGrpSpPr>
+        <p:cNvPr id="1" name=""/>
+        <p:cNvGrpSpPr/>
+        <p:nvPr/>
+      </p:nvGrpSpPr>
+      <p:grpSpPr>
+        <a:xfrm>
+          <a:off x="0" y="0"/>
+          <a:ext cx="0" cy="0"/>
+          <a:chOff x="0" y="0"/>
+          <a:chExt cx="0" cy="0"/>
+        </a:xfrm>
+      </p:grpSpPr>
+      <p:sp>
+        <p:nvSpPr>
+          <p:cNvPr id="4" name="Title 3"/>
+          <p:cNvSpPr>
+            <a:spLocks noGrp="1"/>
+          </p:cNvSpPr>
+          <p:nvPr>
+            <p:ph type="title"/>
+          </p:nvPr>
+        </p:nvSpPr>
+        <p:spPr/>
+        <p:txBody>
+          <a:bodyPr/>
+          <a:lstStyle/>
+          <a:p>
+            <a:r>
+              <a:rPr lang="en-US" dirty="0" smtClean="0"/>
+              <a:t>Demo</a:t>
+            </a:r>
+            <a:endParaRPr lang="en-US" dirty="0"/>
+          </a:p>
+        </p:txBody>
+      </p:sp>
+      <p:sp>
+        <p:nvSpPr>
+          <p:cNvPr id="5" name="Text Placeholder 4"/>
+          <p:cNvSpPr>
+            <a:spLocks noGrp="1"/>
+          </p:cNvSpPr>
+          <p:nvPr>
+            <p:ph type="body" idx="1"/>
+          </p:nvPr>
+        </p:nvSpPr>
+        <p:spPr/>
+        <p:txBody>
+          <a:bodyPr/>
+          <a:lstStyle/>
+          <a:p>
+            <a:r>
+              <a:rPr lang="en-US" dirty="0" smtClean="0"/>
+              <a:t>Pub/Sub – </a:t>
+            </a:r>
+            <a:r>
+              <a:rPr lang="en-US" dirty="0" err="1" smtClean="0"/>
+              <a:t>Fanout</a:t>
+            </a:r>
+            <a:r>
+              <a:rPr lang="en-US" dirty="0" smtClean="0"/>
+              <a:t> Exchange</a:t>
+            </a:r>
+            <a:endParaRPr lang="en-US" dirty="0"/>
+          </a:p>
+        </p:txBody>
+      </p:sp>
+    </p:spTree>
+    <p:extLst>
+      <p:ext uri="{BB962C8B-B14F-4D97-AF65-F5344CB8AC3E}">
+        <p14:creationId xmlns:p14="http://schemas.microsoft.com/office/powerpoint/2010/main" val="3626900510"/>
+      </p:ext>
+    </p:extLst>
+  </p:cSld>
+  <p:clrMapOvr>
+    <a:masterClrMapping/>
+  </p:clrMapOvr>
+  <mc:AlternateContent xmlns:mc="http://schemas.openxmlformats.org/markup-compatibility/2006">
+    <mc:Choice xmlns:p14="http://schemas.microsoft.com/office/powerpoint/2010/main" Requires="p14">
+      <p:transition spd="med" p14:dur="700">
+        <p:fade/>
+      </p:transition>
+    </mc:Choice>
+    <mc:Fallback>
+      <p:transition spd="med">
+        <p:fade/>
+      </p:transition>
+    </mc:Fallback>
+  </mc:AlternateContent>
+</p:sld>
+</file>
+
+<file path=ppt/slides/slide14.xml><?xml version="1.0" encoding="utf-8"?>
+<p:sld xmlns:a="http://schemas.openxmlformats.org/drawingml/2006/main" xmlns:r="http://schemas.openxmlformats.org/officeDocument/2006/relationships" xmlns:p="http://schemas.openxmlformats.org/presentationml/2006/main">
+  <p:cSld>
+    <p:spTree>
+      <p:nvGrpSpPr>
+        <p:cNvPr id="1" name=""/>
+        <p:cNvGrpSpPr/>
+        <p:nvPr/>
+      </p:nvGrpSpPr>
+      <p:grpSpPr>
+        <a:xfrm>
+          <a:off x="0" y="0"/>
+          <a:ext cx="0" cy="0"/>
+          <a:chOff x="0" y="0"/>
+          <a:chExt cx="0" cy="0"/>
+        </a:xfrm>
+      </p:grpSpPr>
+      <p:sp>
+        <p:nvSpPr>
+          <p:cNvPr id="4" name="Title 3"/>
+          <p:cNvSpPr>
+            <a:spLocks noGrp="1"/>
+          </p:cNvSpPr>
+          <p:nvPr>
+            <p:ph type="title"/>
+          </p:nvPr>
+        </p:nvSpPr>
+        <p:spPr/>
+        <p:txBody>
+          <a:bodyPr/>
+          <a:lstStyle/>
+          <a:p>
+            <a:r>
+              <a:rPr lang="en-US" dirty="0" smtClean="0"/>
+              <a:t>Demo</a:t>
+            </a:r>
+            <a:endParaRPr lang="en-US" dirty="0"/>
+          </a:p>
+        </p:txBody>
+      </p:sp>
+      <p:sp>
+        <p:nvSpPr>
+          <p:cNvPr id="5" name="Text Placeholder 4"/>
+          <p:cNvSpPr>
+            <a:spLocks noGrp="1"/>
+          </p:cNvSpPr>
+          <p:nvPr>
+            <p:ph type="body" idx="1"/>
+          </p:nvPr>
+        </p:nvSpPr>
+        <p:spPr/>
+        <p:txBody>
+          <a:bodyPr/>
+          <a:lstStyle/>
+          <a:p>
+            <a:r>
+              <a:rPr lang="en-US" dirty="0" smtClean="0"/>
+              <a:t>Pub/Sub – Topic Exchange</a:t>
+            </a:r>
+            <a:endParaRPr lang="en-US" dirty="0"/>
+          </a:p>
+        </p:txBody>
+      </p:sp>
+    </p:spTree>
+    <p:extLst>
+      <p:ext uri="{BB962C8B-B14F-4D97-AF65-F5344CB8AC3E}">
+        <p14:creationId xmlns:p14="http://schemas.microsoft.com/office/powerpoint/2010/main" val="662003395"/>
+      </p:ext>
+    </p:extLst>
+  </p:cSld>
+  <p:clrMapOvr>
+    <a:masterClrMapping/>
+  </p:clrMapOvr>
+  <mc:AlternateContent xmlns:mc="http://schemas.openxmlformats.org/markup-compatibility/2006">
+    <mc:Choice xmlns:p14="http://schemas.microsoft.com/office/powerpoint/2010/main" Requires="p14">
+      <p:transition spd="med" p14:dur="700">
+        <p:fade/>
+      </p:transition>
+    </mc:Choice>
+    <mc:Fallback>
+      <p:transition spd="med">
+        <p:fade/>
+      </p:transition>
+    </mc:Fallback>
+  </mc:AlternateContent>
+</p:sld>
+</file>
+
+<file path=ppt/slides/slide15.xml><?xml version="1.0" encoding="utf-8"?>
+<p:sld xmlns:a="http://schemas.openxmlformats.org/drawingml/2006/main" xmlns:r="http://schemas.openxmlformats.org/officeDocument/2006/relationships" xmlns:p="http://schemas.openxmlformats.org/presentationml/2006/main">
+  <p:cSld>
+    <p:spTree>
+      <p:nvGrpSpPr>
+        <p:cNvPr id="1" name=""/>
+        <p:cNvGrpSpPr/>
+        <p:nvPr/>
+      </p:nvGrpSpPr>
+      <p:grpSpPr>
+        <a:xfrm>
+          <a:off x="0" y="0"/>
+          <a:ext cx="0" cy="0"/>
+          <a:chOff x="0" y="0"/>
+          <a:chExt cx="0" cy="0"/>
+        </a:xfrm>
+      </p:grpSpPr>
+      <p:sp>
+        <p:nvSpPr>
+          <p:cNvPr id="4" name="Title 3"/>
+          <p:cNvSpPr>
+            <a:spLocks noGrp="1"/>
+          </p:cNvSpPr>
+          <p:nvPr>
+            <p:ph type="title"/>
+          </p:nvPr>
+        </p:nvSpPr>
+        <p:spPr/>
+        <p:txBody>
+          <a:bodyPr/>
+          <a:lstStyle/>
+          <a:p>
+            <a:r>
+              <a:rPr lang="en-US" dirty="0" smtClean="0"/>
+              <a:t>Other Considerations</a:t>
+            </a:r>
+            <a:endParaRPr lang="en-US" dirty="0"/>
+          </a:p>
+        </p:txBody>
+      </p:sp>
+      <p:sp>
+        <p:nvSpPr>
+          <p:cNvPr id="5" name="Text Placeholder 4"/>
+          <p:cNvSpPr>
+            <a:spLocks noGrp="1"/>
+          </p:cNvSpPr>
+          <p:nvPr>
+            <p:ph type="body" idx="1"/>
+          </p:nvPr>
+        </p:nvSpPr>
+        <p:spPr/>
+        <p:txBody>
+          <a:bodyPr/>
+          <a:lstStyle/>
+          <a:p>
+            <a:endParaRPr lang="en-US"/>
+          </a:p>
+        </p:txBody>
+      </p:sp>
+    </p:spTree>
+    <p:extLst>
+      <p:ext uri="{BB962C8B-B14F-4D97-AF65-F5344CB8AC3E}">
+        <p14:creationId xmlns:p14="http://schemas.microsoft.com/office/powerpoint/2010/main" val="43101360"/>
+      </p:ext>
+    </p:extLst>
+  </p:cSld>
+  <p:clrMapOvr>
+    <a:masterClrMapping/>
+  </p:clrMapOvr>
+  <mc:AlternateContent xmlns:mc="http://schemas.openxmlformats.org/markup-compatibility/2006">
+    <mc:Choice xmlns:p14="http://schemas.microsoft.com/office/powerpoint/2010/main" Requires="p14">
+      <p:transition spd="med" p14:dur="700">
+        <p:fade/>
+      </p:transition>
+    </mc:Choice>
+    <mc:Fallback>
+      <p:transition spd="med">
+        <p:fade/>
+      </p:transition>
+    </mc:Fallback>
+  </mc:AlternateContent>
+</p:sld>
+</file>
+
+<file path=ppt/slides/slide16.xml><?xml version="1.0" encoding="utf-8"?>
+<p:sld xmlns:a="http://schemas.openxmlformats.org/drawingml/2006/main" xmlns:r="http://schemas.openxmlformats.org/officeDocument/2006/relationships" xmlns:p="http://schemas.openxmlformats.org/presentationml/2006/main">
+  <p:cSld>
+    <p:spTree>
+      <p:nvGrpSpPr>
+        <p:cNvPr id="1" name=""/>
+        <p:cNvGrpSpPr/>
+        <p:nvPr/>
+      </p:nvGrpSpPr>
+      <p:grpSpPr>
+        <a:xfrm>
+          <a:off x="0" y="0"/>
+          <a:ext cx="0" cy="0"/>
+          <a:chOff x="0" y="0"/>
+          <a:chExt cx="0" cy="0"/>
+        </a:xfrm>
+      </p:grpSpPr>
+      <p:sp>
+        <p:nvSpPr>
+          <p:cNvPr id="2" name="Title 1"/>
+          <p:cNvSpPr>
+            <a:spLocks noGrp="1"/>
+          </p:cNvSpPr>
+          <p:nvPr>
+            <p:ph type="title"/>
+          </p:nvPr>
+        </p:nvSpPr>
+        <p:spPr/>
+        <p:txBody>
+          <a:bodyPr/>
+          <a:lstStyle/>
+          <a:p>
+            <a:r>
+              <a:rPr lang="en-US" dirty="0" smtClean="0"/>
+              <a:t>“Good” Practices</a:t>
+            </a:r>
+            <a:endParaRPr lang="en-US" dirty="0"/>
+          </a:p>
+        </p:txBody>
+      </p:sp>
+      <p:sp>
+        <p:nvSpPr>
+          <p:cNvPr id="3" name="Content Placeholder 2"/>
+          <p:cNvSpPr>
+            <a:spLocks noGrp="1"/>
+          </p:cNvSpPr>
+          <p:nvPr>
+            <p:ph idx="1"/>
+          </p:nvPr>
+        </p:nvSpPr>
+        <p:spPr/>
+        <p:txBody>
+          <a:bodyPr/>
+          <a:lstStyle/>
+          <a:p>
+            <a:r>
+              <a:rPr lang="en-US" dirty="0" smtClean="0"/>
+              <a:t>Have a message versioning strategy</a:t>
+            </a:r>
+          </a:p>
+          <a:p>
+            <a:r>
+              <a:rPr lang="en-US" dirty="0" smtClean="0"/>
+              <a:t>Don’t use messaging/queues for RPC</a:t>
+            </a:r>
+          </a:p>
+          <a:p>
+            <a:r>
+              <a:rPr lang="en-US" dirty="0" smtClean="0"/>
+              <a:t>Create a meaningful hierarchy for your topics</a:t>
+            </a:r>
+          </a:p>
+          <a:p>
+            <a:pPr lvl="1"/>
+            <a:r>
+              <a:rPr lang="en-US" dirty="0" smtClean="0"/>
+              <a:t>Ex: &lt;company name&gt;.&lt;application name&gt;.&lt;concern&gt;.&lt;message purpose&gt;</a:t>
+            </a:r>
+            <a:endParaRPr lang="en-US" dirty="0"/>
+          </a:p>
+        </p:txBody>
+      </p:sp>
+    </p:spTree>
+    <p:extLst>
+      <p:ext uri="{BB962C8B-B14F-4D97-AF65-F5344CB8AC3E}">
+        <p14:creationId xmlns:p14="http://schemas.microsoft.com/office/powerpoint/2010/main" val="470557734"/>
+      </p:ext>
+    </p:extLst>
+  </p:cSld>
+  <p:clrMapOvr>
+    <a:masterClrMapping/>
+  </p:clrMapOvr>
+  <mc:AlternateContent xmlns:mc="http://schemas.openxmlformats.org/markup-compatibility/2006">
+    <mc:Choice xmlns:p14="http://schemas.microsoft.com/office/powerpoint/2010/main" Requires="p14">
+      <p:transition spd="med" p14:dur="700">
+        <p:fade/>
+      </p:transition>
+    </mc:Choice>
+    <mc:Fallback>
+      <p:transition spd="med">
+        <p:fade/>
+      </p:transition>
+    </mc:Fallback>
+  </mc:AlternateContent>
+</p:sld>
+</file>
+
+<file path=ppt/slides/slide17.xml><?xml version="1.0" encoding="utf-8"?>
+<p:sld xmlns:a="http://schemas.openxmlformats.org/drawingml/2006/main" xmlns:r="http://schemas.openxmlformats.org/officeDocument/2006/relationships" xmlns:p="http://schemas.openxmlformats.org/presentationml/2006/main">
+  <p:cSld>
+    <p:spTree>
+      <p:nvGrpSpPr>
+        <p:cNvPr id="1" name=""/>
+        <p:cNvGrpSpPr/>
+        <p:nvPr/>
+      </p:nvGrpSpPr>
+      <p:grpSpPr>
+        <a:xfrm>
+          <a:off x="0" y="0"/>
+          <a:ext cx="0" cy="0"/>
+          <a:chOff x="0" y="0"/>
+          <a:chExt cx="0" cy="0"/>
+        </a:xfrm>
+      </p:grpSpPr>
+      <p:sp>
+        <p:nvSpPr>
+          <p:cNvPr id="2" name="Title 1"/>
+          <p:cNvSpPr>
+            <a:spLocks noGrp="1"/>
+          </p:cNvSpPr>
+          <p:nvPr>
+            <p:ph type="title"/>
+          </p:nvPr>
+        </p:nvSpPr>
+        <p:spPr/>
+        <p:txBody>
+          <a:bodyPr/>
+          <a:lstStyle/>
+          <a:p>
+            <a:r>
+              <a:rPr lang="en-US" dirty="0" err="1" smtClean="0"/>
+              <a:t>MassTransit</a:t>
+            </a:r>
+            <a:endParaRPr lang="en-US" dirty="0"/>
+          </a:p>
+        </p:txBody>
+      </p:sp>
+      <p:sp>
+        <p:nvSpPr>
+          <p:cNvPr id="3" name="Content Placeholder 2"/>
+          <p:cNvSpPr>
+            <a:spLocks noGrp="1"/>
+          </p:cNvSpPr>
+          <p:nvPr>
+            <p:ph idx="1"/>
+          </p:nvPr>
+        </p:nvSpPr>
+        <p:spPr/>
+        <p:txBody>
+          <a:bodyPr/>
+          <a:lstStyle/>
+          <a:p>
+            <a:endParaRPr lang="en-US"/>
+          </a:p>
+        </p:txBody>
+      </p:sp>
+    </p:spTree>
+    <p:extLst>
+      <p:ext uri="{BB962C8B-B14F-4D97-AF65-F5344CB8AC3E}">
+        <p14:creationId xmlns:p14="http://schemas.microsoft.com/office/powerpoint/2010/main" val="4251321414"/>
+      </p:ext>
+    </p:extLst>
+  </p:cSld>
+  <p:clrMapOvr>
+    <a:masterClrMapping/>
+  </p:clrMapOvr>
+  <mc:AlternateContent xmlns:mc="http://schemas.openxmlformats.org/markup-compatibility/2006">
+    <mc:Choice xmlns:p14="http://schemas.microsoft.com/office/powerpoint/2010/main" Requires="p14">
+      <p:transition spd="med" p14:dur="700">
+        <p:fade/>
+      </p:transition>
+    </mc:Choice>
+    <mc:Fallback>
+      <p:transition spd="med">
+        <p:fade/>
+      </p:transition>
+    </mc:Fallback>
+  </mc:AlternateContent>
+</p:sld>
+</file>
+
+<file path=ppt/slides/slide18.xml><?xml version="1.0" encoding="utf-8"?>
+<p:sld xmlns:a="http://schemas.openxmlformats.org/drawingml/2006/main" xmlns:r="http://schemas.openxmlformats.org/officeDocument/2006/relationships" xmlns:p="http://schemas.openxmlformats.org/presentationml/2006/main">
+  <p:cSld>
+    <p:spTree>
+      <p:nvGrpSpPr>
+        <p:cNvPr id="1" name=""/>
+        <p:cNvGrpSpPr/>
+        <p:nvPr/>
+      </p:nvGrpSpPr>
+      <p:grpSpPr>
+        <a:xfrm>
+          <a:off x="0" y="0"/>
+          <a:ext cx="0" cy="0"/>
+          <a:chOff x="0" y="0"/>
+          <a:chExt cx="0" cy="0"/>
+        </a:xfrm>
+      </p:grpSpPr>
+      <p:sp>
+        <p:nvSpPr>
+          <p:cNvPr id="2" name="Title 1"/>
+          <p:cNvSpPr>
+            <a:spLocks noGrp="1"/>
+          </p:cNvSpPr>
+          <p:nvPr>
+            <p:ph type="title"/>
+          </p:nvPr>
+        </p:nvSpPr>
+        <p:spPr/>
+        <p:txBody>
+          <a:bodyPr/>
+          <a:lstStyle/>
+          <a:p>
+            <a:r>
+              <a:rPr lang="en-US" dirty="0" smtClean="0"/>
+              <a:t>Domain Driven Design</a:t>
+            </a:r>
+            <a:endParaRPr lang="en-US" dirty="0"/>
+          </a:p>
+        </p:txBody>
+      </p:sp>
+      <p:sp>
+        <p:nvSpPr>
+          <p:cNvPr id="3" name="Content Placeholder 2"/>
+          <p:cNvSpPr>
+            <a:spLocks noGrp="1"/>
+          </p:cNvSpPr>
+          <p:nvPr>
+            <p:ph idx="1"/>
+          </p:nvPr>
+        </p:nvSpPr>
+        <p:spPr/>
+        <p:txBody>
+          <a:bodyPr/>
+          <a:lstStyle/>
+          <a:p>
+            <a:endParaRPr lang="en-US"/>
+          </a:p>
+        </p:txBody>
+      </p:sp>
+    </p:spTree>
+    <p:extLst>
+      <p:ext uri="{BB962C8B-B14F-4D97-AF65-F5344CB8AC3E}">
+        <p14:creationId xmlns:p14="http://schemas.microsoft.com/office/powerpoint/2010/main" val="1451244177"/>
+      </p:ext>
+    </p:extLst>
+  </p:cSld>
+  <p:clrMapOvr>
+    <a:masterClrMapping/>
+  </p:clrMapOvr>
+  <mc:AlternateContent xmlns:mc="http://schemas.openxmlformats.org/markup-compatibility/2006">
+    <mc:Choice xmlns:p14="http://schemas.microsoft.com/office/powerpoint/2010/main" Requires="p14">
+      <p:transition spd="med" p14:dur="700">
+        <p:fade/>
+      </p:transition>
+    </mc:Choice>
+    <mc:Fallback>
+      <p:transition spd="med">
+        <p:fade/>
+      </p:transition>
+    </mc:Fallback>
+  </mc:AlternateContent>
+</p:sld>
+</file>
+
+<file path=ppt/slides/slide19.xml><?xml version="1.0" encoding="utf-8"?>
+<p:sld xmlns:a="http://schemas.openxmlformats.org/drawingml/2006/main" xmlns:r="http://schemas.openxmlformats.org/officeDocument/2006/relationships" xmlns:p="http://schemas.openxmlformats.org/presentationml/2006/main">
+  <p:cSld>
+    <p:spTree>
+      <p:nvGrpSpPr>
+        <p:cNvPr id="1" name=""/>
+        <p:cNvGrpSpPr/>
+        <p:nvPr/>
+      </p:nvGrpSpPr>
+      <p:grpSpPr>
+        <a:xfrm>
+          <a:off x="0" y="0"/>
+          <a:ext cx="0" cy="0"/>
+          <a:chOff x="0" y="0"/>
+          <a:chExt cx="0" cy="0"/>
+        </a:xfrm>
+      </p:grpSpPr>
+      <p:sp>
+        <p:nvSpPr>
+          <p:cNvPr id="7" name="Title 6"/>
+          <p:cNvSpPr>
+            <a:spLocks noGrp="1"/>
+          </p:cNvSpPr>
+          <p:nvPr>
+            <p:ph type="title"/>
+          </p:nvPr>
+        </p:nvSpPr>
+        <p:spPr/>
+        <p:txBody>
+          <a:bodyPr/>
+          <a:lstStyle/>
+          <a:p>
+            <a:r>
+              <a:rPr lang="en-US" dirty="0" smtClean="0"/>
+              <a:t>Questions?</a:t>
+            </a:r>
+            <a:endParaRPr lang="en-US" dirty="0"/>
+          </a:p>
+        </p:txBody>
+      </p:sp>
+      <p:sp>
+        <p:nvSpPr>
+          <p:cNvPr id="8" name="Content Placeholder 7"/>
+          <p:cNvSpPr>
+            <a:spLocks noGrp="1"/>
+          </p:cNvSpPr>
+          <p:nvPr>
+            <p:ph idx="1"/>
+          </p:nvPr>
+        </p:nvSpPr>
+        <p:spPr/>
+        <p:txBody>
+          <a:bodyPr/>
+          <a:lstStyle/>
+          <a:p>
+            <a:endParaRPr lang="en-US"/>
+          </a:p>
+        </p:txBody>
+      </p:sp>
+    </p:spTree>
+    <p:extLst>
+      <p:ext uri="{BB962C8B-B14F-4D97-AF65-F5344CB8AC3E}">
+        <p14:creationId xmlns:p14="http://schemas.microsoft.com/office/powerpoint/2010/main" val="2424931334"/>
+      </p:ext>
+    </p:extLst>
+  </p:cSld>
+  <p:clrMapOvr>
+    <a:masterClrMapping/>
+  </p:clrMapOvr>
+  <mc:AlternateContent xmlns:mc="http://schemas.openxmlformats.org/markup-compatibility/2006" xmlns:p14="http://schemas.microsoft.com/office/powerpoint/2010/main">
+    <mc:Choice Requires="p14">
+      <p:transition spd="med" p14:dur="700">
+        <p:fade/>
+      </p:transition>
+    </mc:Choice>
+    <mc:Fallback xmlns="">
+      <p:transition spd="med">
+        <p:fade/>
+      </p:transition>
+    </mc:Fallback>
+  </mc:AlternateContent>
+</p:sld>
+</file>
+
 <file path=ppt/slides/slide2.xml><?xml version="1.0" encoding="utf-8"?>
 <p:sld xmlns:a="http://schemas.openxmlformats.org/drawingml/2006/main" xmlns:r="http://schemas.openxmlformats.org/officeDocument/2006/relationships" xmlns:p="http://schemas.openxmlformats.org/presentationml/2006/main">
   <p:cSld>
@@ -5630,36 +6828,7 @@
           <a:p>
             <a:r>
               <a:rPr lang="en-US" dirty="0" smtClean="0"/>
-              <a:t>What is </a:t>
-            </a:r>
-            <a:r>
-              <a:rPr lang="en-US" dirty="0" err="1" smtClean="0"/>
-              <a:t>RabbitMQ</a:t>
-            </a:r>
-            <a:endParaRPr lang="en-US" dirty="0" smtClean="0"/>
-          </a:p>
-          <a:p>
-            <a:r>
-              <a:rPr lang="en-US" dirty="0" smtClean="0"/>
-              <a:t>Installing</a:t>
-            </a:r>
-          </a:p>
-          <a:p>
-            <a:r>
-              <a:rPr lang="en-US" dirty="0" smtClean="0"/>
-              <a:t>Sending Messages</a:t>
-            </a:r>
-          </a:p>
-          <a:p>
-            <a:r>
-              <a:rPr lang="en-US" dirty="0" smtClean="0"/>
-              <a:t>Under the Hood</a:t>
-            </a:r>
-          </a:p>
-          <a:p>
-            <a:r>
-              <a:rPr lang="en-US" dirty="0" smtClean="0"/>
-              <a:t>Advanced Topics</a:t>
+              <a:t>TBD</a:t>
             </a:r>
             <a:endParaRPr lang="en-US" dirty="0"/>
           </a:p>
@@ -5669,6 +6838,871 @@
     <p:extLst>
       <p:ext uri="{BB962C8B-B14F-4D97-AF65-F5344CB8AC3E}">
         <p14:creationId xmlns:p14="http://schemas.microsoft.com/office/powerpoint/2010/main" val="2518175153"/>
+      </p:ext>
+    </p:extLst>
+  </p:cSld>
+  <p:clrMapOvr>
+    <a:masterClrMapping/>
+  </p:clrMapOvr>
+  <mc:AlternateContent xmlns:mc="http://schemas.openxmlformats.org/markup-compatibility/2006" xmlns:p14="http://schemas.microsoft.com/office/powerpoint/2010/main">
+    <mc:Choice Requires="p14">
+      <p:transition spd="med" p14:dur="700">
+        <p:fade/>
+      </p:transition>
+    </mc:Choice>
+    <mc:Fallback xmlns="">
+      <p:transition spd="med">
+        <p:fade/>
+      </p:transition>
+    </mc:Fallback>
+  </mc:AlternateContent>
+</p:sld>
+</file>
+
+<file path=ppt/slides/slide20.xml><?xml version="1.0" encoding="utf-8"?>
+<p:sld xmlns:a="http://schemas.openxmlformats.org/drawingml/2006/main" xmlns:r="http://schemas.openxmlformats.org/officeDocument/2006/relationships" xmlns:p="http://schemas.openxmlformats.org/presentationml/2006/main">
+  <p:cSld>
+    <p:spTree>
+      <p:nvGrpSpPr>
+        <p:cNvPr id="1" name=""/>
+        <p:cNvGrpSpPr/>
+        <p:nvPr/>
+      </p:nvGrpSpPr>
+      <p:grpSpPr>
+        <a:xfrm>
+          <a:off x="0" y="0"/>
+          <a:ext cx="0" cy="0"/>
+          <a:chOff x="0" y="0"/>
+          <a:chExt cx="0" cy="0"/>
+        </a:xfrm>
+      </p:grpSpPr>
+      <p:sp>
+        <p:nvSpPr>
+          <p:cNvPr id="2" name="Title 1"/>
+          <p:cNvSpPr>
+            <a:spLocks noGrp="1"/>
+          </p:cNvSpPr>
+          <p:nvPr>
+            <p:ph type="title"/>
+          </p:nvPr>
+        </p:nvSpPr>
+        <p:spPr/>
+        <p:txBody>
+          <a:bodyPr/>
+          <a:lstStyle/>
+          <a:p>
+            <a:r>
+              <a:rPr lang="en-US" dirty="0" smtClean="0"/>
+              <a:t>Further Reading</a:t>
+            </a:r>
+            <a:endParaRPr lang="en-US" dirty="0"/>
+          </a:p>
+        </p:txBody>
+      </p:sp>
+      <p:sp>
+        <p:nvSpPr>
+          <p:cNvPr id="3" name="Content Placeholder 2"/>
+          <p:cNvSpPr>
+            <a:spLocks noGrp="1"/>
+          </p:cNvSpPr>
+          <p:nvPr>
+            <p:ph sz="half" idx="2"/>
+          </p:nvPr>
+        </p:nvSpPr>
+        <p:spPr/>
+        <p:txBody>
+          <a:bodyPr>
+            <a:normAutofit/>
+          </a:bodyPr>
+          <a:lstStyle/>
+          <a:p>
+            <a:r>
+              <a:rPr lang="en-US" sz="3600" dirty="0" err="1" smtClean="0"/>
+              <a:t>RabbitMQ</a:t>
+            </a:r>
+            <a:r>
+              <a:rPr lang="en-US" sz="3600" dirty="0" smtClean="0"/>
+              <a:t> in Action</a:t>
+            </a:r>
+            <a:endParaRPr lang="en-US" sz="3600" dirty="0"/>
+          </a:p>
+          <a:p>
+            <a:pPr lvl="1"/>
+            <a:r>
+              <a:rPr lang="en-US" sz="3200" dirty="0" smtClean="0"/>
+              <a:t>Alvaro </a:t>
+            </a:r>
+            <a:r>
+              <a:rPr lang="en-US" sz="3200" dirty="0" err="1" smtClean="0"/>
+              <a:t>Videla</a:t>
+            </a:r>
+            <a:endParaRPr lang="en-US" sz="3200" dirty="0" smtClean="0"/>
+          </a:p>
+          <a:p>
+            <a:pPr lvl="1"/>
+            <a:r>
+              <a:rPr lang="en-US" sz="3200" dirty="0" smtClean="0"/>
+              <a:t>Jason Williams</a:t>
+            </a:r>
+            <a:endParaRPr lang="en-US" sz="3200" dirty="0"/>
+          </a:p>
+        </p:txBody>
+      </p:sp>
+      <p:pic>
+        <p:nvPicPr>
+          <p:cNvPr id="4" name="Picture 3"/>
+          <p:cNvPicPr>
+            <a:picLocks noChangeAspect="1"/>
+          </p:cNvPicPr>
+          <p:nvPr/>
+        </p:nvPicPr>
+        <p:blipFill>
+          <a:blip r:embed="rId2"/>
+          <a:stretch>
+            <a:fillRect/>
+          </a:stretch>
+        </p:blipFill>
+        <p:spPr>
+          <a:xfrm>
+            <a:off x="1295400" y="1744825"/>
+            <a:ext cx="4427375" cy="4427375"/>
+          </a:xfrm>
+          <a:prstGeom prst="rect">
+            <a:avLst/>
+          </a:prstGeom>
+        </p:spPr>
+      </p:pic>
+    </p:spTree>
+    <p:extLst>
+      <p:ext uri="{BB962C8B-B14F-4D97-AF65-F5344CB8AC3E}">
+        <p14:creationId xmlns:p14="http://schemas.microsoft.com/office/powerpoint/2010/main" val="3129368056"/>
+      </p:ext>
+    </p:extLst>
+  </p:cSld>
+  <p:clrMapOvr>
+    <a:masterClrMapping/>
+  </p:clrMapOvr>
+  <mc:AlternateContent xmlns:mc="http://schemas.openxmlformats.org/markup-compatibility/2006" xmlns:p14="http://schemas.microsoft.com/office/powerpoint/2010/main">
+    <mc:Choice Requires="p14">
+      <p:transition spd="med" p14:dur="700">
+        <p:fade/>
+      </p:transition>
+    </mc:Choice>
+    <mc:Fallback xmlns="">
+      <p:transition spd="med">
+        <p:fade/>
+      </p:transition>
+    </mc:Fallback>
+  </mc:AlternateContent>
+</p:sld>
+</file>
+
+<file path=ppt/slides/slide21.xml><?xml version="1.0" encoding="utf-8"?>
+<p:sld xmlns:a="http://schemas.openxmlformats.org/drawingml/2006/main" xmlns:r="http://schemas.openxmlformats.org/officeDocument/2006/relationships" xmlns:p="http://schemas.openxmlformats.org/presentationml/2006/main">
+  <p:cSld>
+    <p:spTree>
+      <p:nvGrpSpPr>
+        <p:cNvPr id="1" name=""/>
+        <p:cNvGrpSpPr/>
+        <p:nvPr/>
+      </p:nvGrpSpPr>
+      <p:grpSpPr>
+        <a:xfrm>
+          <a:off x="0" y="0"/>
+          <a:ext cx="0" cy="0"/>
+          <a:chOff x="0" y="0"/>
+          <a:chExt cx="0" cy="0"/>
+        </a:xfrm>
+      </p:grpSpPr>
+      <p:sp>
+        <p:nvSpPr>
+          <p:cNvPr id="2" name="Title 1"/>
+          <p:cNvSpPr>
+            <a:spLocks noGrp="1"/>
+          </p:cNvSpPr>
+          <p:nvPr>
+            <p:ph type="title"/>
+          </p:nvPr>
+        </p:nvSpPr>
+        <p:spPr/>
+        <p:txBody>
+          <a:bodyPr/>
+          <a:lstStyle/>
+          <a:p>
+            <a:r>
+              <a:rPr lang="en-US" dirty="0" smtClean="0"/>
+              <a:t>Further Reading</a:t>
+            </a:r>
+            <a:endParaRPr lang="en-US" dirty="0"/>
+          </a:p>
+        </p:txBody>
+      </p:sp>
+      <p:sp>
+        <p:nvSpPr>
+          <p:cNvPr id="3" name="Content Placeholder 2"/>
+          <p:cNvSpPr>
+            <a:spLocks noGrp="1"/>
+          </p:cNvSpPr>
+          <p:nvPr>
+            <p:ph sz="half" idx="2"/>
+          </p:nvPr>
+        </p:nvSpPr>
+        <p:spPr/>
+        <p:txBody>
+          <a:bodyPr>
+            <a:normAutofit/>
+          </a:bodyPr>
+          <a:lstStyle/>
+          <a:p>
+            <a:r>
+              <a:rPr lang="en-US" sz="3600" dirty="0"/>
+              <a:t>Patterns of Enterprise Application Architecture</a:t>
+            </a:r>
+          </a:p>
+          <a:p>
+            <a:pPr lvl="1"/>
+            <a:r>
+              <a:rPr lang="en-US" sz="3200" dirty="0"/>
+              <a:t>Martin Fowler</a:t>
+            </a:r>
+          </a:p>
+        </p:txBody>
+      </p:sp>
+      <p:pic>
+        <p:nvPicPr>
+          <p:cNvPr id="5" name="Content Placeholder 4"/>
+          <p:cNvPicPr>
+            <a:picLocks noGrp="1" noChangeAspect="1"/>
+          </p:cNvPicPr>
+          <p:nvPr>
+            <p:ph sz="quarter" idx="4294967295"/>
+          </p:nvPr>
+        </p:nvPicPr>
+        <p:blipFill>
+          <a:blip r:embed="rId2">
+            <a:extLst>
+              <a:ext uri="{28A0092B-C50C-407E-A947-70E740481C1C}">
+                <a14:useLocalDpi xmlns:a14="http://schemas.microsoft.com/office/drawing/2010/main" val="0"/>
+              </a:ext>
+            </a:extLst>
+          </a:blip>
+          <a:stretch>
+            <a:fillRect/>
+          </a:stretch>
+        </p:blipFill>
+        <p:spPr>
+          <a:xfrm>
+            <a:off x="2133600" y="1676400"/>
+            <a:ext cx="4114800" cy="4114800"/>
+          </a:xfrm>
+          <a:prstGeom prst="rect">
+            <a:avLst/>
+          </a:prstGeom>
+        </p:spPr>
+      </p:pic>
+    </p:spTree>
+    <p:extLst>
+      <p:ext uri="{BB962C8B-B14F-4D97-AF65-F5344CB8AC3E}">
+        <p14:creationId xmlns:p14="http://schemas.microsoft.com/office/powerpoint/2010/main" val="885402648"/>
+      </p:ext>
+    </p:extLst>
+  </p:cSld>
+  <p:clrMapOvr>
+    <a:masterClrMapping/>
+  </p:clrMapOvr>
+  <mc:AlternateContent xmlns:mc="http://schemas.openxmlformats.org/markup-compatibility/2006" xmlns:p14="http://schemas.microsoft.com/office/powerpoint/2010/main">
+    <mc:Choice Requires="p14">
+      <p:transition spd="med" p14:dur="700">
+        <p:fade/>
+      </p:transition>
+    </mc:Choice>
+    <mc:Fallback xmlns="">
+      <p:transition spd="med">
+        <p:fade/>
+      </p:transition>
+    </mc:Fallback>
+  </mc:AlternateContent>
+</p:sld>
+</file>
+
+<file path=ppt/slides/slide22.xml><?xml version="1.0" encoding="utf-8"?>
+<p:sld xmlns:a="http://schemas.openxmlformats.org/drawingml/2006/main" xmlns:r="http://schemas.openxmlformats.org/officeDocument/2006/relationships" xmlns:p="http://schemas.openxmlformats.org/presentationml/2006/main">
+  <p:cSld>
+    <p:spTree>
+      <p:nvGrpSpPr>
+        <p:cNvPr id="1" name=""/>
+        <p:cNvGrpSpPr/>
+        <p:nvPr/>
+      </p:nvGrpSpPr>
+      <p:grpSpPr>
+        <a:xfrm>
+          <a:off x="0" y="0"/>
+          <a:ext cx="0" cy="0"/>
+          <a:chOff x="0" y="0"/>
+          <a:chExt cx="0" cy="0"/>
+        </a:xfrm>
+      </p:grpSpPr>
+      <p:sp>
+        <p:nvSpPr>
+          <p:cNvPr id="2" name="Title 1"/>
+          <p:cNvSpPr>
+            <a:spLocks noGrp="1"/>
+          </p:cNvSpPr>
+          <p:nvPr>
+            <p:ph type="title"/>
+          </p:nvPr>
+        </p:nvSpPr>
+        <p:spPr/>
+        <p:txBody>
+          <a:bodyPr/>
+          <a:lstStyle/>
+          <a:p>
+            <a:r>
+              <a:rPr lang="en-US" dirty="0" smtClean="0"/>
+              <a:t>Further Reading</a:t>
+            </a:r>
+            <a:endParaRPr lang="en-US" dirty="0"/>
+          </a:p>
+        </p:txBody>
+      </p:sp>
+      <p:pic>
+        <p:nvPicPr>
+          <p:cNvPr id="5" name="Content Placeholder 4"/>
+          <p:cNvPicPr>
+            <a:picLocks noGrp="1" noChangeAspect="1"/>
+          </p:cNvPicPr>
+          <p:nvPr>
+            <p:ph sz="half" idx="2"/>
+          </p:nvPr>
+        </p:nvPicPr>
+        <p:blipFill>
+          <a:blip r:embed="rId2">
+            <a:extLst>
+              <a:ext uri="{28A0092B-C50C-407E-A947-70E740481C1C}">
+                <a14:useLocalDpi xmlns:a14="http://schemas.microsoft.com/office/drawing/2010/main" val="0"/>
+              </a:ext>
+            </a:extLst>
+          </a:blip>
+          <a:stretch>
+            <a:fillRect/>
+          </a:stretch>
+        </p:blipFill>
+        <p:spPr>
+          <a:xfrm>
+            <a:off x="6019800" y="1676400"/>
+            <a:ext cx="4210050" cy="4210050"/>
+          </a:xfrm>
+        </p:spPr>
+      </p:pic>
+      <p:sp>
+        <p:nvSpPr>
+          <p:cNvPr id="4" name="Content Placeholder 3"/>
+          <p:cNvSpPr>
+            <a:spLocks noGrp="1"/>
+          </p:cNvSpPr>
+          <p:nvPr>
+            <p:ph sz="quarter" idx="4294967295"/>
+          </p:nvPr>
+        </p:nvSpPr>
+        <p:spPr>
+          <a:xfrm>
+            <a:off x="1889760" y="1600200"/>
+            <a:ext cx="4041648" cy="4526280"/>
+          </a:xfrm>
+          <a:prstGeom prst="rect">
+            <a:avLst/>
+          </a:prstGeom>
+        </p:spPr>
+        <p:txBody>
+          <a:bodyPr/>
+          <a:lstStyle/>
+          <a:p>
+            <a:r>
+              <a:rPr lang="en-US" sz="2800" dirty="0"/>
+              <a:t>Enterprise Integration Patterns: Designing, Building, and Deploying Messaging Solutions</a:t>
+            </a:r>
+          </a:p>
+          <a:p>
+            <a:pPr lvl="1"/>
+            <a:r>
+              <a:rPr lang="en-US" sz="2400" dirty="0" err="1"/>
+              <a:t>Gregor</a:t>
+            </a:r>
+            <a:r>
+              <a:rPr lang="en-US" sz="2400" dirty="0"/>
+              <a:t> </a:t>
+            </a:r>
+            <a:r>
+              <a:rPr lang="en-US" sz="2400" dirty="0" err="1"/>
+              <a:t>Hohpe</a:t>
+            </a:r>
+            <a:endParaRPr lang="en-US" sz="2400" dirty="0"/>
+          </a:p>
+          <a:p>
+            <a:pPr lvl="1"/>
+            <a:r>
+              <a:rPr lang="en-US" sz="2400" dirty="0"/>
+              <a:t>Bobby Woolf</a:t>
+            </a:r>
+          </a:p>
+        </p:txBody>
+      </p:sp>
+    </p:spTree>
+    <p:extLst>
+      <p:ext uri="{BB962C8B-B14F-4D97-AF65-F5344CB8AC3E}">
+        <p14:creationId xmlns:p14="http://schemas.microsoft.com/office/powerpoint/2010/main" val="690928200"/>
+      </p:ext>
+    </p:extLst>
+  </p:cSld>
+  <p:clrMapOvr>
+    <a:masterClrMapping/>
+  </p:clrMapOvr>
+  <mc:AlternateContent xmlns:mc="http://schemas.openxmlformats.org/markup-compatibility/2006" xmlns:p14="http://schemas.microsoft.com/office/powerpoint/2010/main">
+    <mc:Choice Requires="p14">
+      <p:transition spd="med" p14:dur="700">
+        <p:fade/>
+      </p:transition>
+    </mc:Choice>
+    <mc:Fallback xmlns="">
+      <p:transition spd="med">
+        <p:fade/>
+      </p:transition>
+    </mc:Fallback>
+  </mc:AlternateContent>
+</p:sld>
+</file>
+
+<file path=ppt/slides/slide23.xml><?xml version="1.0" encoding="utf-8"?>
+<p:sld xmlns:a="http://schemas.openxmlformats.org/drawingml/2006/main" xmlns:r="http://schemas.openxmlformats.org/officeDocument/2006/relationships" xmlns:p="http://schemas.openxmlformats.org/presentationml/2006/main">
+  <p:cSld>
+    <p:spTree>
+      <p:nvGrpSpPr>
+        <p:cNvPr id="1" name=""/>
+        <p:cNvGrpSpPr/>
+        <p:nvPr/>
+      </p:nvGrpSpPr>
+      <p:grpSpPr>
+        <a:xfrm>
+          <a:off x="0" y="0"/>
+          <a:ext cx="0" cy="0"/>
+          <a:chOff x="0" y="0"/>
+          <a:chExt cx="0" cy="0"/>
+        </a:xfrm>
+      </p:grpSpPr>
+      <p:sp>
+        <p:nvSpPr>
+          <p:cNvPr id="7" name="Content Placeholder 6"/>
+          <p:cNvSpPr>
+            <a:spLocks noGrp="1"/>
+          </p:cNvSpPr>
+          <p:nvPr>
+            <p:ph idx="1"/>
+          </p:nvPr>
+        </p:nvSpPr>
+        <p:spPr/>
+        <p:txBody>
+          <a:bodyPr>
+            <a:normAutofit/>
+          </a:bodyPr>
+          <a:lstStyle/>
+          <a:p>
+            <a:pPr marL="457200" indent="-457200">
+              <a:buFont typeface="Arial" charset="0"/>
+              <a:buChar char="•"/>
+            </a:pPr>
+            <a:r>
+              <a:rPr lang="en-US" sz="3200" dirty="0"/>
+              <a:t>Domain Driven Design – Eric Evans</a:t>
+            </a:r>
+          </a:p>
+          <a:p>
+            <a:pPr marL="457200" indent="-457200">
+              <a:buFont typeface="Arial" charset="0"/>
+              <a:buChar char="•"/>
+            </a:pPr>
+            <a:r>
+              <a:rPr lang="en-US" sz="3200" dirty="0"/>
+              <a:t>DDD Quickly (the Cliff Notes): </a:t>
+            </a:r>
+            <a:r>
+              <a:rPr lang="en-US" sz="2000" dirty="0">
+                <a:hlinkClick r:id="rId2"/>
+              </a:rPr>
+              <a:t>http://www.infoq.com/minibooks/domain-driven-design-quickly</a:t>
+            </a:r>
+            <a:endParaRPr lang="en-US" sz="2000" dirty="0"/>
+          </a:p>
+        </p:txBody>
+      </p:sp>
+      <p:sp>
+        <p:nvSpPr>
+          <p:cNvPr id="6" name="Title 5"/>
+          <p:cNvSpPr>
+            <a:spLocks noGrp="1"/>
+          </p:cNvSpPr>
+          <p:nvPr>
+            <p:ph type="title"/>
+          </p:nvPr>
+        </p:nvSpPr>
+        <p:spPr/>
+        <p:txBody>
+          <a:bodyPr anchor="b"/>
+          <a:lstStyle/>
+          <a:p>
+            <a:r>
+              <a:rPr lang="en-US" sz="3600" dirty="0"/>
+              <a:t>For more details:</a:t>
+            </a:r>
+          </a:p>
+        </p:txBody>
+      </p:sp>
+    </p:spTree>
+    <p:extLst>
+      <p:ext uri="{BB962C8B-B14F-4D97-AF65-F5344CB8AC3E}">
+        <p14:creationId xmlns:p14="http://schemas.microsoft.com/office/powerpoint/2010/main" val="2269176925"/>
+      </p:ext>
+    </p:extLst>
+  </p:cSld>
+  <p:clrMapOvr>
+    <a:masterClrMapping/>
+  </p:clrMapOvr>
+  <p:timing>
+    <p:tnLst>
+      <p:par>
+        <p:cTn id="1" dur="indefinite" restart="never" nodeType="tmRoot"/>
+      </p:par>
+    </p:tnLst>
+  </p:timing>
+</p:sld>
+</file>
+
+<file path=ppt/slides/slide24.xml><?xml version="1.0" encoding="utf-8"?>
+<p:sld xmlns:a="http://schemas.openxmlformats.org/drawingml/2006/main" xmlns:r="http://schemas.openxmlformats.org/officeDocument/2006/relationships" xmlns:p="http://schemas.openxmlformats.org/presentationml/2006/main">
+  <p:cSld>
+    <p:spTree>
+      <p:nvGrpSpPr>
+        <p:cNvPr id="1" name=""/>
+        <p:cNvGrpSpPr/>
+        <p:nvPr/>
+      </p:nvGrpSpPr>
+      <p:grpSpPr>
+        <a:xfrm>
+          <a:off x="0" y="0"/>
+          <a:ext cx="0" cy="0"/>
+          <a:chOff x="0" y="0"/>
+          <a:chExt cx="0" cy="0"/>
+        </a:xfrm>
+      </p:grpSpPr>
+      <p:sp>
+        <p:nvSpPr>
+          <p:cNvPr id="5" name="Title 4"/>
+          <p:cNvSpPr>
+            <a:spLocks noGrp="1"/>
+          </p:cNvSpPr>
+          <p:nvPr>
+            <p:ph type="title"/>
+          </p:nvPr>
+        </p:nvSpPr>
+        <p:spPr/>
+        <p:txBody>
+          <a:bodyPr/>
+          <a:lstStyle/>
+          <a:p>
+            <a:r>
+              <a:rPr lang="en-US" dirty="0" smtClean="0"/>
+              <a:t>Resources</a:t>
+            </a:r>
+            <a:endParaRPr lang="en-US" dirty="0"/>
+          </a:p>
+        </p:txBody>
+      </p:sp>
+      <p:sp>
+        <p:nvSpPr>
+          <p:cNvPr id="6" name="Content Placeholder 5"/>
+          <p:cNvSpPr>
+            <a:spLocks noGrp="1"/>
+          </p:cNvSpPr>
+          <p:nvPr>
+            <p:ph idx="1"/>
+          </p:nvPr>
+        </p:nvSpPr>
+        <p:spPr/>
+        <p:txBody>
+          <a:bodyPr/>
+          <a:lstStyle/>
+          <a:p>
+            <a:r>
+              <a:rPr lang="en-US" sz="3600" dirty="0" err="1"/>
+              <a:t>MassTransit</a:t>
+            </a:r>
+            <a:endParaRPr lang="en-US" sz="3600" dirty="0"/>
+          </a:p>
+          <a:p>
+            <a:pPr lvl="1"/>
+            <a:r>
+              <a:rPr lang="en-US" dirty="0"/>
+              <a:t>Docs: </a:t>
+            </a:r>
+            <a:r>
+              <a:rPr lang="en-US" dirty="0">
+                <a:hlinkClick r:id="rId2"/>
+              </a:rPr>
+              <a:t>http://docs.masstransit-project.com</a:t>
+            </a:r>
+            <a:endParaRPr lang="en-US" dirty="0"/>
+          </a:p>
+          <a:p>
+            <a:pPr lvl="1"/>
+            <a:r>
+              <a:rPr lang="en-US" dirty="0"/>
+              <a:t>Google Groups: </a:t>
+            </a:r>
+            <a:r>
+              <a:rPr lang="en-US" dirty="0">
+                <a:hlinkClick r:id="rId3"/>
+              </a:rPr>
+              <a:t>http://groups.google.com/group/masstransit-discuss/</a:t>
+            </a:r>
+            <a:endParaRPr lang="en-US" dirty="0"/>
+          </a:p>
+          <a:p>
+            <a:pPr lvl="1"/>
+            <a:r>
+              <a:rPr lang="en-US" dirty="0"/>
+              <a:t>Chris Patterson: </a:t>
+            </a:r>
+            <a:r>
+              <a:rPr lang="en-US" dirty="0">
+                <a:hlinkClick r:id="rId4"/>
+              </a:rPr>
+              <a:t>http://blog.phatboyg.com/</a:t>
+            </a:r>
+            <a:endParaRPr lang="en-US" dirty="0"/>
+          </a:p>
+          <a:p>
+            <a:pPr lvl="1"/>
+            <a:r>
+              <a:rPr lang="en-US" dirty="0" err="1"/>
+              <a:t>Dru</a:t>
+            </a:r>
+            <a:r>
+              <a:rPr lang="en-US" dirty="0"/>
+              <a:t> Sellers: </a:t>
+            </a:r>
+            <a:r>
+              <a:rPr lang="en-US" dirty="0">
+                <a:hlinkClick r:id="rId5"/>
+              </a:rPr>
+              <a:t>http://codebetter.com/drusellers/</a:t>
+            </a:r>
+            <a:endParaRPr lang="en-US" dirty="0"/>
+          </a:p>
+          <a:p>
+            <a:r>
+              <a:rPr lang="en-US" sz="3600" dirty="0"/>
+              <a:t>Messaging/Distributed Systems</a:t>
+            </a:r>
+          </a:p>
+          <a:p>
+            <a:pPr lvl="1"/>
+            <a:r>
+              <a:rPr lang="en-US" dirty="0" err="1"/>
+              <a:t>Udi</a:t>
+            </a:r>
+            <a:r>
+              <a:rPr lang="en-US" dirty="0"/>
+              <a:t> </a:t>
+            </a:r>
+            <a:r>
+              <a:rPr lang="en-US" dirty="0" err="1"/>
+              <a:t>Dahan</a:t>
+            </a:r>
+            <a:r>
+              <a:rPr lang="en-US" dirty="0"/>
+              <a:t>: </a:t>
+            </a:r>
+            <a:r>
+              <a:rPr lang="en-US" dirty="0">
+                <a:hlinkClick r:id="rId6"/>
+              </a:rPr>
+              <a:t>http://www.udidahan.com/</a:t>
+            </a:r>
+            <a:endParaRPr lang="en-US" dirty="0"/>
+          </a:p>
+          <a:p>
+            <a:pPr lvl="1"/>
+            <a:r>
+              <a:rPr lang="en-US" dirty="0"/>
+              <a:t>Martin Fowler – Patterns in Enterprise Software: </a:t>
+            </a:r>
+            <a:r>
+              <a:rPr lang="en-US" sz="1800" dirty="0">
+                <a:hlinkClick r:id="rId7"/>
+              </a:rPr>
+              <a:t>http://www.martinfowler.com/articles/enterprisePatterns.html</a:t>
+            </a:r>
+            <a:endParaRPr lang="en-US" sz="1800" dirty="0"/>
+          </a:p>
+        </p:txBody>
+      </p:sp>
+    </p:spTree>
+    <p:extLst>
+      <p:ext uri="{BB962C8B-B14F-4D97-AF65-F5344CB8AC3E}">
+        <p14:creationId xmlns:p14="http://schemas.microsoft.com/office/powerpoint/2010/main" val="2665133634"/>
+      </p:ext>
+    </p:extLst>
+  </p:cSld>
+  <p:clrMapOvr>
+    <a:masterClrMapping/>
+  </p:clrMapOvr>
+  <mc:AlternateContent xmlns:mc="http://schemas.openxmlformats.org/markup-compatibility/2006" xmlns:p14="http://schemas.microsoft.com/office/powerpoint/2010/main">
+    <mc:Choice Requires="p14">
+      <p:transition spd="med" p14:dur="700">
+        <p:fade/>
+      </p:transition>
+    </mc:Choice>
+    <mc:Fallback xmlns="">
+      <p:transition spd="med">
+        <p:fade/>
+      </p:transition>
+    </mc:Fallback>
+  </mc:AlternateContent>
+</p:sld>
+</file>
+
+<file path=ppt/slides/slide25.xml><?xml version="1.0" encoding="utf-8"?>
+<p:sld xmlns:a="http://schemas.openxmlformats.org/drawingml/2006/main" xmlns:r="http://schemas.openxmlformats.org/officeDocument/2006/relationships" xmlns:p="http://schemas.openxmlformats.org/presentationml/2006/main">
+  <p:cSld>
+    <p:spTree>
+      <p:nvGrpSpPr>
+        <p:cNvPr id="1" name=""/>
+        <p:cNvGrpSpPr/>
+        <p:nvPr/>
+      </p:nvGrpSpPr>
+      <p:grpSpPr>
+        <a:xfrm>
+          <a:off x="0" y="0"/>
+          <a:ext cx="0" cy="0"/>
+          <a:chOff x="0" y="0"/>
+          <a:chExt cx="0" cy="0"/>
+        </a:xfrm>
+      </p:grpSpPr>
+      <p:sp>
+        <p:nvSpPr>
+          <p:cNvPr id="2" name="Title 1"/>
+          <p:cNvSpPr>
+            <a:spLocks noGrp="1"/>
+          </p:cNvSpPr>
+          <p:nvPr>
+            <p:ph type="title"/>
+          </p:nvPr>
+        </p:nvSpPr>
+        <p:spPr/>
+        <p:txBody>
+          <a:bodyPr/>
+          <a:lstStyle/>
+          <a:p>
+            <a:r>
+              <a:rPr lang="en-US" dirty="0" smtClean="0"/>
+              <a:t>Thank You!</a:t>
+            </a:r>
+            <a:endParaRPr lang="en-US" dirty="0"/>
+          </a:p>
+        </p:txBody>
+      </p:sp>
+      <p:sp>
+        <p:nvSpPr>
+          <p:cNvPr id="3" name="Content Placeholder 2"/>
+          <p:cNvSpPr>
+            <a:spLocks noGrp="1"/>
+          </p:cNvSpPr>
+          <p:nvPr>
+            <p:ph idx="1"/>
+          </p:nvPr>
+        </p:nvSpPr>
+        <p:spPr/>
+        <p:txBody>
+          <a:bodyPr/>
+          <a:lstStyle/>
+          <a:p>
+            <a:r>
+              <a:rPr lang="en-US" sz="3200" dirty="0" err="1"/>
+              <a:t>Github</a:t>
+            </a:r>
+            <a:r>
+              <a:rPr lang="en-US" sz="3200" dirty="0"/>
+              <a:t>: </a:t>
+            </a:r>
+            <a:r>
+              <a:rPr lang="en-US" sz="3200" dirty="0">
+                <a:hlinkClick r:id="rId2"/>
+              </a:rPr>
+              <a:t>https://github.com/ekepes</a:t>
+            </a:r>
+            <a:endParaRPr lang="en-US" sz="3200" dirty="0"/>
+          </a:p>
+          <a:p>
+            <a:r>
+              <a:rPr lang="en-US" sz="3200" dirty="0"/>
+              <a:t>Twitter: @</a:t>
+            </a:r>
+            <a:r>
+              <a:rPr lang="en-US" sz="3200" dirty="0" err="1"/>
+              <a:t>ekepes</a:t>
+            </a:r>
+            <a:endParaRPr lang="en-US" sz="3200" dirty="0"/>
+          </a:p>
+          <a:p>
+            <a:r>
+              <a:rPr lang="en-US" sz="3200" dirty="0"/>
+              <a:t>Blog: </a:t>
+            </a:r>
+            <a:r>
+              <a:rPr lang="en-US" sz="3200" dirty="0">
+                <a:hlinkClick r:id="rId3"/>
+              </a:rPr>
+              <a:t>http://erickepes.com</a:t>
+            </a:r>
+            <a:endParaRPr lang="en-US" sz="3200" dirty="0"/>
+          </a:p>
+          <a:p>
+            <a:r>
+              <a:rPr lang="en-US" sz="3200" dirty="0"/>
+              <a:t>Email: </a:t>
+            </a:r>
+            <a:r>
+              <a:rPr lang="en-US" sz="3200" dirty="0" smtClean="0">
+                <a:hlinkClick r:id="rId4"/>
+              </a:rPr>
+              <a:t>eric@kepes.net</a:t>
+            </a:r>
+            <a:endParaRPr lang="en-US" sz="3200" dirty="0"/>
+          </a:p>
+          <a:p>
+            <a:endParaRPr lang="en-US" dirty="0"/>
+          </a:p>
+          <a:p>
+            <a:r>
+              <a:rPr lang="en-US" sz="3200" dirty="0"/>
+              <a:t>Demos and Slides:</a:t>
+            </a:r>
+          </a:p>
+          <a:p>
+            <a:pPr lvl="1"/>
+            <a:r>
+              <a:rPr lang="en-US" sz="2800" dirty="0">
+                <a:hlinkClick r:id="rId5"/>
+              </a:rPr>
+              <a:t>https://github.com/ekepes/Presentations</a:t>
+            </a:r>
+            <a:endParaRPr lang="en-US" sz="2800" dirty="0"/>
+          </a:p>
+        </p:txBody>
+      </p:sp>
+    </p:spTree>
+    <p:extLst>
+      <p:ext uri="{BB962C8B-B14F-4D97-AF65-F5344CB8AC3E}">
+        <p14:creationId xmlns:p14="http://schemas.microsoft.com/office/powerpoint/2010/main" val="1601053272"/>
       </p:ext>
     </p:extLst>
   </p:cSld>
@@ -5724,6 +7758,333 @@
           <a:p>
             <a:r>
               <a:rPr lang="en-US" dirty="0" smtClean="0"/>
+              <a:t>What is </a:t>
+            </a:r>
+            <a:r>
+              <a:rPr lang="en-US" dirty="0" err="1" smtClean="0"/>
+              <a:t>RabbitMQ</a:t>
+            </a:r>
+            <a:r>
+              <a:rPr lang="en-US" dirty="0" smtClean="0"/>
+              <a:t>?</a:t>
+            </a:r>
+            <a:endParaRPr lang="en-US" dirty="0"/>
+          </a:p>
+        </p:txBody>
+      </p:sp>
+      <p:sp>
+        <p:nvSpPr>
+          <p:cNvPr id="3" name="Content Placeholder 2"/>
+          <p:cNvSpPr>
+            <a:spLocks noGrp="1"/>
+          </p:cNvSpPr>
+          <p:nvPr>
+            <p:ph idx="1"/>
+          </p:nvPr>
+        </p:nvSpPr>
+        <p:spPr/>
+        <p:txBody>
+          <a:bodyPr/>
+          <a:lstStyle/>
+          <a:p>
+            <a:r>
+              <a:rPr lang="en-US" dirty="0" smtClean="0"/>
+              <a:t>A Message Broker</a:t>
+            </a:r>
+          </a:p>
+          <a:p>
+            <a:r>
+              <a:rPr lang="en-US" dirty="0" smtClean="0"/>
+              <a:t>Cross-platform</a:t>
+            </a:r>
+          </a:p>
+          <a:p>
+            <a:r>
+              <a:rPr lang="en-US" dirty="0" smtClean="0"/>
+              <a:t>Implements AMQP standard</a:t>
+            </a:r>
+          </a:p>
+          <a:p>
+            <a:r>
+              <a:rPr lang="en-US" dirty="0" smtClean="0"/>
+              <a:t>Open Source (</a:t>
+            </a:r>
+            <a:r>
+              <a:rPr lang="en-US" dirty="0" smtClean="0">
+                <a:hlinkClick r:id="rId2"/>
+              </a:rPr>
+              <a:t>MPL</a:t>
+            </a:r>
+            <a:r>
+              <a:rPr lang="en-US" dirty="0" smtClean="0"/>
+              <a:t>)</a:t>
+            </a:r>
+          </a:p>
+          <a:p>
+            <a:r>
+              <a:rPr lang="en-US" dirty="0" smtClean="0"/>
+              <a:t>Built on </a:t>
+            </a:r>
+            <a:r>
+              <a:rPr lang="en-US" dirty="0" err="1" smtClean="0"/>
+              <a:t>Erlang</a:t>
+            </a:r>
+            <a:endParaRPr lang="en-US" dirty="0" smtClean="0"/>
+          </a:p>
+          <a:p>
+            <a:endParaRPr lang="en-US" dirty="0" smtClean="0"/>
+          </a:p>
+        </p:txBody>
+      </p:sp>
+    </p:spTree>
+    <p:extLst>
+      <p:ext uri="{BB962C8B-B14F-4D97-AF65-F5344CB8AC3E}">
+        <p14:creationId xmlns:p14="http://schemas.microsoft.com/office/powerpoint/2010/main" val="2158326647"/>
+      </p:ext>
+    </p:extLst>
+  </p:cSld>
+  <p:clrMapOvr>
+    <a:masterClrMapping/>
+  </p:clrMapOvr>
+  <mc:AlternateContent xmlns:mc="http://schemas.openxmlformats.org/markup-compatibility/2006">
+    <mc:Choice xmlns:p14="http://schemas.microsoft.com/office/powerpoint/2010/main" Requires="p14">
+      <p:transition spd="med" p14:dur="700">
+        <p:fade/>
+      </p:transition>
+    </mc:Choice>
+    <mc:Fallback>
+      <p:transition spd="med">
+        <p:fade/>
+      </p:transition>
+    </mc:Fallback>
+  </mc:AlternateContent>
+</p:sld>
+</file>
+
+<file path=ppt/slides/slide4.xml><?xml version="1.0" encoding="utf-8"?>
+<p:sld xmlns:a="http://schemas.openxmlformats.org/drawingml/2006/main" xmlns:r="http://schemas.openxmlformats.org/officeDocument/2006/relationships" xmlns:p="http://schemas.openxmlformats.org/presentationml/2006/main">
+  <p:cSld>
+    <p:spTree>
+      <p:nvGrpSpPr>
+        <p:cNvPr id="1" name=""/>
+        <p:cNvGrpSpPr/>
+        <p:nvPr/>
+      </p:nvGrpSpPr>
+      <p:grpSpPr>
+        <a:xfrm>
+          <a:off x="0" y="0"/>
+          <a:ext cx="0" cy="0"/>
+          <a:chOff x="0" y="0"/>
+          <a:chExt cx="0" cy="0"/>
+        </a:xfrm>
+      </p:grpSpPr>
+      <p:sp>
+        <p:nvSpPr>
+          <p:cNvPr id="2" name="Title 1"/>
+          <p:cNvSpPr>
+            <a:spLocks noGrp="1"/>
+          </p:cNvSpPr>
+          <p:nvPr>
+            <p:ph type="title"/>
+          </p:nvPr>
+        </p:nvSpPr>
+        <p:spPr/>
+        <p:txBody>
+          <a:bodyPr/>
+          <a:lstStyle/>
+          <a:p>
+            <a:r>
+              <a:rPr lang="en-US" dirty="0" smtClean="0"/>
+              <a:t>Why Messaging?</a:t>
+            </a:r>
+            <a:endParaRPr lang="en-US" dirty="0"/>
+          </a:p>
+        </p:txBody>
+      </p:sp>
+      <p:sp>
+        <p:nvSpPr>
+          <p:cNvPr id="3" name="Content Placeholder 2"/>
+          <p:cNvSpPr>
+            <a:spLocks noGrp="1"/>
+          </p:cNvSpPr>
+          <p:nvPr>
+            <p:ph idx="1"/>
+          </p:nvPr>
+        </p:nvSpPr>
+        <p:spPr/>
+        <p:txBody>
+          <a:bodyPr/>
+          <a:lstStyle/>
+          <a:p>
+            <a:r>
+              <a:rPr lang="en-US" dirty="0" smtClean="0"/>
+              <a:t>Allows a system to be broken into parts</a:t>
+            </a:r>
+          </a:p>
+          <a:p>
+            <a:r>
+              <a:rPr lang="en-US" dirty="0" smtClean="0"/>
+              <a:t>Facilitates reliable background work</a:t>
+            </a:r>
+          </a:p>
+          <a:p>
+            <a:r>
+              <a:rPr lang="en-US" dirty="0" smtClean="0"/>
+              <a:t>Enables scaling out</a:t>
+            </a:r>
+          </a:p>
+          <a:p>
+            <a:r>
+              <a:rPr lang="en-US" dirty="0" smtClean="0"/>
+              <a:t>Provides a way to recover from/work around outages</a:t>
+            </a:r>
+            <a:endParaRPr lang="en-US" dirty="0"/>
+          </a:p>
+        </p:txBody>
+      </p:sp>
+    </p:spTree>
+    <p:extLst>
+      <p:ext uri="{BB962C8B-B14F-4D97-AF65-F5344CB8AC3E}">
+        <p14:creationId xmlns:p14="http://schemas.microsoft.com/office/powerpoint/2010/main" val="2045843801"/>
+      </p:ext>
+    </p:extLst>
+  </p:cSld>
+  <p:clrMapOvr>
+    <a:masterClrMapping/>
+  </p:clrMapOvr>
+  <mc:AlternateContent xmlns:mc="http://schemas.openxmlformats.org/markup-compatibility/2006">
+    <mc:Choice xmlns:p14="http://schemas.microsoft.com/office/powerpoint/2010/main" Requires="p14">
+      <p:transition spd="med" p14:dur="700">
+        <p:fade/>
+      </p:transition>
+    </mc:Choice>
+    <mc:Fallback>
+      <p:transition spd="med">
+        <p:fade/>
+      </p:transition>
+    </mc:Fallback>
+  </mc:AlternateContent>
+</p:sld>
+</file>
+
+<file path=ppt/slides/slide5.xml><?xml version="1.0" encoding="utf-8"?>
+<p:sld xmlns:a="http://schemas.openxmlformats.org/drawingml/2006/main" xmlns:r="http://schemas.openxmlformats.org/officeDocument/2006/relationships" xmlns:p="http://schemas.openxmlformats.org/presentationml/2006/main">
+  <p:cSld>
+    <p:spTree>
+      <p:nvGrpSpPr>
+        <p:cNvPr id="1" name=""/>
+        <p:cNvGrpSpPr/>
+        <p:nvPr/>
+      </p:nvGrpSpPr>
+      <p:grpSpPr>
+        <a:xfrm>
+          <a:off x="0" y="0"/>
+          <a:ext cx="0" cy="0"/>
+          <a:chOff x="0" y="0"/>
+          <a:chExt cx="0" cy="0"/>
+        </a:xfrm>
+      </p:grpSpPr>
+      <p:sp>
+        <p:nvSpPr>
+          <p:cNvPr id="2" name="Title 1"/>
+          <p:cNvSpPr>
+            <a:spLocks noGrp="1"/>
+          </p:cNvSpPr>
+          <p:nvPr>
+            <p:ph type="title"/>
+          </p:nvPr>
+        </p:nvSpPr>
+        <p:spPr/>
+        <p:txBody>
+          <a:bodyPr/>
+          <a:lstStyle/>
+          <a:p>
+            <a:r>
+              <a:rPr lang="en-US" dirty="0" smtClean="0"/>
+              <a:t>Why Break Up?</a:t>
+            </a:r>
+            <a:endParaRPr lang="en-US" dirty="0"/>
+          </a:p>
+        </p:txBody>
+      </p:sp>
+      <p:sp>
+        <p:nvSpPr>
+          <p:cNvPr id="3" name="Content Placeholder 2"/>
+          <p:cNvSpPr>
+            <a:spLocks noGrp="1"/>
+          </p:cNvSpPr>
+          <p:nvPr>
+            <p:ph idx="1"/>
+          </p:nvPr>
+        </p:nvSpPr>
+        <p:spPr/>
+        <p:txBody>
+          <a:bodyPr/>
+          <a:lstStyle/>
+          <a:p>
+            <a:endParaRPr lang="en-US" dirty="0"/>
+          </a:p>
+        </p:txBody>
+      </p:sp>
+    </p:spTree>
+    <p:extLst>
+      <p:ext uri="{BB962C8B-B14F-4D97-AF65-F5344CB8AC3E}">
+        <p14:creationId xmlns:p14="http://schemas.microsoft.com/office/powerpoint/2010/main" val="1177894957"/>
+      </p:ext>
+    </p:extLst>
+  </p:cSld>
+  <p:clrMapOvr>
+    <a:masterClrMapping/>
+  </p:clrMapOvr>
+  <mc:AlternateContent xmlns:mc="http://schemas.openxmlformats.org/markup-compatibility/2006">
+    <mc:Choice xmlns:p14="http://schemas.microsoft.com/office/powerpoint/2010/main" Requires="p14">
+      <p:transition spd="med" p14:dur="700">
+        <p:fade/>
+      </p:transition>
+    </mc:Choice>
+    <mc:Fallback>
+      <p:transition spd="med">
+        <p:fade/>
+      </p:transition>
+    </mc:Fallback>
+  </mc:AlternateContent>
+</p:sld>
+</file>
+
+<file path=ppt/slides/slide6.xml><?xml version="1.0" encoding="utf-8"?>
+<p:sld xmlns:a="http://schemas.openxmlformats.org/drawingml/2006/main" xmlns:r="http://schemas.openxmlformats.org/officeDocument/2006/relationships" xmlns:p="http://schemas.openxmlformats.org/presentationml/2006/main">
+  <p:cSld>
+    <p:spTree>
+      <p:nvGrpSpPr>
+        <p:cNvPr id="1" name=""/>
+        <p:cNvGrpSpPr/>
+        <p:nvPr/>
+      </p:nvGrpSpPr>
+      <p:grpSpPr>
+        <a:xfrm>
+          <a:off x="0" y="0"/>
+          <a:ext cx="0" cy="0"/>
+          <a:chOff x="0" y="0"/>
+          <a:chExt cx="0" cy="0"/>
+        </a:xfrm>
+      </p:grpSpPr>
+      <p:sp>
+        <p:nvSpPr>
+          <p:cNvPr id="2" name="Title 1"/>
+          <p:cNvSpPr>
+            <a:spLocks noGrp="1"/>
+          </p:cNvSpPr>
+          <p:nvPr>
+            <p:ph type="title"/>
+          </p:nvPr>
+        </p:nvSpPr>
+        <p:spPr/>
+        <p:txBody>
+          <a:bodyPr/>
+          <a:lstStyle/>
+          <a:p>
+            <a:r>
+              <a:rPr lang="en-US" dirty="0" smtClean="0"/>
               <a:t>Installing </a:t>
             </a:r>
             <a:r>
@@ -5823,7 +8184,7 @@
 </p:sld>
 </file>
 
-<file path=ppt/slides/slide4.xml><?xml version="1.0" encoding="utf-8"?>
+<file path=ppt/slides/slide7.xml><?xml version="1.0" encoding="utf-8"?>
 <p:sld xmlns:a="http://schemas.openxmlformats.org/drawingml/2006/main" xmlns:r="http://schemas.openxmlformats.org/officeDocument/2006/relationships" xmlns:p="http://schemas.openxmlformats.org/presentationml/2006/main">
   <p:cSld>
     <p:spTree>
@@ -5856,16 +8217,16 @@
           <a:lstStyle/>
           <a:p>
             <a:r>
-              <a:rPr lang="en-US" dirty="0" smtClean="0"/>
-              <a:t>Installing </a:t>
-            </a:r>
-            <a:r>
               <a:rPr lang="en-US" dirty="0" err="1" smtClean="0"/>
               <a:t>RabbitMQ</a:t>
             </a:r>
             <a:r>
               <a:rPr lang="en-US" dirty="0" smtClean="0"/>
-              <a:t> – Admin Console</a:t>
+              <a:t> </a:t>
+            </a:r>
+            <a:r>
+              <a:rPr lang="en-US" dirty="0" smtClean="0"/>
+              <a:t>– Admin Console</a:t>
             </a:r>
             <a:endParaRPr lang="en-US" dirty="0"/>
           </a:p>
@@ -5977,6 +8338,205 @@
     <p:extLst>
       <p:ext uri="{BB962C8B-B14F-4D97-AF65-F5344CB8AC3E}">
         <p14:creationId xmlns:p14="http://schemas.microsoft.com/office/powerpoint/2010/main" val="2641800662"/>
+      </p:ext>
+    </p:extLst>
+  </p:cSld>
+  <p:clrMapOvr>
+    <a:masterClrMapping/>
+  </p:clrMapOvr>
+  <mc:AlternateContent xmlns:mc="http://schemas.openxmlformats.org/markup-compatibility/2006" xmlns:p14="http://schemas.microsoft.com/office/powerpoint/2010/main">
+    <mc:Choice Requires="p14">
+      <p:transition spd="med" p14:dur="700">
+        <p:fade/>
+      </p:transition>
+    </mc:Choice>
+    <mc:Fallback xmlns="">
+      <p:transition spd="med">
+        <p:fade/>
+      </p:transition>
+    </mc:Fallback>
+  </mc:AlternateContent>
+</p:sld>
+</file>
+
+<file path=ppt/slides/slide8.xml><?xml version="1.0" encoding="utf-8"?>
+<p:sld xmlns:a="http://schemas.openxmlformats.org/drawingml/2006/main" xmlns:r="http://schemas.openxmlformats.org/officeDocument/2006/relationships" xmlns:p="http://schemas.openxmlformats.org/presentationml/2006/main">
+  <p:cSld>
+    <p:spTree>
+      <p:nvGrpSpPr>
+        <p:cNvPr id="1" name=""/>
+        <p:cNvGrpSpPr/>
+        <p:nvPr/>
+      </p:nvGrpSpPr>
+      <p:grpSpPr>
+        <a:xfrm>
+          <a:off x="0" y="0"/>
+          <a:ext cx="0" cy="0"/>
+          <a:chOff x="0" y="0"/>
+          <a:chExt cx="0" cy="0"/>
+        </a:xfrm>
+      </p:grpSpPr>
+      <p:sp>
+        <p:nvSpPr>
+          <p:cNvPr id="2" name="Title 1"/>
+          <p:cNvSpPr>
+            <a:spLocks noGrp="1"/>
+          </p:cNvSpPr>
+          <p:nvPr>
+            <p:ph type="title"/>
+          </p:nvPr>
+        </p:nvSpPr>
+        <p:spPr/>
+        <p:txBody>
+          <a:bodyPr/>
+          <a:lstStyle/>
+          <a:p>
+            <a:r>
+              <a:rPr lang="en-US" dirty="0" smtClean="0"/>
+              <a:t>Background Worker Scenarios</a:t>
+            </a:r>
+            <a:endParaRPr lang="en-US" dirty="0"/>
+          </a:p>
+        </p:txBody>
+      </p:sp>
+      <p:sp>
+        <p:nvSpPr>
+          <p:cNvPr id="3" name="Content Placeholder 2"/>
+          <p:cNvSpPr>
+            <a:spLocks noGrp="1"/>
+          </p:cNvSpPr>
+          <p:nvPr>
+            <p:ph idx="1"/>
+          </p:nvPr>
+        </p:nvSpPr>
+        <p:spPr/>
+        <p:txBody>
+          <a:bodyPr>
+            <a:normAutofit/>
+          </a:bodyPr>
+          <a:lstStyle/>
+          <a:p>
+            <a:r>
+              <a:rPr lang="en-US" sz="3600" dirty="0" smtClean="0"/>
+              <a:t>Offload work</a:t>
+            </a:r>
+          </a:p>
+          <a:p>
+            <a:pPr lvl="1"/>
+            <a:r>
+              <a:rPr lang="en-US" sz="3200" dirty="0" smtClean="0"/>
+              <a:t>Same application, background thread</a:t>
+            </a:r>
+          </a:p>
+          <a:p>
+            <a:pPr lvl="1"/>
+            <a:r>
+              <a:rPr lang="en-US" sz="3200" dirty="0" smtClean="0"/>
+              <a:t>Different application/service (same or different machine)</a:t>
+            </a:r>
+          </a:p>
+          <a:p>
+            <a:pPr lvl="1"/>
+            <a:r>
+              <a:rPr lang="en-US" sz="3200" dirty="0" smtClean="0"/>
+              <a:t>Multiple instances of an application/service on multiple machines</a:t>
+            </a:r>
+            <a:endParaRPr lang="en-US" sz="3200" dirty="0"/>
+          </a:p>
+        </p:txBody>
+      </p:sp>
+    </p:spTree>
+    <p:extLst>
+      <p:ext uri="{BB962C8B-B14F-4D97-AF65-F5344CB8AC3E}">
+        <p14:creationId xmlns:p14="http://schemas.microsoft.com/office/powerpoint/2010/main" val="2763057525"/>
+      </p:ext>
+    </p:extLst>
+  </p:cSld>
+  <p:clrMapOvr>
+    <a:masterClrMapping/>
+  </p:clrMapOvr>
+  <mc:AlternateContent xmlns:mc="http://schemas.openxmlformats.org/markup-compatibility/2006">
+    <mc:Choice xmlns:p14="http://schemas.microsoft.com/office/powerpoint/2010/main" Requires="p14">
+      <p:transition spd="med" p14:dur="700">
+        <p:fade/>
+      </p:transition>
+    </mc:Choice>
+    <mc:Fallback>
+      <p:transition spd="med">
+        <p:fade/>
+      </p:transition>
+    </mc:Fallback>
+  </mc:AlternateContent>
+</p:sld>
+</file>
+
+<file path=ppt/slides/slide9.xml><?xml version="1.0" encoding="utf-8"?>
+<p:sld xmlns:a="http://schemas.openxmlformats.org/drawingml/2006/main" xmlns:r="http://schemas.openxmlformats.org/officeDocument/2006/relationships" xmlns:p="http://schemas.openxmlformats.org/presentationml/2006/main">
+  <p:cSld>
+    <p:spTree>
+      <p:nvGrpSpPr>
+        <p:cNvPr id="1" name=""/>
+        <p:cNvGrpSpPr/>
+        <p:nvPr/>
+      </p:nvGrpSpPr>
+      <p:grpSpPr>
+        <a:xfrm>
+          <a:off x="0" y="0"/>
+          <a:ext cx="0" cy="0"/>
+          <a:chOff x="0" y="0"/>
+          <a:chExt cx="0" cy="0"/>
+        </a:xfrm>
+      </p:grpSpPr>
+      <p:sp>
+        <p:nvSpPr>
+          <p:cNvPr id="4" name="Title 3"/>
+          <p:cNvSpPr>
+            <a:spLocks noGrp="1"/>
+          </p:cNvSpPr>
+          <p:nvPr>
+            <p:ph type="title"/>
+          </p:nvPr>
+        </p:nvSpPr>
+        <p:spPr/>
+        <p:txBody>
+          <a:bodyPr/>
+          <a:lstStyle/>
+          <a:p>
+            <a:r>
+              <a:rPr lang="en-US" dirty="0" smtClean="0"/>
+              <a:t>Demo</a:t>
+            </a:r>
+            <a:endParaRPr lang="en-US" dirty="0"/>
+          </a:p>
+        </p:txBody>
+      </p:sp>
+      <p:sp>
+        <p:nvSpPr>
+          <p:cNvPr id="5" name="Text Placeholder 4"/>
+          <p:cNvSpPr>
+            <a:spLocks noGrp="1"/>
+          </p:cNvSpPr>
+          <p:nvPr>
+            <p:ph type="body" idx="1"/>
+          </p:nvPr>
+        </p:nvSpPr>
+        <p:spPr/>
+        <p:txBody>
+          <a:bodyPr/>
+          <a:lstStyle/>
+          <a:p>
+            <a:r>
+              <a:rPr lang="en-US" dirty="0" smtClean="0"/>
+              <a:t>Simple Background Worker</a:t>
+            </a:r>
+            <a:endParaRPr lang="en-US" dirty="0"/>
+          </a:p>
+        </p:txBody>
+      </p:sp>
+    </p:spTree>
+    <p:extLst>
+      <p:ext uri="{BB962C8B-B14F-4D97-AF65-F5344CB8AC3E}">
+        <p14:creationId xmlns:p14="http://schemas.microsoft.com/office/powerpoint/2010/main" val="3758219476"/>
       </p:ext>
     </p:extLst>
   </p:cSld>

--- a/BreakingDownComplexSystemswithRabbitMQ/Breaking Down Complex Systems with RabbitMQ.pptx
+++ b/BreakingDownComplexSystemswithRabbitMQ/Breaking Down Complex Systems with RabbitMQ.pptx
@@ -5,10 +5,10 @@
     <p:sldMasterId id="2147483648" r:id="rId2"/>
   </p:sldMasterIdLst>
   <p:notesMasterIdLst>
-    <p:notesMasterId r:id="rId28"/>
+    <p:notesMasterId r:id="rId29"/>
   </p:notesMasterIdLst>
   <p:handoutMasterIdLst>
-    <p:handoutMasterId r:id="rId29"/>
+    <p:handoutMasterId r:id="rId30"/>
   </p:handoutMasterIdLst>
   <p:sldIdLst>
     <p:sldId id="257" r:id="rId3"/>
@@ -17,25 +17,26 @@
     <p:sldId id="266" r:id="rId6"/>
     <p:sldId id="277" r:id="rId7"/>
     <p:sldId id="259" r:id="rId8"/>
-    <p:sldId id="260" r:id="rId9"/>
-    <p:sldId id="261" r:id="rId10"/>
-    <p:sldId id="278" r:id="rId11"/>
-    <p:sldId id="279" r:id="rId12"/>
-    <p:sldId id="262" r:id="rId13"/>
-    <p:sldId id="263" r:id="rId14"/>
-    <p:sldId id="280" r:id="rId15"/>
-    <p:sldId id="281" r:id="rId16"/>
-    <p:sldId id="274" r:id="rId17"/>
-    <p:sldId id="264" r:id="rId18"/>
-    <p:sldId id="275" r:id="rId19"/>
-    <p:sldId id="276" r:id="rId20"/>
-    <p:sldId id="267" r:id="rId21"/>
-    <p:sldId id="268" r:id="rId22"/>
-    <p:sldId id="273" r:id="rId23"/>
-    <p:sldId id="269" r:id="rId24"/>
-    <p:sldId id="270" r:id="rId25"/>
-    <p:sldId id="271" r:id="rId26"/>
-    <p:sldId id="272" r:id="rId27"/>
+    <p:sldId id="282" r:id="rId9"/>
+    <p:sldId id="260" r:id="rId10"/>
+    <p:sldId id="261" r:id="rId11"/>
+    <p:sldId id="278" r:id="rId12"/>
+    <p:sldId id="279" r:id="rId13"/>
+    <p:sldId id="262" r:id="rId14"/>
+    <p:sldId id="263" r:id="rId15"/>
+    <p:sldId id="280" r:id="rId16"/>
+    <p:sldId id="281" r:id="rId17"/>
+    <p:sldId id="274" r:id="rId18"/>
+    <p:sldId id="264" r:id="rId19"/>
+    <p:sldId id="275" r:id="rId20"/>
+    <p:sldId id="276" r:id="rId21"/>
+    <p:sldId id="267" r:id="rId22"/>
+    <p:sldId id="268" r:id="rId23"/>
+    <p:sldId id="273" r:id="rId24"/>
+    <p:sldId id="269" r:id="rId25"/>
+    <p:sldId id="270" r:id="rId26"/>
+    <p:sldId id="271" r:id="rId27"/>
+    <p:sldId id="272" r:id="rId28"/>
   </p:sldIdLst>
   <p:sldSz cx="12192000" cy="6858000"/>
   <p:notesSz cx="6858000" cy="9144000"/>
@@ -227,7 +228,7 @@
           <a:p>
             <a:fld id="{D63D5444-F62C-42C3-A75A-D9DBA807730F}" type="datetimeFigureOut">
               <a:rPr lang="en-US" smtClean="0"/>
-              <a:t>7/18/2014</a:t>
+              <a:t>7/20/2014</a:t>
             </a:fld>
             <a:endParaRPr lang="en-US"/>
           </a:p>
@@ -392,7 +393,7 @@
           <a:p>
             <a:fld id="{12CAA1FA-7B6A-47D2-8D61-F225D71B51FF}" type="datetimeFigureOut">
               <a:rPr lang="en-US" smtClean="0"/>
-              <a:t>7/18/2014</a:t>
+              <a:t>7/20/2014</a:t>
             </a:fld>
             <a:endParaRPr lang="en-US"/>
           </a:p>
@@ -1233,7 +1234,7 @@
           <a:p>
             <a:fld id="{A79A3335-6331-4872-A8B7-ECD55539F4D0}" type="datetimeFigureOut">
               <a:rPr lang="en-US" smtClean="0"/>
-              <a:t>7/18/2014</a:t>
+              <a:t>7/20/2014</a:t>
             </a:fld>
             <a:endParaRPr lang="en-US"/>
           </a:p>
@@ -1492,7 +1493,7 @@
           <a:p>
             <a:fld id="{A79A3335-6331-4872-A8B7-ECD55539F4D0}" type="datetimeFigureOut">
               <a:rPr lang="en-US" smtClean="0"/>
-              <a:t>7/18/2014</a:t>
+              <a:t>7/20/2014</a:t>
             </a:fld>
             <a:endParaRPr lang="en-US"/>
           </a:p>
@@ -2020,7 +2021,7 @@
           <a:p>
             <a:fld id="{A79A3335-6331-4872-A8B7-ECD55539F4D0}" type="datetimeFigureOut">
               <a:rPr lang="en-US" smtClean="0"/>
-              <a:t>7/18/2014</a:t>
+              <a:t>7/20/2014</a:t>
             </a:fld>
             <a:endParaRPr lang="en-US"/>
           </a:p>
@@ -2352,7 +2353,7 @@
           <a:p>
             <a:fld id="{A79A3335-6331-4872-A8B7-ECD55539F4D0}" type="datetimeFigureOut">
               <a:rPr lang="en-US" smtClean="0"/>
-              <a:t>7/18/2014</a:t>
+              <a:t>7/20/2014</a:t>
             </a:fld>
             <a:endParaRPr lang="en-US"/>
           </a:p>
@@ -2537,7 +2538,7 @@
           <a:p>
             <a:fld id="{3FFEEF4C-44EF-431E-80A2-CF6E8AAE357A}" type="datetime1">
               <a:rPr lang="en-US" smtClean="0"/>
-              <a:t>7/18/2014</a:t>
+              <a:t>7/20/2014</a:t>
             </a:fld>
             <a:endParaRPr lang="en-US" dirty="0"/>
           </a:p>
@@ -2786,7 +2787,7 @@
           <a:p>
             <a:fld id="{A79A3335-6331-4872-A8B7-ECD55539F4D0}" type="datetimeFigureOut">
               <a:rPr lang="en-US" smtClean="0"/>
-              <a:t>7/18/2014</a:t>
+              <a:t>7/20/2014</a:t>
             </a:fld>
             <a:endParaRPr lang="en-US"/>
           </a:p>
@@ -4016,7 +4017,7 @@
           <a:p>
             <a:fld id="{A79A3335-6331-4872-A8B7-ECD55539F4D0}" type="datetimeFigureOut">
               <a:rPr lang="en-US" smtClean="0"/>
-              <a:t>7/18/2014</a:t>
+              <a:t>7/20/2014</a:t>
             </a:fld>
             <a:endParaRPr lang="en-US"/>
           </a:p>
@@ -4399,7 +4400,7 @@
           <a:p>
             <a:fld id="{A79A3335-6331-4872-A8B7-ECD55539F4D0}" type="datetimeFigureOut">
               <a:rPr lang="en-US" smtClean="0"/>
-              <a:t>7/18/2014</a:t>
+              <a:t>7/20/2014</a:t>
             </a:fld>
             <a:endParaRPr lang="en-US"/>
           </a:p>
@@ -4529,7 +4530,7 @@
           <a:p>
             <a:fld id="{A79A3335-6331-4872-A8B7-ECD55539F4D0}" type="datetimeFigureOut">
               <a:rPr lang="en-US" smtClean="0"/>
-              <a:t>7/18/2014</a:t>
+              <a:t>7/20/2014</a:t>
             </a:fld>
             <a:endParaRPr lang="en-US"/>
           </a:p>
@@ -4636,7 +4637,7 @@
           <a:p>
             <a:fld id="{A79A3335-6331-4872-A8B7-ECD55539F4D0}" type="datetimeFigureOut">
               <a:rPr lang="en-US" smtClean="0"/>
-              <a:t>7/18/2014</a:t>
+              <a:t>7/20/2014</a:t>
             </a:fld>
             <a:endParaRPr lang="en-US"/>
           </a:p>
@@ -4927,7 +4928,7 @@
           <a:p>
             <a:fld id="{A79A3335-6331-4872-A8B7-ECD55539F4D0}" type="datetimeFigureOut">
               <a:rPr lang="en-US" smtClean="0"/>
-              <a:t>7/18/2014</a:t>
+              <a:t>7/20/2014</a:t>
             </a:fld>
             <a:endParaRPr lang="en-US"/>
           </a:p>
@@ -5291,7 +5292,7 @@
             <a:fld id="{A79A3335-6331-4872-A8B7-ECD55539F4D0}" type="datetimeFigureOut">
               <a:rPr lang="en-US" smtClean="0"/>
               <a:pPr/>
-              <a:t>7/18/2014</a:t>
+              <a:t>7/20/2014</a:t>
             </a:fld>
             <a:endParaRPr lang="en-US"/>
           </a:p>
@@ -5900,7 +5901,7 @@
           <a:p>
             <a:r>
               <a:rPr lang="en-US" dirty="0" smtClean="0"/>
-              <a:t>Scaling Out Background Worker</a:t>
+              <a:t>Simple Background Worker</a:t>
             </a:r>
             <a:endParaRPr lang="en-US" dirty="0"/>
           </a:p>
@@ -5909,20 +5910,20 @@
     </p:spTree>
     <p:extLst>
       <p:ext uri="{BB962C8B-B14F-4D97-AF65-F5344CB8AC3E}">
-        <p14:creationId xmlns:p14="http://schemas.microsoft.com/office/powerpoint/2010/main" val="4169221901"/>
+        <p14:creationId xmlns:p14="http://schemas.microsoft.com/office/powerpoint/2010/main" val="3758219476"/>
       </p:ext>
     </p:extLst>
   </p:cSld>
   <p:clrMapOvr>
     <a:masterClrMapping/>
   </p:clrMapOvr>
-  <mc:AlternateContent xmlns:mc="http://schemas.openxmlformats.org/markup-compatibility/2006">
-    <mc:Choice xmlns:p14="http://schemas.microsoft.com/office/powerpoint/2010/main" Requires="p14">
+  <mc:AlternateContent xmlns:mc="http://schemas.openxmlformats.org/markup-compatibility/2006" xmlns:p14="http://schemas.microsoft.com/office/powerpoint/2010/main">
+    <mc:Choice Requires="p14">
       <p:transition spd="med" p14:dur="700">
         <p:fade/>
       </p:transition>
     </mc:Choice>
-    <mc:Fallback>
+    <mc:Fallback xmlns="">
       <p:transition spd="med">
         <p:fade/>
       </p:transition>
@@ -5950,7 +5951,7 @@
       </p:grpSpPr>
       <p:sp>
         <p:nvSpPr>
-          <p:cNvPr id="2" name="Title 1"/>
+          <p:cNvPr id="4" name="Title 3"/>
           <p:cNvSpPr>
             <a:spLocks noGrp="1"/>
           </p:cNvSpPr>
@@ -5965,7 +5966,7 @@
           <a:p>
             <a:r>
               <a:rPr lang="en-US" dirty="0" smtClean="0"/>
-              <a:t>Pub/Sub</a:t>
+              <a:t>Demo</a:t>
             </a:r>
             <a:endParaRPr lang="en-US" dirty="0"/>
           </a:p>
@@ -5973,66 +5974,44 @@
       </p:sp>
       <p:sp>
         <p:nvSpPr>
-          <p:cNvPr id="3" name="Content Placeholder 2"/>
-          <p:cNvSpPr>
-            <a:spLocks noGrp="1"/>
-          </p:cNvSpPr>
-          <p:nvPr>
-            <p:ph idx="1"/>
-          </p:nvPr>
-        </p:nvSpPr>
-        <p:spPr/>
-        <p:txBody>
-          <a:bodyPr>
-            <a:normAutofit/>
-          </a:bodyPr>
-          <a:lstStyle/>
-          <a:p>
-            <a:r>
-              <a:rPr lang="en-US" sz="3600" dirty="0" smtClean="0"/>
-              <a:t>Publisher</a:t>
-            </a:r>
-          </a:p>
-          <a:p>
-            <a:pPr lvl="1"/>
-            <a:r>
-              <a:rPr lang="en-US" sz="3200" dirty="0" smtClean="0"/>
-              <a:t>Sends out messages about it’s activity (events)</a:t>
-            </a:r>
-          </a:p>
-          <a:p>
-            <a:r>
-              <a:rPr lang="en-US" sz="3600" dirty="0" smtClean="0"/>
-              <a:t>Subscriber(s)</a:t>
-            </a:r>
-          </a:p>
-          <a:p>
-            <a:pPr lvl="1"/>
-            <a:r>
-              <a:rPr lang="en-US" sz="3200" dirty="0" smtClean="0"/>
-              <a:t>Receive messages and do work</a:t>
-            </a:r>
-            <a:endParaRPr lang="en-US" sz="3200" dirty="0"/>
+          <p:cNvPr id="5" name="Text Placeholder 4"/>
+          <p:cNvSpPr>
+            <a:spLocks noGrp="1"/>
+          </p:cNvSpPr>
+          <p:nvPr>
+            <p:ph type="body" idx="1"/>
+          </p:nvPr>
+        </p:nvSpPr>
+        <p:spPr/>
+        <p:txBody>
+          <a:bodyPr/>
+          <a:lstStyle/>
+          <a:p>
+            <a:r>
+              <a:rPr lang="en-US" dirty="0" smtClean="0"/>
+              <a:t>Scaling Out Background Worker</a:t>
+            </a:r>
+            <a:endParaRPr lang="en-US" dirty="0"/>
           </a:p>
         </p:txBody>
       </p:sp>
     </p:spTree>
     <p:extLst>
       <p:ext uri="{BB962C8B-B14F-4D97-AF65-F5344CB8AC3E}">
-        <p14:creationId xmlns:p14="http://schemas.microsoft.com/office/powerpoint/2010/main" val="2742967825"/>
+        <p14:creationId xmlns:p14="http://schemas.microsoft.com/office/powerpoint/2010/main" val="4169221901"/>
       </p:ext>
     </p:extLst>
   </p:cSld>
   <p:clrMapOvr>
     <a:masterClrMapping/>
   </p:clrMapOvr>
-  <mc:AlternateContent xmlns:mc="http://schemas.openxmlformats.org/markup-compatibility/2006">
-    <mc:Choice xmlns:p14="http://schemas.microsoft.com/office/powerpoint/2010/main" Requires="p14">
+  <mc:AlternateContent xmlns:mc="http://schemas.openxmlformats.org/markup-compatibility/2006" xmlns:p14="http://schemas.microsoft.com/office/powerpoint/2010/main">
+    <mc:Choice Requires="p14">
       <p:transition spd="med" p14:dur="700">
         <p:fade/>
       </p:transition>
     </mc:Choice>
-    <mc:Fallback>
+    <mc:Fallback xmlns="">
       <p:transition spd="med">
         <p:fade/>
       </p:transition>
@@ -6075,7 +6054,7 @@
           <a:p>
             <a:r>
               <a:rPr lang="en-US" dirty="0" smtClean="0"/>
-              <a:t>Why Pub/Sub?</a:t>
+              <a:t>Pub/Sub</a:t>
             </a:r>
             <a:endParaRPr lang="en-US" dirty="0"/>
           </a:p>
@@ -6093,45 +6072,56 @@
         </p:nvSpPr>
         <p:spPr/>
         <p:txBody>
-          <a:bodyPr/>
-          <a:lstStyle/>
-          <a:p>
-            <a:r>
-              <a:rPr lang="en-US" dirty="0" smtClean="0"/>
-              <a:t>Different work that needs to be done when an event completes</a:t>
-            </a:r>
-          </a:p>
-          <a:p>
-            <a:r>
-              <a:rPr lang="en-US" dirty="0" smtClean="0"/>
-              <a:t>Decoupling to allow flexibility</a:t>
-            </a:r>
-          </a:p>
-          <a:p>
-            <a:r>
-              <a:rPr lang="en-US" dirty="0" smtClean="0"/>
-              <a:t>Refresh multiple clients</a:t>
-            </a:r>
+          <a:bodyPr>
+            <a:normAutofit/>
+          </a:bodyPr>
+          <a:lstStyle/>
+          <a:p>
+            <a:r>
+              <a:rPr lang="en-US" sz="3600" dirty="0" smtClean="0"/>
+              <a:t>Publisher</a:t>
+            </a:r>
+          </a:p>
+          <a:p>
+            <a:pPr lvl="1"/>
+            <a:r>
+              <a:rPr lang="en-US" sz="3200" dirty="0" smtClean="0"/>
+              <a:t>Sends out messages about it’s activity (events)</a:t>
+            </a:r>
+          </a:p>
+          <a:p>
+            <a:r>
+              <a:rPr lang="en-US" sz="3600" dirty="0" smtClean="0"/>
+              <a:t>Subscriber(s)</a:t>
+            </a:r>
+          </a:p>
+          <a:p>
+            <a:pPr lvl="1"/>
+            <a:r>
+              <a:rPr lang="en-US" sz="3200" dirty="0" smtClean="0"/>
+              <a:t>Receive messages and do work</a:t>
+            </a:r>
+            <a:endParaRPr lang="en-US" sz="3200" dirty="0"/>
           </a:p>
         </p:txBody>
       </p:sp>
     </p:spTree>
     <p:extLst>
       <p:ext uri="{BB962C8B-B14F-4D97-AF65-F5344CB8AC3E}">
-        <p14:creationId xmlns:p14="http://schemas.microsoft.com/office/powerpoint/2010/main" val="306983652"/>
+        <p14:creationId xmlns:p14="http://schemas.microsoft.com/office/powerpoint/2010/main" val="2742967825"/>
       </p:ext>
     </p:extLst>
   </p:cSld>
   <p:clrMapOvr>
     <a:masterClrMapping/>
   </p:clrMapOvr>
-  <mc:AlternateContent xmlns:mc="http://schemas.openxmlformats.org/markup-compatibility/2006">
-    <mc:Choice xmlns:p14="http://schemas.microsoft.com/office/powerpoint/2010/main" Requires="p14">
+  <mc:AlternateContent xmlns:mc="http://schemas.openxmlformats.org/markup-compatibility/2006" xmlns:p14="http://schemas.microsoft.com/office/powerpoint/2010/main">
+    <mc:Choice Requires="p14">
       <p:transition spd="med" p14:dur="700">
         <p:fade/>
       </p:transition>
     </mc:Choice>
-    <mc:Fallback>
+    <mc:Fallback xmlns="">
       <p:transition spd="med">
         <p:fade/>
       </p:transition>
@@ -6159,7 +6149,7 @@
       </p:grpSpPr>
       <p:sp>
         <p:nvSpPr>
-          <p:cNvPr id="4" name="Title 3"/>
+          <p:cNvPr id="2" name="Title 1"/>
           <p:cNvSpPr>
             <a:spLocks noGrp="1"/>
           </p:cNvSpPr>
@@ -6174,7 +6164,7 @@
           <a:p>
             <a:r>
               <a:rPr lang="en-US" dirty="0" smtClean="0"/>
-              <a:t>Demo</a:t>
+              <a:t>Why Pub/Sub?</a:t>
             </a:r>
             <a:endParaRPr lang="en-US" dirty="0"/>
           </a:p>
@@ -6182,12 +6172,12 @@
       </p:sp>
       <p:sp>
         <p:nvSpPr>
-          <p:cNvPr id="5" name="Text Placeholder 4"/>
-          <p:cNvSpPr>
-            <a:spLocks noGrp="1"/>
-          </p:cNvSpPr>
-          <p:nvPr>
-            <p:ph type="body" idx="1"/>
+          <p:cNvPr id="3" name="Content Placeholder 2"/>
+          <p:cNvSpPr>
+            <a:spLocks noGrp="1"/>
+          </p:cNvSpPr>
+          <p:nvPr>
+            <p:ph idx="1"/>
           </p:nvPr>
         </p:nvSpPr>
         <p:spPr/>
@@ -6197,37 +6187,40 @@
           <a:p>
             <a:r>
               <a:rPr lang="en-US" dirty="0" smtClean="0"/>
-              <a:t>Pub/Sub – </a:t>
-            </a:r>
-            <a:r>
-              <a:rPr lang="en-US" dirty="0" err="1" smtClean="0"/>
-              <a:t>Fanout</a:t>
-            </a:r>
+              <a:t>Different work that needs to be done when an event completes</a:t>
+            </a:r>
+          </a:p>
+          <a:p>
             <a:r>
               <a:rPr lang="en-US" dirty="0" smtClean="0"/>
-              <a:t> Exchange</a:t>
-            </a:r>
-            <a:endParaRPr lang="en-US" dirty="0"/>
+              <a:t>Decoupling to allow flexibility</a:t>
+            </a:r>
+          </a:p>
+          <a:p>
+            <a:r>
+              <a:rPr lang="en-US" dirty="0" smtClean="0"/>
+              <a:t>Refresh multiple clients</a:t>
+            </a:r>
           </a:p>
         </p:txBody>
       </p:sp>
     </p:spTree>
     <p:extLst>
       <p:ext uri="{BB962C8B-B14F-4D97-AF65-F5344CB8AC3E}">
-        <p14:creationId xmlns:p14="http://schemas.microsoft.com/office/powerpoint/2010/main" val="3626900510"/>
+        <p14:creationId xmlns:p14="http://schemas.microsoft.com/office/powerpoint/2010/main" val="306983652"/>
       </p:ext>
     </p:extLst>
   </p:cSld>
   <p:clrMapOvr>
     <a:masterClrMapping/>
   </p:clrMapOvr>
-  <mc:AlternateContent xmlns:mc="http://schemas.openxmlformats.org/markup-compatibility/2006">
-    <mc:Choice xmlns:p14="http://schemas.microsoft.com/office/powerpoint/2010/main" Requires="p14">
+  <mc:AlternateContent xmlns:mc="http://schemas.openxmlformats.org/markup-compatibility/2006" xmlns:p14="http://schemas.microsoft.com/office/powerpoint/2010/main">
+    <mc:Choice Requires="p14">
       <p:transition spd="med" p14:dur="700">
         <p:fade/>
       </p:transition>
     </mc:Choice>
-    <mc:Fallback>
+    <mc:Fallback xmlns="">
       <p:transition spd="med">
         <p:fade/>
       </p:transition>
@@ -6293,7 +6286,15 @@
           <a:p>
             <a:r>
               <a:rPr lang="en-US" dirty="0" smtClean="0"/>
-              <a:t>Pub/Sub – Topic Exchange</a:t>
+              <a:t>Pub/Sub – </a:t>
+            </a:r>
+            <a:r>
+              <a:rPr lang="en-US" dirty="0" err="1" smtClean="0"/>
+              <a:t>Fanout</a:t>
+            </a:r>
+            <a:r>
+              <a:rPr lang="en-US" dirty="0" smtClean="0"/>
+              <a:t> Exchange</a:t>
             </a:r>
             <a:endParaRPr lang="en-US" dirty="0"/>
           </a:p>
@@ -6302,20 +6303,20 @@
     </p:spTree>
     <p:extLst>
       <p:ext uri="{BB962C8B-B14F-4D97-AF65-F5344CB8AC3E}">
-        <p14:creationId xmlns:p14="http://schemas.microsoft.com/office/powerpoint/2010/main" val="662003395"/>
+        <p14:creationId xmlns:p14="http://schemas.microsoft.com/office/powerpoint/2010/main" val="3626900510"/>
       </p:ext>
     </p:extLst>
   </p:cSld>
   <p:clrMapOvr>
     <a:masterClrMapping/>
   </p:clrMapOvr>
-  <mc:AlternateContent xmlns:mc="http://schemas.openxmlformats.org/markup-compatibility/2006">
-    <mc:Choice xmlns:p14="http://schemas.microsoft.com/office/powerpoint/2010/main" Requires="p14">
+  <mc:AlternateContent xmlns:mc="http://schemas.openxmlformats.org/markup-compatibility/2006" xmlns:p14="http://schemas.microsoft.com/office/powerpoint/2010/main">
+    <mc:Choice Requires="p14">
       <p:transition spd="med" p14:dur="700">
         <p:fade/>
       </p:transition>
     </mc:Choice>
-    <mc:Fallback>
+    <mc:Fallback xmlns="">
       <p:transition spd="med">
         <p:fade/>
       </p:transition>
@@ -6358,7 +6359,7 @@
           <a:p>
             <a:r>
               <a:rPr lang="en-US" dirty="0" smtClean="0"/>
-              <a:t>Other Considerations</a:t>
+              <a:t>Demo</a:t>
             </a:r>
             <a:endParaRPr lang="en-US" dirty="0"/>
           </a:p>
@@ -6379,27 +6380,31 @@
           <a:bodyPr/>
           <a:lstStyle/>
           <a:p>
-            <a:endParaRPr lang="en-US"/>
+            <a:r>
+              <a:rPr lang="en-US" dirty="0" smtClean="0"/>
+              <a:t>Pub/Sub – Topic Exchange</a:t>
+            </a:r>
+            <a:endParaRPr lang="en-US" dirty="0"/>
           </a:p>
         </p:txBody>
       </p:sp>
     </p:spTree>
     <p:extLst>
       <p:ext uri="{BB962C8B-B14F-4D97-AF65-F5344CB8AC3E}">
-        <p14:creationId xmlns:p14="http://schemas.microsoft.com/office/powerpoint/2010/main" val="43101360"/>
+        <p14:creationId xmlns:p14="http://schemas.microsoft.com/office/powerpoint/2010/main" val="662003395"/>
       </p:ext>
     </p:extLst>
   </p:cSld>
   <p:clrMapOvr>
     <a:masterClrMapping/>
   </p:clrMapOvr>
-  <mc:AlternateContent xmlns:mc="http://schemas.openxmlformats.org/markup-compatibility/2006">
-    <mc:Choice xmlns:p14="http://schemas.microsoft.com/office/powerpoint/2010/main" Requires="p14">
+  <mc:AlternateContent xmlns:mc="http://schemas.openxmlformats.org/markup-compatibility/2006" xmlns:p14="http://schemas.microsoft.com/office/powerpoint/2010/main">
+    <mc:Choice Requires="p14">
       <p:transition spd="med" p14:dur="700">
         <p:fade/>
       </p:transition>
     </mc:Choice>
-    <mc:Fallback>
+    <mc:Fallback xmlns="">
       <p:transition spd="med">
         <p:fade/>
       </p:transition>
@@ -6427,7 +6432,7 @@
       </p:grpSpPr>
       <p:sp>
         <p:nvSpPr>
-          <p:cNvPr id="2" name="Title 1"/>
+          <p:cNvPr id="4" name="Title 3"/>
           <p:cNvSpPr>
             <a:spLocks noGrp="1"/>
           </p:cNvSpPr>
@@ -6442,7 +6447,7 @@
           <a:p>
             <a:r>
               <a:rPr lang="en-US" dirty="0" smtClean="0"/>
-              <a:t>“Good” Practices</a:t>
+              <a:t>Other Considerations</a:t>
             </a:r>
             <a:endParaRPr lang="en-US" dirty="0"/>
           </a:p>
@@ -6450,12 +6455,12 @@
       </p:sp>
       <p:sp>
         <p:nvSpPr>
-          <p:cNvPr id="3" name="Content Placeholder 2"/>
-          <p:cNvSpPr>
-            <a:spLocks noGrp="1"/>
-          </p:cNvSpPr>
-          <p:nvPr>
-            <p:ph idx="1"/>
+          <p:cNvPr id="5" name="Text Placeholder 4"/>
+          <p:cNvSpPr>
+            <a:spLocks noGrp="1"/>
+          </p:cNvSpPr>
+          <p:nvPr>
+            <p:ph type="body" idx="1"/>
           </p:nvPr>
         </p:nvSpPr>
         <p:spPr/>
@@ -6463,50 +6468,27 @@
           <a:bodyPr/>
           <a:lstStyle/>
           <a:p>
-            <a:r>
-              <a:rPr lang="en-US" dirty="0" smtClean="0"/>
-              <a:t>Have a message versioning strategy</a:t>
-            </a:r>
-          </a:p>
-          <a:p>
-            <a:r>
-              <a:rPr lang="en-US" dirty="0" smtClean="0"/>
-              <a:t>Don’t use messaging/queues for RPC</a:t>
-            </a:r>
-          </a:p>
-          <a:p>
-            <a:r>
-              <a:rPr lang="en-US" dirty="0" smtClean="0"/>
-              <a:t>Create a meaningful hierarchy for your topics</a:t>
-            </a:r>
-          </a:p>
-          <a:p>
-            <a:pPr lvl="1"/>
-            <a:r>
-              <a:rPr lang="en-US" dirty="0" smtClean="0"/>
-              <a:t>Ex: &lt;company name&gt;.&lt;application name&gt;.&lt;concern&gt;.&lt;message purpose&gt;</a:t>
-            </a:r>
-            <a:endParaRPr lang="en-US" dirty="0"/>
+            <a:endParaRPr lang="en-US"/>
           </a:p>
         </p:txBody>
       </p:sp>
     </p:spTree>
     <p:extLst>
       <p:ext uri="{BB962C8B-B14F-4D97-AF65-F5344CB8AC3E}">
-        <p14:creationId xmlns:p14="http://schemas.microsoft.com/office/powerpoint/2010/main" val="470557734"/>
+        <p14:creationId xmlns:p14="http://schemas.microsoft.com/office/powerpoint/2010/main" val="43101360"/>
       </p:ext>
     </p:extLst>
   </p:cSld>
   <p:clrMapOvr>
     <a:masterClrMapping/>
   </p:clrMapOvr>
-  <mc:AlternateContent xmlns:mc="http://schemas.openxmlformats.org/markup-compatibility/2006">
-    <mc:Choice xmlns:p14="http://schemas.microsoft.com/office/powerpoint/2010/main" Requires="p14">
+  <mc:AlternateContent xmlns:mc="http://schemas.openxmlformats.org/markup-compatibility/2006" xmlns:p14="http://schemas.microsoft.com/office/powerpoint/2010/main">
+    <mc:Choice Requires="p14">
       <p:transition spd="med" p14:dur="700">
         <p:fade/>
       </p:transition>
     </mc:Choice>
-    <mc:Fallback>
+    <mc:Fallback xmlns="">
       <p:transition spd="med">
         <p:fade/>
       </p:transition>
@@ -6548,8 +6530,8 @@
           <a:lstStyle/>
           <a:p>
             <a:r>
-              <a:rPr lang="en-US" dirty="0" err="1" smtClean="0"/>
-              <a:t>MassTransit</a:t>
+              <a:rPr lang="en-US" dirty="0" smtClean="0"/>
+              <a:t>“Good” Practices</a:t>
             </a:r>
             <a:endParaRPr lang="en-US" dirty="0"/>
           </a:p>
@@ -6570,27 +6552,50 @@
           <a:bodyPr/>
           <a:lstStyle/>
           <a:p>
-            <a:endParaRPr lang="en-US"/>
+            <a:r>
+              <a:rPr lang="en-US" dirty="0" smtClean="0"/>
+              <a:t>Have a message versioning strategy</a:t>
+            </a:r>
+          </a:p>
+          <a:p>
+            <a:r>
+              <a:rPr lang="en-US" dirty="0" smtClean="0"/>
+              <a:t>Don’t use messaging/queues for RPC</a:t>
+            </a:r>
+          </a:p>
+          <a:p>
+            <a:r>
+              <a:rPr lang="en-US" dirty="0" smtClean="0"/>
+              <a:t>Create a meaningful hierarchy for your topics</a:t>
+            </a:r>
+          </a:p>
+          <a:p>
+            <a:pPr lvl="1"/>
+            <a:r>
+              <a:rPr lang="en-US" dirty="0" smtClean="0"/>
+              <a:t>Ex: &lt;company name&gt;.&lt;application name&gt;.&lt;concern&gt;.&lt;message purpose&gt;</a:t>
+            </a:r>
+            <a:endParaRPr lang="en-US" dirty="0"/>
           </a:p>
         </p:txBody>
       </p:sp>
     </p:spTree>
     <p:extLst>
       <p:ext uri="{BB962C8B-B14F-4D97-AF65-F5344CB8AC3E}">
-        <p14:creationId xmlns:p14="http://schemas.microsoft.com/office/powerpoint/2010/main" val="4251321414"/>
+        <p14:creationId xmlns:p14="http://schemas.microsoft.com/office/powerpoint/2010/main" val="470557734"/>
       </p:ext>
     </p:extLst>
   </p:cSld>
   <p:clrMapOvr>
     <a:masterClrMapping/>
   </p:clrMapOvr>
-  <mc:AlternateContent xmlns:mc="http://schemas.openxmlformats.org/markup-compatibility/2006">
-    <mc:Choice xmlns:p14="http://schemas.microsoft.com/office/powerpoint/2010/main" Requires="p14">
+  <mc:AlternateContent xmlns:mc="http://schemas.openxmlformats.org/markup-compatibility/2006" xmlns:p14="http://schemas.microsoft.com/office/powerpoint/2010/main">
+    <mc:Choice Requires="p14">
       <p:transition spd="med" p14:dur="700">
         <p:fade/>
       </p:transition>
     </mc:Choice>
-    <mc:Fallback>
+    <mc:Fallback xmlns="">
       <p:transition spd="med">
         <p:fade/>
       </p:transition>
@@ -6632,8 +6637,8 @@
           <a:lstStyle/>
           <a:p>
             <a:r>
-              <a:rPr lang="en-US" dirty="0" smtClean="0"/>
-              <a:t>Domain Driven Design</a:t>
+              <a:rPr lang="en-US" dirty="0" err="1" smtClean="0"/>
+              <a:t>MassTransit</a:t>
             </a:r>
             <a:endParaRPr lang="en-US" dirty="0"/>
           </a:p>
@@ -6661,20 +6666,20 @@
     </p:spTree>
     <p:extLst>
       <p:ext uri="{BB962C8B-B14F-4D97-AF65-F5344CB8AC3E}">
-        <p14:creationId xmlns:p14="http://schemas.microsoft.com/office/powerpoint/2010/main" val="1451244177"/>
+        <p14:creationId xmlns:p14="http://schemas.microsoft.com/office/powerpoint/2010/main" val="4251321414"/>
       </p:ext>
     </p:extLst>
   </p:cSld>
   <p:clrMapOvr>
     <a:masterClrMapping/>
   </p:clrMapOvr>
-  <mc:AlternateContent xmlns:mc="http://schemas.openxmlformats.org/markup-compatibility/2006">
-    <mc:Choice xmlns:p14="http://schemas.microsoft.com/office/powerpoint/2010/main" Requires="p14">
+  <mc:AlternateContent xmlns:mc="http://schemas.openxmlformats.org/markup-compatibility/2006" xmlns:p14="http://schemas.microsoft.com/office/powerpoint/2010/main">
+    <mc:Choice Requires="p14">
       <p:transition spd="med" p14:dur="700">
         <p:fade/>
       </p:transition>
     </mc:Choice>
-    <mc:Fallback>
+    <mc:Fallback xmlns="">
       <p:transition spd="med">
         <p:fade/>
       </p:transition>
@@ -6702,7 +6707,7 @@
       </p:grpSpPr>
       <p:sp>
         <p:nvSpPr>
-          <p:cNvPr id="7" name="Title 6"/>
+          <p:cNvPr id="2" name="Title 1"/>
           <p:cNvSpPr>
             <a:spLocks noGrp="1"/>
           </p:cNvSpPr>
@@ -6717,7 +6722,7 @@
           <a:p>
             <a:r>
               <a:rPr lang="en-US" dirty="0" smtClean="0"/>
-              <a:t>Questions?</a:t>
+              <a:t>Domain Driven Design</a:t>
             </a:r>
             <a:endParaRPr lang="en-US" dirty="0"/>
           </a:p>
@@ -6725,7 +6730,7 @@
       </p:sp>
       <p:sp>
         <p:nvSpPr>
-          <p:cNvPr id="8" name="Content Placeholder 7"/>
+          <p:cNvPr id="3" name="Content Placeholder 2"/>
           <p:cNvSpPr>
             <a:spLocks noGrp="1"/>
           </p:cNvSpPr>
@@ -6745,7 +6750,7 @@
     </p:spTree>
     <p:extLst>
       <p:ext uri="{BB962C8B-B14F-4D97-AF65-F5344CB8AC3E}">
-        <p14:creationId xmlns:p14="http://schemas.microsoft.com/office/powerpoint/2010/main" val="2424931334"/>
+        <p14:creationId xmlns:p14="http://schemas.microsoft.com/office/powerpoint/2010/main" val="1451244177"/>
       </p:ext>
     </p:extLst>
   </p:cSld>
@@ -6860,6 +6865,90 @@
 </file>
 
 <file path=ppt/slides/slide20.xml><?xml version="1.0" encoding="utf-8"?>
+<p:sld xmlns:a="http://schemas.openxmlformats.org/drawingml/2006/main" xmlns:r="http://schemas.openxmlformats.org/officeDocument/2006/relationships" xmlns:p="http://schemas.openxmlformats.org/presentationml/2006/main">
+  <p:cSld>
+    <p:spTree>
+      <p:nvGrpSpPr>
+        <p:cNvPr id="1" name=""/>
+        <p:cNvGrpSpPr/>
+        <p:nvPr/>
+      </p:nvGrpSpPr>
+      <p:grpSpPr>
+        <a:xfrm>
+          <a:off x="0" y="0"/>
+          <a:ext cx="0" cy="0"/>
+          <a:chOff x="0" y="0"/>
+          <a:chExt cx="0" cy="0"/>
+        </a:xfrm>
+      </p:grpSpPr>
+      <p:sp>
+        <p:nvSpPr>
+          <p:cNvPr id="7" name="Title 6"/>
+          <p:cNvSpPr>
+            <a:spLocks noGrp="1"/>
+          </p:cNvSpPr>
+          <p:nvPr>
+            <p:ph type="title"/>
+          </p:nvPr>
+        </p:nvSpPr>
+        <p:spPr/>
+        <p:txBody>
+          <a:bodyPr/>
+          <a:lstStyle/>
+          <a:p>
+            <a:r>
+              <a:rPr lang="en-US" dirty="0" smtClean="0"/>
+              <a:t>Questions?</a:t>
+            </a:r>
+            <a:endParaRPr lang="en-US" dirty="0"/>
+          </a:p>
+        </p:txBody>
+      </p:sp>
+      <p:sp>
+        <p:nvSpPr>
+          <p:cNvPr id="8" name="Content Placeholder 7"/>
+          <p:cNvSpPr>
+            <a:spLocks noGrp="1"/>
+          </p:cNvSpPr>
+          <p:nvPr>
+            <p:ph idx="1"/>
+          </p:nvPr>
+        </p:nvSpPr>
+        <p:spPr/>
+        <p:txBody>
+          <a:bodyPr/>
+          <a:lstStyle/>
+          <a:p>
+            <a:endParaRPr lang="en-US"/>
+          </a:p>
+        </p:txBody>
+      </p:sp>
+    </p:spTree>
+    <p:extLst>
+      <p:ext uri="{BB962C8B-B14F-4D97-AF65-F5344CB8AC3E}">
+        <p14:creationId xmlns:p14="http://schemas.microsoft.com/office/powerpoint/2010/main" val="2424931334"/>
+      </p:ext>
+    </p:extLst>
+  </p:cSld>
+  <p:clrMapOvr>
+    <a:masterClrMapping/>
+  </p:clrMapOvr>
+  <mc:AlternateContent xmlns:mc="http://schemas.openxmlformats.org/markup-compatibility/2006" xmlns:p14="http://schemas.microsoft.com/office/powerpoint/2010/main">
+    <mc:Choice Requires="p14">
+      <p:transition spd="med" p14:dur="700">
+        <p:fade/>
+      </p:transition>
+    </mc:Choice>
+    <mc:Fallback xmlns="">
+      <p:transition spd="med">
+        <p:fade/>
+      </p:transition>
+    </mc:Fallback>
+  </mc:AlternateContent>
+</p:sld>
+</file>
+
+<file path=ppt/slides/slide21.xml><?xml version="1.0" encoding="utf-8"?>
 <p:sld xmlns:a="http://schemas.openxmlformats.org/drawingml/2006/main" xmlns:r="http://schemas.openxmlformats.org/officeDocument/2006/relationships" xmlns:p="http://schemas.openxmlformats.org/presentationml/2006/main">
   <p:cSld>
     <p:spTree>
@@ -6997,7 +7086,7 @@
 </p:sld>
 </file>
 
-<file path=ppt/slides/slide21.xml><?xml version="1.0" encoding="utf-8"?>
+<file path=ppt/slides/slide22.xml><?xml version="1.0" encoding="utf-8"?>
 <p:sld xmlns:a="http://schemas.openxmlformats.org/drawingml/2006/main" xmlns:r="http://schemas.openxmlformats.org/officeDocument/2006/relationships" xmlns:p="http://schemas.openxmlformats.org/presentationml/2006/main">
   <p:cSld>
     <p:spTree>
@@ -7125,7 +7214,7 @@
 </p:sld>
 </file>
 
-<file path=ppt/slides/slide22.xml><?xml version="1.0" encoding="utf-8"?>
+<file path=ppt/slides/slide23.xml><?xml version="1.0" encoding="utf-8"?>
 <p:sld xmlns:a="http://schemas.openxmlformats.org/drawingml/2006/main" xmlns:r="http://schemas.openxmlformats.org/officeDocument/2006/relationships" xmlns:p="http://schemas.openxmlformats.org/presentationml/2006/main">
   <p:cSld>
     <p:spTree>
@@ -7272,7 +7361,7 @@
 </p:sld>
 </file>
 
-<file path=ppt/slides/slide23.xml><?xml version="1.0" encoding="utf-8"?>
+<file path=ppt/slides/slide24.xml><?xml version="1.0" encoding="utf-8"?>
 <p:sld xmlns:a="http://schemas.openxmlformats.org/drawingml/2006/main" xmlns:r="http://schemas.openxmlformats.org/officeDocument/2006/relationships" xmlns:p="http://schemas.openxmlformats.org/presentationml/2006/main">
   <p:cSld>
     <p:spTree>
@@ -7376,7 +7465,7 @@
 </p:sld>
 </file>
 
-<file path=ppt/slides/slide24.xml><?xml version="1.0" encoding="utf-8"?>
+<file path=ppt/slides/slide25.xml><?xml version="1.0" encoding="utf-8"?>
 <p:sld xmlns:a="http://schemas.openxmlformats.org/drawingml/2006/main" xmlns:r="http://schemas.openxmlformats.org/officeDocument/2006/relationships" xmlns:p="http://schemas.openxmlformats.org/presentationml/2006/main">
   <p:cSld>
     <p:spTree>
@@ -7570,7 +7659,7 @@
 </p:sld>
 </file>
 
-<file path=ppt/slides/slide25.xml><?xml version="1.0" encoding="utf-8"?>
+<file path=ppt/slides/slide26.xml><?xml version="1.0" encoding="utf-8"?>
 <p:sld xmlns:a="http://schemas.openxmlformats.org/drawingml/2006/main" xmlns:r="http://schemas.openxmlformats.org/officeDocument/2006/relationships" xmlns:p="http://schemas.openxmlformats.org/presentationml/2006/main">
   <p:cSld>
     <p:spTree>
@@ -7846,13 +7935,13 @@
   <p:clrMapOvr>
     <a:masterClrMapping/>
   </p:clrMapOvr>
-  <mc:AlternateContent xmlns:mc="http://schemas.openxmlformats.org/markup-compatibility/2006">
-    <mc:Choice xmlns:p14="http://schemas.microsoft.com/office/powerpoint/2010/main" Requires="p14">
+  <mc:AlternateContent xmlns:mc="http://schemas.openxmlformats.org/markup-compatibility/2006" xmlns:p14="http://schemas.microsoft.com/office/powerpoint/2010/main">
+    <mc:Choice Requires="p14">
       <p:transition spd="med" p14:dur="700">
         <p:fade/>
       </p:transition>
     </mc:Choice>
-    <mc:Fallback>
+    <mc:Fallback xmlns="">
       <p:transition spd="med">
         <p:fade/>
       </p:transition>
@@ -7952,13 +8041,13 @@
   <p:clrMapOvr>
     <a:masterClrMapping/>
   </p:clrMapOvr>
-  <mc:AlternateContent xmlns:mc="http://schemas.openxmlformats.org/markup-compatibility/2006">
-    <mc:Choice xmlns:p14="http://schemas.microsoft.com/office/powerpoint/2010/main" Requires="p14">
+  <mc:AlternateContent xmlns:mc="http://schemas.openxmlformats.org/markup-compatibility/2006" xmlns:p14="http://schemas.microsoft.com/office/powerpoint/2010/main">
+    <mc:Choice Requires="p14">
       <p:transition spd="med" p14:dur="700">
         <p:fade/>
       </p:transition>
     </mc:Choice>
-    <mc:Fallback>
+    <mc:Fallback xmlns="">
       <p:transition spd="med">
         <p:fade/>
       </p:transition>
@@ -8036,13 +8125,13 @@
   <p:clrMapOvr>
     <a:masterClrMapping/>
   </p:clrMapOvr>
-  <mc:AlternateContent xmlns:mc="http://schemas.openxmlformats.org/markup-compatibility/2006">
-    <mc:Choice xmlns:p14="http://schemas.microsoft.com/office/powerpoint/2010/main" Requires="p14">
+  <mc:AlternateContent xmlns:mc="http://schemas.openxmlformats.org/markup-compatibility/2006" xmlns:p14="http://schemas.microsoft.com/office/powerpoint/2010/main">
+    <mc:Choice Requires="p14">
       <p:transition spd="med" p14:dur="700">
         <p:fade/>
       </p:transition>
     </mc:Choice>
-    <mc:Fallback>
+    <mc:Fallback xmlns="">
       <p:transition spd="med">
         <p:fade/>
       </p:transition>
@@ -8217,16 +8306,124 @@
           <a:lstStyle/>
           <a:p>
             <a:r>
+              <a:rPr lang="en-US" dirty="0" smtClean="0"/>
+              <a:t>Parts of </a:t>
+            </a:r>
+            <a:r>
               <a:rPr lang="en-US" dirty="0" err="1" smtClean="0"/>
               <a:t>RabbitMQ</a:t>
             </a:r>
+            <a:endParaRPr lang="en-US" dirty="0"/>
+          </a:p>
+        </p:txBody>
+      </p:sp>
+      <p:sp>
+        <p:nvSpPr>
+          <p:cNvPr id="3" name="Content Placeholder 2"/>
+          <p:cNvSpPr>
+            <a:spLocks noGrp="1"/>
+          </p:cNvSpPr>
+          <p:nvPr>
+            <p:ph idx="1"/>
+          </p:nvPr>
+        </p:nvSpPr>
+        <p:spPr/>
+        <p:txBody>
+          <a:bodyPr/>
+          <a:lstStyle/>
+          <a:p>
             <a:r>
               <a:rPr lang="en-US" dirty="0" smtClean="0"/>
-              <a:t> </a:t>
-            </a:r>
+              <a:t>Producers</a:t>
+            </a:r>
+          </a:p>
+          <a:p>
             <a:r>
               <a:rPr lang="en-US" dirty="0" smtClean="0"/>
-              <a:t>– Admin Console</a:t>
+              <a:t>Consumers</a:t>
+            </a:r>
+          </a:p>
+          <a:p>
+            <a:r>
+              <a:rPr lang="en-US" dirty="0" smtClean="0"/>
+              <a:t>Queues</a:t>
+            </a:r>
+          </a:p>
+          <a:p>
+            <a:r>
+              <a:rPr lang="en-US" smtClean="0"/>
+              <a:t>Exchanges</a:t>
+            </a:r>
+          </a:p>
+          <a:p>
+            <a:endParaRPr lang="en-US" dirty="0"/>
+          </a:p>
+        </p:txBody>
+      </p:sp>
+    </p:spTree>
+    <p:extLst>
+      <p:ext uri="{BB962C8B-B14F-4D97-AF65-F5344CB8AC3E}">
+        <p14:creationId xmlns:p14="http://schemas.microsoft.com/office/powerpoint/2010/main" val="2803891935"/>
+      </p:ext>
+    </p:extLst>
+  </p:cSld>
+  <p:clrMapOvr>
+    <a:masterClrMapping/>
+  </p:clrMapOvr>
+  <mc:AlternateContent xmlns:mc="http://schemas.openxmlformats.org/markup-compatibility/2006">
+    <mc:Choice xmlns:p14="http://schemas.microsoft.com/office/powerpoint/2010/main" Requires="p14">
+      <p:transition spd="med" p14:dur="700">
+        <p:fade/>
+      </p:transition>
+    </mc:Choice>
+    <mc:Fallback>
+      <p:transition spd="med">
+        <p:fade/>
+      </p:transition>
+    </mc:Fallback>
+  </mc:AlternateContent>
+</p:sld>
+</file>
+
+<file path=ppt/slides/slide8.xml><?xml version="1.0" encoding="utf-8"?>
+<p:sld xmlns:a="http://schemas.openxmlformats.org/drawingml/2006/main" xmlns:r="http://schemas.openxmlformats.org/officeDocument/2006/relationships" xmlns:p="http://schemas.openxmlformats.org/presentationml/2006/main">
+  <p:cSld>
+    <p:spTree>
+      <p:nvGrpSpPr>
+        <p:cNvPr id="1" name=""/>
+        <p:cNvGrpSpPr/>
+        <p:nvPr/>
+      </p:nvGrpSpPr>
+      <p:grpSpPr>
+        <a:xfrm>
+          <a:off x="0" y="0"/>
+          <a:ext cx="0" cy="0"/>
+          <a:chOff x="0" y="0"/>
+          <a:chExt cx="0" cy="0"/>
+        </a:xfrm>
+      </p:grpSpPr>
+      <p:sp>
+        <p:nvSpPr>
+          <p:cNvPr id="2" name="Title 1"/>
+          <p:cNvSpPr>
+            <a:spLocks noGrp="1"/>
+          </p:cNvSpPr>
+          <p:nvPr>
+            <p:ph type="title"/>
+          </p:nvPr>
+        </p:nvSpPr>
+        <p:spPr/>
+        <p:txBody>
+          <a:bodyPr/>
+          <a:lstStyle/>
+          <a:p>
+            <a:r>
+              <a:rPr lang="en-US" dirty="0" err="1" smtClean="0"/>
+              <a:t>RabbitMQ</a:t>
+            </a:r>
+            <a:r>
+              <a:rPr lang="en-US" dirty="0" smtClean="0"/>
+              <a:t> – Admin Console</a:t>
             </a:r>
             <a:endParaRPr lang="en-US" dirty="0"/>
           </a:p>
@@ -8359,117 +8556,6 @@
 </p:sld>
 </file>
 
-<file path=ppt/slides/slide8.xml><?xml version="1.0" encoding="utf-8"?>
-<p:sld xmlns:a="http://schemas.openxmlformats.org/drawingml/2006/main" xmlns:r="http://schemas.openxmlformats.org/officeDocument/2006/relationships" xmlns:p="http://schemas.openxmlformats.org/presentationml/2006/main">
-  <p:cSld>
-    <p:spTree>
-      <p:nvGrpSpPr>
-        <p:cNvPr id="1" name=""/>
-        <p:cNvGrpSpPr/>
-        <p:nvPr/>
-      </p:nvGrpSpPr>
-      <p:grpSpPr>
-        <a:xfrm>
-          <a:off x="0" y="0"/>
-          <a:ext cx="0" cy="0"/>
-          <a:chOff x="0" y="0"/>
-          <a:chExt cx="0" cy="0"/>
-        </a:xfrm>
-      </p:grpSpPr>
-      <p:sp>
-        <p:nvSpPr>
-          <p:cNvPr id="2" name="Title 1"/>
-          <p:cNvSpPr>
-            <a:spLocks noGrp="1"/>
-          </p:cNvSpPr>
-          <p:nvPr>
-            <p:ph type="title"/>
-          </p:nvPr>
-        </p:nvSpPr>
-        <p:spPr/>
-        <p:txBody>
-          <a:bodyPr/>
-          <a:lstStyle/>
-          <a:p>
-            <a:r>
-              <a:rPr lang="en-US" dirty="0" smtClean="0"/>
-              <a:t>Background Worker Scenarios</a:t>
-            </a:r>
-            <a:endParaRPr lang="en-US" dirty="0"/>
-          </a:p>
-        </p:txBody>
-      </p:sp>
-      <p:sp>
-        <p:nvSpPr>
-          <p:cNvPr id="3" name="Content Placeholder 2"/>
-          <p:cNvSpPr>
-            <a:spLocks noGrp="1"/>
-          </p:cNvSpPr>
-          <p:nvPr>
-            <p:ph idx="1"/>
-          </p:nvPr>
-        </p:nvSpPr>
-        <p:spPr/>
-        <p:txBody>
-          <a:bodyPr>
-            <a:normAutofit/>
-          </a:bodyPr>
-          <a:lstStyle/>
-          <a:p>
-            <a:r>
-              <a:rPr lang="en-US" sz="3600" dirty="0" smtClean="0"/>
-              <a:t>Offload work</a:t>
-            </a:r>
-          </a:p>
-          <a:p>
-            <a:pPr lvl="1"/>
-            <a:r>
-              <a:rPr lang="en-US" sz="3200" dirty="0" smtClean="0"/>
-              <a:t>Same application, background thread</a:t>
-            </a:r>
-          </a:p>
-          <a:p>
-            <a:pPr lvl="1"/>
-            <a:r>
-              <a:rPr lang="en-US" sz="3200" dirty="0" smtClean="0"/>
-              <a:t>Different application/service (same or different machine)</a:t>
-            </a:r>
-          </a:p>
-          <a:p>
-            <a:pPr lvl="1"/>
-            <a:r>
-              <a:rPr lang="en-US" sz="3200" dirty="0" smtClean="0"/>
-              <a:t>Multiple instances of an application/service on multiple machines</a:t>
-            </a:r>
-            <a:endParaRPr lang="en-US" sz="3200" dirty="0"/>
-          </a:p>
-        </p:txBody>
-      </p:sp>
-    </p:spTree>
-    <p:extLst>
-      <p:ext uri="{BB962C8B-B14F-4D97-AF65-F5344CB8AC3E}">
-        <p14:creationId xmlns:p14="http://schemas.microsoft.com/office/powerpoint/2010/main" val="2763057525"/>
-      </p:ext>
-    </p:extLst>
-  </p:cSld>
-  <p:clrMapOvr>
-    <a:masterClrMapping/>
-  </p:clrMapOvr>
-  <mc:AlternateContent xmlns:mc="http://schemas.openxmlformats.org/markup-compatibility/2006">
-    <mc:Choice xmlns:p14="http://schemas.microsoft.com/office/powerpoint/2010/main" Requires="p14">
-      <p:transition spd="med" p14:dur="700">
-        <p:fade/>
-      </p:transition>
-    </mc:Choice>
-    <mc:Fallback>
-      <p:transition spd="med">
-        <p:fade/>
-      </p:transition>
-    </mc:Fallback>
-  </mc:AlternateContent>
-</p:sld>
-</file>
-
 <file path=ppt/slides/slide9.xml><?xml version="1.0" encoding="utf-8"?>
 <p:sld xmlns:a="http://schemas.openxmlformats.org/drawingml/2006/main" xmlns:r="http://schemas.openxmlformats.org/officeDocument/2006/relationships" xmlns:p="http://schemas.openxmlformats.org/presentationml/2006/main">
   <p:cSld>
@@ -8489,7 +8575,7 @@
       </p:grpSpPr>
       <p:sp>
         <p:nvSpPr>
-          <p:cNvPr id="4" name="Title 3"/>
+          <p:cNvPr id="2" name="Title 1"/>
           <p:cNvSpPr>
             <a:spLocks noGrp="1"/>
           </p:cNvSpPr>
@@ -8504,7 +8590,7 @@
           <a:p>
             <a:r>
               <a:rPr lang="en-US" dirty="0" smtClean="0"/>
-              <a:t>Demo</a:t>
+              <a:t>Background Worker Scenarios</a:t>
             </a:r>
             <a:endParaRPr lang="en-US" dirty="0"/>
           </a:p>
@@ -8512,44 +8598,67 @@
       </p:sp>
       <p:sp>
         <p:nvSpPr>
-          <p:cNvPr id="5" name="Text Placeholder 4"/>
-          <p:cNvSpPr>
-            <a:spLocks noGrp="1"/>
-          </p:cNvSpPr>
-          <p:nvPr>
-            <p:ph type="body" idx="1"/>
-          </p:nvPr>
-        </p:nvSpPr>
-        <p:spPr/>
-        <p:txBody>
-          <a:bodyPr/>
-          <a:lstStyle/>
-          <a:p>
-            <a:r>
-              <a:rPr lang="en-US" dirty="0" smtClean="0"/>
-              <a:t>Simple Background Worker</a:t>
-            </a:r>
-            <a:endParaRPr lang="en-US" dirty="0"/>
+          <p:cNvPr id="3" name="Content Placeholder 2"/>
+          <p:cNvSpPr>
+            <a:spLocks noGrp="1"/>
+          </p:cNvSpPr>
+          <p:nvPr>
+            <p:ph idx="1"/>
+          </p:nvPr>
+        </p:nvSpPr>
+        <p:spPr/>
+        <p:txBody>
+          <a:bodyPr>
+            <a:normAutofit/>
+          </a:bodyPr>
+          <a:lstStyle/>
+          <a:p>
+            <a:r>
+              <a:rPr lang="en-US" sz="3600" dirty="0" smtClean="0"/>
+              <a:t>Offload work</a:t>
+            </a:r>
+          </a:p>
+          <a:p>
+            <a:pPr lvl="1"/>
+            <a:r>
+              <a:rPr lang="en-US" sz="3200" dirty="0" smtClean="0"/>
+              <a:t>Same application, background thread</a:t>
+            </a:r>
+          </a:p>
+          <a:p>
+            <a:pPr lvl="1"/>
+            <a:r>
+              <a:rPr lang="en-US" sz="3200" dirty="0" smtClean="0"/>
+              <a:t>Different application/service (same or different machine)</a:t>
+            </a:r>
+          </a:p>
+          <a:p>
+            <a:pPr lvl="1"/>
+            <a:r>
+              <a:rPr lang="en-US" sz="3200" dirty="0" smtClean="0"/>
+              <a:t>Multiple instances of an application/service on multiple machines</a:t>
+            </a:r>
+            <a:endParaRPr lang="en-US" sz="3200" dirty="0"/>
           </a:p>
         </p:txBody>
       </p:sp>
     </p:spTree>
     <p:extLst>
       <p:ext uri="{BB962C8B-B14F-4D97-AF65-F5344CB8AC3E}">
-        <p14:creationId xmlns:p14="http://schemas.microsoft.com/office/powerpoint/2010/main" val="3758219476"/>
+        <p14:creationId xmlns:p14="http://schemas.microsoft.com/office/powerpoint/2010/main" val="2763057525"/>
       </p:ext>
     </p:extLst>
   </p:cSld>
   <p:clrMapOvr>
     <a:masterClrMapping/>
   </p:clrMapOvr>
-  <mc:AlternateContent xmlns:mc="http://schemas.openxmlformats.org/markup-compatibility/2006">
-    <mc:Choice xmlns:p14="http://schemas.microsoft.com/office/powerpoint/2010/main" Requires="p14">
+  <mc:AlternateContent xmlns:mc="http://schemas.openxmlformats.org/markup-compatibility/2006" xmlns:p14="http://schemas.microsoft.com/office/powerpoint/2010/main">
+    <mc:Choice Requires="p14">
       <p:transition spd="med" p14:dur="700">
         <p:fade/>
       </p:transition>
     </mc:Choice>
-    <mc:Fallback>
+    <mc:Fallback xmlns="">
       <p:transition spd="med">
         <p:fade/>
       </p:transition>

--- a/BreakingDownComplexSystemswithRabbitMQ/Breaking Down Complex Systems with RabbitMQ.pptx
+++ b/BreakingDownComplexSystemswithRabbitMQ/Breaking Down Complex Systems with RabbitMQ.pptx
@@ -5,41 +5,38 @@
     <p:sldMasterId id="2147483648" r:id="rId2"/>
   </p:sldMasterIdLst>
   <p:notesMasterIdLst>
-    <p:notesMasterId r:id="rId29"/>
+    <p:notesMasterId r:id="rId26"/>
   </p:notesMasterIdLst>
   <p:handoutMasterIdLst>
-    <p:handoutMasterId r:id="rId30"/>
+    <p:handoutMasterId r:id="rId27"/>
   </p:handoutMasterIdLst>
   <p:sldIdLst>
     <p:sldId id="257" r:id="rId3"/>
-    <p:sldId id="258" r:id="rId4"/>
-    <p:sldId id="265" r:id="rId5"/>
-    <p:sldId id="266" r:id="rId6"/>
-    <p:sldId id="277" r:id="rId7"/>
-    <p:sldId id="259" r:id="rId8"/>
-    <p:sldId id="282" r:id="rId9"/>
-    <p:sldId id="260" r:id="rId10"/>
-    <p:sldId id="261" r:id="rId11"/>
-    <p:sldId id="278" r:id="rId12"/>
-    <p:sldId id="279" r:id="rId13"/>
-    <p:sldId id="262" r:id="rId14"/>
-    <p:sldId id="263" r:id="rId15"/>
-    <p:sldId id="280" r:id="rId16"/>
-    <p:sldId id="281" r:id="rId17"/>
-    <p:sldId id="274" r:id="rId18"/>
-    <p:sldId id="264" r:id="rId19"/>
+    <p:sldId id="265" r:id="rId4"/>
+    <p:sldId id="266" r:id="rId5"/>
+    <p:sldId id="277" r:id="rId6"/>
+    <p:sldId id="259" r:id="rId7"/>
+    <p:sldId id="282" r:id="rId8"/>
+    <p:sldId id="260" r:id="rId9"/>
+    <p:sldId id="261" r:id="rId10"/>
+    <p:sldId id="278" r:id="rId11"/>
+    <p:sldId id="279" r:id="rId12"/>
+    <p:sldId id="262" r:id="rId13"/>
+    <p:sldId id="263" r:id="rId14"/>
+    <p:sldId id="280" r:id="rId15"/>
+    <p:sldId id="281" r:id="rId16"/>
+    <p:sldId id="264" r:id="rId17"/>
+    <p:sldId id="283" r:id="rId18"/>
+    <p:sldId id="276" r:id="rId19"/>
     <p:sldId id="275" r:id="rId20"/>
-    <p:sldId id="276" r:id="rId21"/>
-    <p:sldId id="267" r:id="rId22"/>
-    <p:sldId id="268" r:id="rId23"/>
-    <p:sldId id="273" r:id="rId24"/>
-    <p:sldId id="269" r:id="rId25"/>
-    <p:sldId id="270" r:id="rId26"/>
-    <p:sldId id="271" r:id="rId27"/>
-    <p:sldId id="272" r:id="rId28"/>
+    <p:sldId id="267" r:id="rId21"/>
+    <p:sldId id="268" r:id="rId22"/>
+    <p:sldId id="273" r:id="rId23"/>
+    <p:sldId id="269" r:id="rId24"/>
+    <p:sldId id="272" r:id="rId25"/>
   </p:sldIdLst>
   <p:sldSz cx="12192000" cy="6858000"/>
-  <p:notesSz cx="6858000" cy="9144000"/>
+  <p:notesSz cx="7023100" cy="9309100"/>
   <p:defaultTextStyle>
     <a:defPPr>
       <a:defRPr lang="en-US"/>
@@ -181,14 +178,14 @@
         <p:spPr>
           <a:xfrm>
             <a:off x="0" y="0"/>
-            <a:ext cx="2971800" cy="458788"/>
+            <a:ext cx="3043343" cy="467072"/>
           </a:xfrm>
           <a:prstGeom prst="rect">
             <a:avLst/>
           </a:prstGeom>
         </p:spPr>
         <p:txBody>
-          <a:bodyPr vert="horz" lIns="91440" tIns="45720" rIns="91440" bIns="45720" rtlCol="0"/>
+          <a:bodyPr vert="horz" lIns="93324" tIns="46662" rIns="93324" bIns="46662" rtlCol="0"/>
           <a:lstStyle>
             <a:lvl1pPr algn="l">
               <a:defRPr sz="1200"/>
@@ -211,15 +208,15 @@
         </p:nvSpPr>
         <p:spPr>
           <a:xfrm>
-            <a:off x="3884613" y="0"/>
-            <a:ext cx="2971800" cy="458788"/>
+            <a:off x="3978132" y="0"/>
+            <a:ext cx="3043343" cy="467072"/>
           </a:xfrm>
           <a:prstGeom prst="rect">
             <a:avLst/>
           </a:prstGeom>
         </p:spPr>
         <p:txBody>
-          <a:bodyPr vert="horz" lIns="91440" tIns="45720" rIns="91440" bIns="45720" rtlCol="0"/>
+          <a:bodyPr vert="horz" lIns="93324" tIns="46662" rIns="93324" bIns="46662" rtlCol="0"/>
           <a:lstStyle>
             <a:lvl1pPr algn="r">
               <a:defRPr sz="1200"/>
@@ -228,7 +225,7 @@
           <a:p>
             <a:fld id="{D63D5444-F62C-42C3-A75A-D9DBA807730F}" type="datetimeFigureOut">
               <a:rPr lang="en-US" smtClean="0"/>
-              <a:t>7/20/2014</a:t>
+              <a:t>7/21/2014</a:t>
             </a:fld>
             <a:endParaRPr lang="en-US"/>
           </a:p>
@@ -246,15 +243,15 @@
         </p:nvSpPr>
         <p:spPr>
           <a:xfrm>
-            <a:off x="0" y="8685213"/>
-            <a:ext cx="2971800" cy="458787"/>
+            <a:off x="0" y="8842030"/>
+            <a:ext cx="3043343" cy="467071"/>
           </a:xfrm>
           <a:prstGeom prst="rect">
             <a:avLst/>
           </a:prstGeom>
         </p:spPr>
         <p:txBody>
-          <a:bodyPr vert="horz" lIns="91440" tIns="45720" rIns="91440" bIns="45720" rtlCol="0" anchor="b"/>
+          <a:bodyPr vert="horz" lIns="93324" tIns="46662" rIns="93324" bIns="46662" rtlCol="0" anchor="b"/>
           <a:lstStyle>
             <a:lvl1pPr algn="l">
               <a:defRPr sz="1200"/>
@@ -277,15 +274,15 @@
         </p:nvSpPr>
         <p:spPr>
           <a:xfrm>
-            <a:off x="3884613" y="8685213"/>
-            <a:ext cx="2971800" cy="458787"/>
+            <a:off x="3978132" y="8842030"/>
+            <a:ext cx="3043343" cy="467071"/>
           </a:xfrm>
           <a:prstGeom prst="rect">
             <a:avLst/>
           </a:prstGeom>
         </p:spPr>
         <p:txBody>
-          <a:bodyPr vert="horz" lIns="91440" tIns="45720" rIns="91440" bIns="45720" rtlCol="0" anchor="b"/>
+          <a:bodyPr vert="horz" lIns="93324" tIns="46662" rIns="93324" bIns="46662" rtlCol="0" anchor="b"/>
           <a:lstStyle>
             <a:lvl1pPr algn="r">
               <a:defRPr sz="1200"/>
@@ -346,14 +343,14 @@
         <p:spPr>
           <a:xfrm>
             <a:off x="0" y="0"/>
-            <a:ext cx="2971800" cy="458788"/>
+            <a:ext cx="3043343" cy="467072"/>
           </a:xfrm>
           <a:prstGeom prst="rect">
             <a:avLst/>
           </a:prstGeom>
         </p:spPr>
         <p:txBody>
-          <a:bodyPr vert="horz" lIns="91440" tIns="45720" rIns="91440" bIns="45720" rtlCol="0"/>
+          <a:bodyPr vert="horz" lIns="93324" tIns="46662" rIns="93324" bIns="46662" rtlCol="0"/>
           <a:lstStyle>
             <a:lvl1pPr algn="l">
               <a:defRPr sz="1200"/>
@@ -376,15 +373,15 @@
         </p:nvSpPr>
         <p:spPr>
           <a:xfrm>
-            <a:off x="3884613" y="0"/>
-            <a:ext cx="2971800" cy="458788"/>
+            <a:off x="3978132" y="0"/>
+            <a:ext cx="3043343" cy="467072"/>
           </a:xfrm>
           <a:prstGeom prst="rect">
             <a:avLst/>
           </a:prstGeom>
         </p:spPr>
         <p:txBody>
-          <a:bodyPr vert="horz" lIns="91440" tIns="45720" rIns="91440" bIns="45720" rtlCol="0"/>
+          <a:bodyPr vert="horz" lIns="93324" tIns="46662" rIns="93324" bIns="46662" rtlCol="0"/>
           <a:lstStyle>
             <a:lvl1pPr algn="r">
               <a:defRPr sz="1200"/>
@@ -393,7 +390,7 @@
           <a:p>
             <a:fld id="{12CAA1FA-7B6A-47D2-8D61-F225D71B51FF}" type="datetimeFigureOut">
               <a:rPr lang="en-US" smtClean="0"/>
-              <a:t>7/20/2014</a:t>
+              <a:t>7/21/2014</a:t>
             </a:fld>
             <a:endParaRPr lang="en-US"/>
           </a:p>
@@ -411,8 +408,8 @@
         </p:nvSpPr>
         <p:spPr>
           <a:xfrm>
-            <a:off x="685800" y="1143000"/>
-            <a:ext cx="5486400" cy="3086100"/>
+            <a:off x="719138" y="1163638"/>
+            <a:ext cx="5584825" cy="3141662"/>
           </a:xfrm>
           <a:prstGeom prst="rect">
             <a:avLst/>
@@ -425,7 +422,7 @@
           </a:ln>
         </p:spPr>
         <p:txBody>
-          <a:bodyPr vert="horz" lIns="91440" tIns="45720" rIns="91440" bIns="45720" rtlCol="0" anchor="ctr"/>
+          <a:bodyPr vert="horz" lIns="93324" tIns="46662" rIns="93324" bIns="46662" rtlCol="0" anchor="ctr"/>
           <a:lstStyle/>
           <a:p>
             <a:endParaRPr lang="en-US"/>
@@ -444,15 +441,15 @@
         </p:nvSpPr>
         <p:spPr>
           <a:xfrm>
-            <a:off x="685800" y="4400550"/>
-            <a:ext cx="5486400" cy="3600450"/>
+            <a:off x="702310" y="4480004"/>
+            <a:ext cx="5618480" cy="3665458"/>
           </a:xfrm>
           <a:prstGeom prst="rect">
             <a:avLst/>
           </a:prstGeom>
         </p:spPr>
         <p:txBody>
-          <a:bodyPr vert="horz" lIns="91440" tIns="45720" rIns="91440" bIns="45720" rtlCol="0"/>
+          <a:bodyPr vert="horz" lIns="93324" tIns="46662" rIns="93324" bIns="46662" rtlCol="0"/>
           <a:lstStyle/>
           <a:p>
             <a:pPr lvl="0"/>
@@ -504,15 +501,15 @@
         </p:nvSpPr>
         <p:spPr>
           <a:xfrm>
-            <a:off x="0" y="8685213"/>
-            <a:ext cx="2971800" cy="458787"/>
+            <a:off x="0" y="8842030"/>
+            <a:ext cx="3043343" cy="467071"/>
           </a:xfrm>
           <a:prstGeom prst="rect">
             <a:avLst/>
           </a:prstGeom>
         </p:spPr>
         <p:txBody>
-          <a:bodyPr vert="horz" lIns="91440" tIns="45720" rIns="91440" bIns="45720" rtlCol="0" anchor="b"/>
+          <a:bodyPr vert="horz" lIns="93324" tIns="46662" rIns="93324" bIns="46662" rtlCol="0" anchor="b"/>
           <a:lstStyle>
             <a:lvl1pPr algn="l">
               <a:defRPr sz="1200"/>
@@ -535,15 +532,15 @@
         </p:nvSpPr>
         <p:spPr>
           <a:xfrm>
-            <a:off x="3884613" y="8685213"/>
-            <a:ext cx="2971800" cy="458787"/>
+            <a:off x="3978132" y="8842030"/>
+            <a:ext cx="3043343" cy="467071"/>
           </a:xfrm>
           <a:prstGeom prst="rect">
             <a:avLst/>
           </a:prstGeom>
         </p:spPr>
         <p:txBody>
-          <a:bodyPr vert="horz" lIns="91440" tIns="45720" rIns="91440" bIns="45720" rtlCol="0" anchor="b"/>
+          <a:bodyPr vert="horz" lIns="93324" tIns="46662" rIns="93324" bIns="46662" rtlCol="0" anchor="b"/>
           <a:lstStyle>
             <a:lvl1pPr algn="r">
               <a:defRPr sz="1200"/>
@@ -1234,7 +1231,7 @@
           <a:p>
             <a:fld id="{A79A3335-6331-4872-A8B7-ECD55539F4D0}" type="datetimeFigureOut">
               <a:rPr lang="en-US" smtClean="0"/>
-              <a:t>7/20/2014</a:t>
+              <a:t>7/21/2014</a:t>
             </a:fld>
             <a:endParaRPr lang="en-US"/>
           </a:p>
@@ -1493,7 +1490,7 @@
           <a:p>
             <a:fld id="{A79A3335-6331-4872-A8B7-ECD55539F4D0}" type="datetimeFigureOut">
               <a:rPr lang="en-US" smtClean="0"/>
-              <a:t>7/20/2014</a:t>
+              <a:t>7/21/2014</a:t>
             </a:fld>
             <a:endParaRPr lang="en-US"/>
           </a:p>
@@ -2021,7 +2018,7 @@
           <a:p>
             <a:fld id="{A79A3335-6331-4872-A8B7-ECD55539F4D0}" type="datetimeFigureOut">
               <a:rPr lang="en-US" smtClean="0"/>
-              <a:t>7/20/2014</a:t>
+              <a:t>7/21/2014</a:t>
             </a:fld>
             <a:endParaRPr lang="en-US"/>
           </a:p>
@@ -2353,7 +2350,7 @@
           <a:p>
             <a:fld id="{A79A3335-6331-4872-A8B7-ECD55539F4D0}" type="datetimeFigureOut">
               <a:rPr lang="en-US" smtClean="0"/>
-              <a:t>7/20/2014</a:t>
+              <a:t>7/21/2014</a:t>
             </a:fld>
             <a:endParaRPr lang="en-US"/>
           </a:p>
@@ -2426,258 +2423,6 @@
 </p:sldLayout>
 </file>
 
-<file path=ppt/slideLayouts/slideLayout14.xml><?xml version="1.0" encoding="utf-8"?>
-<p:sldLayout xmlns:a="http://schemas.openxmlformats.org/drawingml/2006/main" xmlns:r="http://schemas.openxmlformats.org/officeDocument/2006/relationships" xmlns:p="http://schemas.openxmlformats.org/presentationml/2006/main" userDrawn="1">
-  <p:cSld name="18_Title and Content">
-    <p:spTree>
-      <p:nvGrpSpPr>
-        <p:cNvPr id="1" name=""/>
-        <p:cNvGrpSpPr/>
-        <p:nvPr/>
-      </p:nvGrpSpPr>
-      <p:grpSpPr>
-        <a:xfrm>
-          <a:off x="0" y="0"/>
-          <a:ext cx="0" cy="0"/>
-          <a:chOff x="0" y="0"/>
-          <a:chExt cx="0" cy="0"/>
-        </a:xfrm>
-      </p:grpSpPr>
-      <p:sp>
-        <p:nvSpPr>
-          <p:cNvPr id="3" name="Content Placeholder 2"/>
-          <p:cNvSpPr>
-            <a:spLocks noGrp="1"/>
-          </p:cNvSpPr>
-          <p:nvPr>
-            <p:ph idx="1" hasCustomPrompt="1"/>
-          </p:nvPr>
-        </p:nvSpPr>
-        <p:spPr>
-          <a:xfrm>
-            <a:off x="304800" y="1751527"/>
-            <a:ext cx="11582400" cy="4275786"/>
-          </a:xfrm>
-          <a:prstGeom prst="rect">
-            <a:avLst/>
-          </a:prstGeom>
-        </p:spPr>
-        <p:txBody>
-          <a:bodyPr vert="horz" lIns="0" tIns="45720" rIns="91440" bIns="45720" rtlCol="0">
-            <a:normAutofit/>
-          </a:bodyPr>
-          <a:lstStyle>
-            <a:lvl1pPr>
-              <a:defRPr lang="en-US" smtClean="0"/>
-            </a:lvl1pPr>
-            <a:lvl2pPr>
-              <a:defRPr lang="en-US" smtClean="0"/>
-            </a:lvl2pPr>
-            <a:lvl3pPr>
-              <a:defRPr lang="en-US" smtClean="0"/>
-            </a:lvl3pPr>
-            <a:lvl4pPr>
-              <a:defRPr lang="en-US" smtClean="0"/>
-            </a:lvl4pPr>
-            <a:lvl5pPr>
-              <a:defRPr lang="en-US" sz="1800"/>
-            </a:lvl5pPr>
-          </a:lstStyle>
-          <a:p>
-            <a:pPr lvl="0"/>
-            <a:r>
-              <a:rPr lang="en-US" dirty="0" smtClean="0"/>
-              <a:t>Click to edit text styles Arial 22/24</a:t>
-            </a:r>
-          </a:p>
-          <a:p>
-            <a:pPr lvl="1"/>
-            <a:r>
-              <a:rPr lang="en-US" dirty="0" smtClean="0"/>
-              <a:t>Second level</a:t>
-            </a:r>
-          </a:p>
-          <a:p>
-            <a:pPr lvl="2"/>
-            <a:r>
-              <a:rPr lang="en-US" dirty="0" smtClean="0"/>
-              <a:t>Third level</a:t>
-            </a:r>
-          </a:p>
-          <a:p>
-            <a:pPr lvl="3"/>
-            <a:r>
-              <a:rPr lang="en-US" dirty="0" smtClean="0"/>
-              <a:t>Fourth level</a:t>
-            </a:r>
-          </a:p>
-          <a:p>
-            <a:pPr lvl="4"/>
-            <a:r>
-              <a:rPr lang="en-US" dirty="0" smtClean="0"/>
-              <a:t>Fifth level</a:t>
-            </a:r>
-            <a:endParaRPr lang="en-US" dirty="0"/>
-          </a:p>
-        </p:txBody>
-      </p:sp>
-      <p:sp>
-        <p:nvSpPr>
-          <p:cNvPr id="10" name="Date Placeholder 9"/>
-          <p:cNvSpPr>
-            <a:spLocks noGrp="1"/>
-          </p:cNvSpPr>
-          <p:nvPr>
-            <p:ph type="dt" sz="half" idx="10"/>
-          </p:nvPr>
-        </p:nvSpPr>
-        <p:spPr/>
-        <p:txBody>
-          <a:bodyPr/>
-          <a:lstStyle/>
-          <a:p>
-            <a:fld id="{3FFEEF4C-44EF-431E-80A2-CF6E8AAE357A}" type="datetime1">
-              <a:rPr lang="en-US" smtClean="0"/>
-              <a:t>7/20/2014</a:t>
-            </a:fld>
-            <a:endParaRPr lang="en-US" dirty="0"/>
-          </a:p>
-        </p:txBody>
-      </p:sp>
-      <p:sp>
-        <p:nvSpPr>
-          <p:cNvPr id="11" name="Footer Placeholder 10"/>
-          <p:cNvSpPr>
-            <a:spLocks noGrp="1"/>
-          </p:cNvSpPr>
-          <p:nvPr>
-            <p:ph type="ftr" sz="quarter" idx="11"/>
-          </p:nvPr>
-        </p:nvSpPr>
-        <p:spPr/>
-        <p:txBody>
-          <a:bodyPr/>
-          <a:lstStyle/>
-          <a:p>
-            <a:pPr>
-              <a:lnSpc>
-                <a:spcPts val="1000"/>
-              </a:lnSpc>
-            </a:pPr>
-            <a:r>
-              <a:rPr lang="en-US" smtClean="0"/>
-              <a:t>McKesson Corporation Confidential and Proprietary</a:t>
-            </a:r>
-            <a:endParaRPr lang="en-US" dirty="0"/>
-          </a:p>
-        </p:txBody>
-      </p:sp>
-      <p:sp>
-        <p:nvSpPr>
-          <p:cNvPr id="12" name="Slide Number Placeholder 11"/>
-          <p:cNvSpPr>
-            <a:spLocks noGrp="1"/>
-          </p:cNvSpPr>
-          <p:nvPr>
-            <p:ph type="sldNum" sz="quarter" idx="12"/>
-          </p:nvPr>
-        </p:nvSpPr>
-        <p:spPr/>
-        <p:txBody>
-          <a:bodyPr/>
-          <a:lstStyle/>
-          <a:p>
-            <a:fld id="{B52DE8F2-FE9F-4322-A945-8EFB995C108B}" type="slidenum">
-              <a:rPr lang="en-US" smtClean="0"/>
-              <a:pPr/>
-              <a:t>‹#›</a:t>
-            </a:fld>
-            <a:endParaRPr lang="en-US" dirty="0"/>
-          </a:p>
-        </p:txBody>
-      </p:sp>
-      <p:sp>
-        <p:nvSpPr>
-          <p:cNvPr id="14" name="Title 13"/>
-          <p:cNvSpPr>
-            <a:spLocks noGrp="1"/>
-          </p:cNvSpPr>
-          <p:nvPr>
-            <p:ph type="title" hasCustomPrompt="1"/>
-          </p:nvPr>
-        </p:nvSpPr>
-        <p:spPr/>
-        <p:txBody>
-          <a:bodyPr vert="horz" lIns="0" tIns="0" rIns="0" bIns="0" rtlCol="0" anchor="t" anchorCtr="0">
-            <a:noAutofit/>
-          </a:bodyPr>
-          <a:lstStyle>
-            <a:lvl1pPr>
-              <a:defRPr lang="en-US" dirty="0"/>
-            </a:lvl1pPr>
-          </a:lstStyle>
-          <a:p>
-            <a:pPr lvl="0">
-              <a:lnSpc>
-                <a:spcPts val="3400"/>
-              </a:lnSpc>
-            </a:pPr>
-            <a:r>
-              <a:rPr lang="en-US" dirty="0" smtClean="0"/>
-              <a:t>Click to edit Agenda title style Arial 32/34</a:t>
-            </a:r>
-            <a:endParaRPr lang="en-US" dirty="0"/>
-          </a:p>
-        </p:txBody>
-      </p:sp>
-      <p:sp>
-        <p:nvSpPr>
-          <p:cNvPr id="7" name="Text Placeholder 11"/>
-          <p:cNvSpPr>
-            <a:spLocks noGrp="1"/>
-          </p:cNvSpPr>
-          <p:nvPr>
-            <p:ph type="body" sz="quarter" idx="15"/>
-          </p:nvPr>
-        </p:nvSpPr>
-        <p:spPr>
-          <a:xfrm>
-            <a:off x="292100" y="6019800"/>
-            <a:ext cx="5801784" cy="457200"/>
-          </a:xfrm>
-        </p:spPr>
-        <p:txBody>
-          <a:bodyPr anchor="b" anchorCtr="0"/>
-          <a:lstStyle>
-            <a:lvl1pPr>
-              <a:lnSpc>
-                <a:spcPts val="1000"/>
-              </a:lnSpc>
-              <a:defRPr sz="900" baseline="0"/>
-            </a:lvl1pPr>
-          </a:lstStyle>
-          <a:p>
-            <a:pPr lvl="0"/>
-            <a:r>
-              <a:rPr lang="en-US" smtClean="0"/>
-              <a:t>Click to edit Master text styles</a:t>
-            </a:r>
-          </a:p>
-        </p:txBody>
-      </p:sp>
-    </p:spTree>
-    <p:extLst>
-      <p:ext uri="{BB962C8B-B14F-4D97-AF65-F5344CB8AC3E}">
-        <p14:creationId xmlns:p14="http://schemas.microsoft.com/office/powerpoint/2010/main" val="3985387035"/>
-      </p:ext>
-    </p:extLst>
-  </p:cSld>
-  <p:clrMapOvr>
-    <a:masterClrMapping/>
-  </p:clrMapOvr>
-</p:sldLayout>
-</file>
-
 <file path=ppt/slideLayouts/slideLayout2.xml><?xml version="1.0" encoding="utf-8"?>
 <p:sldLayout xmlns:a="http://schemas.openxmlformats.org/drawingml/2006/main" xmlns:r="http://schemas.openxmlformats.org/officeDocument/2006/relationships" xmlns:p="http://schemas.openxmlformats.org/presentationml/2006/main" type="obj" preserve="1">
   <p:cSld name="Title and Content">
@@ -2787,7 +2532,7 @@
           <a:p>
             <a:fld id="{A79A3335-6331-4872-A8B7-ECD55539F4D0}" type="datetimeFigureOut">
               <a:rPr lang="en-US" smtClean="0"/>
-              <a:t>7/20/2014</a:t>
+              <a:t>7/21/2014</a:t>
             </a:fld>
             <a:endParaRPr lang="en-US"/>
           </a:p>
@@ -4017,7 +3762,7 @@
           <a:p>
             <a:fld id="{A79A3335-6331-4872-A8B7-ECD55539F4D0}" type="datetimeFigureOut">
               <a:rPr lang="en-US" smtClean="0"/>
-              <a:t>7/20/2014</a:t>
+              <a:t>7/21/2014</a:t>
             </a:fld>
             <a:endParaRPr lang="en-US"/>
           </a:p>
@@ -4400,7 +4145,7 @@
           <a:p>
             <a:fld id="{A79A3335-6331-4872-A8B7-ECD55539F4D0}" type="datetimeFigureOut">
               <a:rPr lang="en-US" smtClean="0"/>
-              <a:t>7/20/2014</a:t>
+              <a:t>7/21/2014</a:t>
             </a:fld>
             <a:endParaRPr lang="en-US"/>
           </a:p>
@@ -4530,7 +4275,7 @@
           <a:p>
             <a:fld id="{A79A3335-6331-4872-A8B7-ECD55539F4D0}" type="datetimeFigureOut">
               <a:rPr lang="en-US" smtClean="0"/>
-              <a:t>7/20/2014</a:t>
+              <a:t>7/21/2014</a:t>
             </a:fld>
             <a:endParaRPr lang="en-US"/>
           </a:p>
@@ -4637,7 +4382,7 @@
           <a:p>
             <a:fld id="{A79A3335-6331-4872-A8B7-ECD55539F4D0}" type="datetimeFigureOut">
               <a:rPr lang="en-US" smtClean="0"/>
-              <a:t>7/20/2014</a:t>
+              <a:t>7/21/2014</a:t>
             </a:fld>
             <a:endParaRPr lang="en-US"/>
           </a:p>
@@ -4928,7 +4673,7 @@
           <a:p>
             <a:fld id="{A79A3335-6331-4872-A8B7-ECD55539F4D0}" type="datetimeFigureOut">
               <a:rPr lang="en-US" smtClean="0"/>
-              <a:t>7/20/2014</a:t>
+              <a:t>7/21/2014</a:t>
             </a:fld>
             <a:endParaRPr lang="en-US"/>
           </a:p>
@@ -5292,7 +5037,7 @@
             <a:fld id="{A79A3335-6331-4872-A8B7-ECD55539F4D0}" type="datetimeFigureOut">
               <a:rPr lang="en-US" smtClean="0"/>
               <a:pPr/>
-              <a:t>7/20/2014</a:t>
+              <a:t>7/21/2014</a:t>
             </a:fld>
             <a:endParaRPr lang="en-US"/>
           </a:p>
@@ -5395,7 +5140,6 @@
     <p:sldLayoutId id="2147483661" r:id="rId11"/>
     <p:sldLayoutId id="2147483658" r:id="rId12"/>
     <p:sldLayoutId id="2147483659" r:id="rId13"/>
-    <p:sldLayoutId id="2147483662" r:id="rId14"/>
   </p:sldLayoutIdLst>
   <mc:AlternateContent xmlns:mc="http://schemas.openxmlformats.org/markup-compatibility/2006" xmlns:p14="http://schemas.microsoft.com/office/powerpoint/2010/main">
     <mc:Choice Requires="p14">
@@ -5901,16 +5645,57 @@
           <a:p>
             <a:r>
               <a:rPr lang="en-US" dirty="0" smtClean="0"/>
-              <a:t>Simple Background Worker</a:t>
+              <a:t>Scaling Out Background Worker</a:t>
             </a:r>
             <a:endParaRPr lang="en-US" dirty="0"/>
           </a:p>
         </p:txBody>
       </p:sp>
+      <p:pic>
+        <p:nvPicPr>
+          <p:cNvPr id="2050" name="Picture 2" descr="http://www.rabbitmq.com/img/tutorials/python-two.png"/>
+          <p:cNvPicPr>
+            <a:picLocks noChangeAspect="1" noChangeArrowheads="1"/>
+          </p:cNvPicPr>
+          <p:nvPr/>
+        </p:nvPicPr>
+        <p:blipFill>
+          <a:blip r:embed="rId2">
+            <a:extLst>
+              <a:ext uri="{28A0092B-C50C-407E-A947-70E740481C1C}">
+                <a14:useLocalDpi xmlns:a14="http://schemas.microsoft.com/office/drawing/2010/main" val="0"/>
+              </a:ext>
+            </a:extLst>
+          </a:blip>
+          <a:srcRect/>
+          <a:stretch>
+            <a:fillRect/>
+          </a:stretch>
+        </p:blipFill>
+        <p:spPr bwMode="auto">
+          <a:xfrm>
+            <a:off x="1900400" y="5189537"/>
+            <a:ext cx="3162300" cy="1057276"/>
+          </a:xfrm>
+          <a:prstGeom prst="rect">
+            <a:avLst/>
+          </a:prstGeom>
+          <a:noFill/>
+          <a:extLst>
+            <a:ext uri="{909E8E84-426E-40DD-AFC4-6F175D3DCCD1}">
+              <a14:hiddenFill xmlns:a14="http://schemas.microsoft.com/office/drawing/2010/main">
+                <a:solidFill>
+                  <a:srgbClr val="FFFFFF"/>
+                </a:solidFill>
+              </a14:hiddenFill>
+            </a:ext>
+          </a:extLst>
+        </p:spPr>
+      </p:pic>
     </p:spTree>
     <p:extLst>
       <p:ext uri="{BB962C8B-B14F-4D97-AF65-F5344CB8AC3E}">
-        <p14:creationId xmlns:p14="http://schemas.microsoft.com/office/powerpoint/2010/main" val="3758219476"/>
+        <p14:creationId xmlns:p14="http://schemas.microsoft.com/office/powerpoint/2010/main" val="4169221901"/>
       </p:ext>
     </p:extLst>
   </p:cSld>
@@ -5951,7 +5736,7 @@
       </p:grpSpPr>
       <p:sp>
         <p:nvSpPr>
-          <p:cNvPr id="4" name="Title 3"/>
+          <p:cNvPr id="2" name="Title 1"/>
           <p:cNvSpPr>
             <a:spLocks noGrp="1"/>
           </p:cNvSpPr>
@@ -5966,7 +5751,7 @@
           <a:p>
             <a:r>
               <a:rPr lang="en-US" dirty="0" smtClean="0"/>
-              <a:t>Demo</a:t>
+              <a:t>Pub/Sub</a:t>
             </a:r>
             <a:endParaRPr lang="en-US" dirty="0"/>
           </a:p>
@@ -5974,31 +5759,53 @@
       </p:sp>
       <p:sp>
         <p:nvSpPr>
-          <p:cNvPr id="5" name="Text Placeholder 4"/>
-          <p:cNvSpPr>
-            <a:spLocks noGrp="1"/>
-          </p:cNvSpPr>
-          <p:nvPr>
-            <p:ph type="body" idx="1"/>
+          <p:cNvPr id="3" name="Content Placeholder 2"/>
+          <p:cNvSpPr>
+            <a:spLocks noGrp="1"/>
+          </p:cNvSpPr>
+          <p:nvPr>
+            <p:ph idx="1"/>
           </p:nvPr>
         </p:nvSpPr>
         <p:spPr/>
         <p:txBody>
-          <a:bodyPr/>
-          <a:lstStyle/>
-          <a:p>
-            <a:r>
-              <a:rPr lang="en-US" dirty="0" smtClean="0"/>
-              <a:t>Scaling Out Background Worker</a:t>
-            </a:r>
-            <a:endParaRPr lang="en-US" dirty="0"/>
+          <a:bodyPr>
+            <a:normAutofit/>
+          </a:bodyPr>
+          <a:lstStyle/>
+          <a:p>
+            <a:r>
+              <a:rPr lang="en-US" sz="3600" dirty="0" smtClean="0"/>
+              <a:t>Publisher</a:t>
+            </a:r>
+          </a:p>
+          <a:p>
+            <a:pPr lvl="1"/>
+            <a:r>
+              <a:rPr lang="en-US" sz="3200" dirty="0" smtClean="0"/>
+              <a:t>Sends out messages about it’s activity (events)</a:t>
+            </a:r>
+          </a:p>
+          <a:p>
+            <a:r>
+              <a:rPr lang="en-US" sz="3600" dirty="0" smtClean="0"/>
+              <a:t>Subscriber(s)</a:t>
+            </a:r>
+          </a:p>
+          <a:p>
+            <a:pPr lvl="1"/>
+            <a:r>
+              <a:rPr lang="en-US" sz="3200" dirty="0" smtClean="0"/>
+              <a:t>Receive messages and do work</a:t>
+            </a:r>
+            <a:endParaRPr lang="en-US" sz="3200" dirty="0"/>
           </a:p>
         </p:txBody>
       </p:sp>
     </p:spTree>
     <p:extLst>
       <p:ext uri="{BB962C8B-B14F-4D97-AF65-F5344CB8AC3E}">
-        <p14:creationId xmlns:p14="http://schemas.microsoft.com/office/powerpoint/2010/main" val="4169221901"/>
+        <p14:creationId xmlns:p14="http://schemas.microsoft.com/office/powerpoint/2010/main" val="2742967825"/>
       </p:ext>
     </p:extLst>
   </p:cSld>
@@ -6054,7 +5861,7 @@
           <a:p>
             <a:r>
               <a:rPr lang="en-US" dirty="0" smtClean="0"/>
-              <a:t>Pub/Sub</a:t>
+              <a:t>Why Pub/Sub?</a:t>
             </a:r>
             <a:endParaRPr lang="en-US" dirty="0"/>
           </a:p>
@@ -6072,43 +5879,32 @@
         </p:nvSpPr>
         <p:spPr/>
         <p:txBody>
-          <a:bodyPr>
-            <a:normAutofit/>
-          </a:bodyPr>
-          <a:lstStyle/>
-          <a:p>
-            <a:r>
-              <a:rPr lang="en-US" sz="3600" dirty="0" smtClean="0"/>
-              <a:t>Publisher</a:t>
-            </a:r>
-          </a:p>
-          <a:p>
-            <a:pPr lvl="1"/>
-            <a:r>
-              <a:rPr lang="en-US" sz="3200" dirty="0" smtClean="0"/>
-              <a:t>Sends out messages about it’s activity (events)</a:t>
-            </a:r>
-          </a:p>
-          <a:p>
-            <a:r>
-              <a:rPr lang="en-US" sz="3600" dirty="0" smtClean="0"/>
-              <a:t>Subscriber(s)</a:t>
-            </a:r>
-          </a:p>
-          <a:p>
-            <a:pPr lvl="1"/>
-            <a:r>
-              <a:rPr lang="en-US" sz="3200" dirty="0" smtClean="0"/>
-              <a:t>Receive messages and do work</a:t>
-            </a:r>
-            <a:endParaRPr lang="en-US" sz="3200" dirty="0"/>
+          <a:bodyPr/>
+          <a:lstStyle/>
+          <a:p>
+            <a:r>
+              <a:rPr lang="en-US" dirty="0" smtClean="0"/>
+              <a:t>Different work that needs to be done when an event completes</a:t>
+            </a:r>
+          </a:p>
+          <a:p>
+            <a:r>
+              <a:rPr lang="en-US" dirty="0" smtClean="0"/>
+              <a:t>Decoupling to allow flexibility</a:t>
+            </a:r>
+          </a:p>
+          <a:p>
+            <a:r>
+              <a:rPr lang="en-US" dirty="0" smtClean="0"/>
+              <a:t>Refresh multiple clients</a:t>
+            </a:r>
           </a:p>
         </p:txBody>
       </p:sp>
     </p:spTree>
     <p:extLst>
       <p:ext uri="{BB962C8B-B14F-4D97-AF65-F5344CB8AC3E}">
-        <p14:creationId xmlns:p14="http://schemas.microsoft.com/office/powerpoint/2010/main" val="2742967825"/>
+        <p14:creationId xmlns:p14="http://schemas.microsoft.com/office/powerpoint/2010/main" val="306983652"/>
       </p:ext>
     </p:extLst>
   </p:cSld>
@@ -6149,105 +5945,6 @@
       </p:grpSpPr>
       <p:sp>
         <p:nvSpPr>
-          <p:cNvPr id="2" name="Title 1"/>
-          <p:cNvSpPr>
-            <a:spLocks noGrp="1"/>
-          </p:cNvSpPr>
-          <p:nvPr>
-            <p:ph type="title"/>
-          </p:nvPr>
-        </p:nvSpPr>
-        <p:spPr/>
-        <p:txBody>
-          <a:bodyPr/>
-          <a:lstStyle/>
-          <a:p>
-            <a:r>
-              <a:rPr lang="en-US" dirty="0" smtClean="0"/>
-              <a:t>Why Pub/Sub?</a:t>
-            </a:r>
-            <a:endParaRPr lang="en-US" dirty="0"/>
-          </a:p>
-        </p:txBody>
-      </p:sp>
-      <p:sp>
-        <p:nvSpPr>
-          <p:cNvPr id="3" name="Content Placeholder 2"/>
-          <p:cNvSpPr>
-            <a:spLocks noGrp="1"/>
-          </p:cNvSpPr>
-          <p:nvPr>
-            <p:ph idx="1"/>
-          </p:nvPr>
-        </p:nvSpPr>
-        <p:spPr/>
-        <p:txBody>
-          <a:bodyPr/>
-          <a:lstStyle/>
-          <a:p>
-            <a:r>
-              <a:rPr lang="en-US" dirty="0" smtClean="0"/>
-              <a:t>Different work that needs to be done when an event completes</a:t>
-            </a:r>
-          </a:p>
-          <a:p>
-            <a:r>
-              <a:rPr lang="en-US" dirty="0" smtClean="0"/>
-              <a:t>Decoupling to allow flexibility</a:t>
-            </a:r>
-          </a:p>
-          <a:p>
-            <a:r>
-              <a:rPr lang="en-US" dirty="0" smtClean="0"/>
-              <a:t>Refresh multiple clients</a:t>
-            </a:r>
-          </a:p>
-        </p:txBody>
-      </p:sp>
-    </p:spTree>
-    <p:extLst>
-      <p:ext uri="{BB962C8B-B14F-4D97-AF65-F5344CB8AC3E}">
-        <p14:creationId xmlns:p14="http://schemas.microsoft.com/office/powerpoint/2010/main" val="306983652"/>
-      </p:ext>
-    </p:extLst>
-  </p:cSld>
-  <p:clrMapOvr>
-    <a:masterClrMapping/>
-  </p:clrMapOvr>
-  <mc:AlternateContent xmlns:mc="http://schemas.openxmlformats.org/markup-compatibility/2006" xmlns:p14="http://schemas.microsoft.com/office/powerpoint/2010/main">
-    <mc:Choice Requires="p14">
-      <p:transition spd="med" p14:dur="700">
-        <p:fade/>
-      </p:transition>
-    </mc:Choice>
-    <mc:Fallback xmlns="">
-      <p:transition spd="med">
-        <p:fade/>
-      </p:transition>
-    </mc:Fallback>
-  </mc:AlternateContent>
-</p:sld>
-</file>
-
-<file path=ppt/slides/slide14.xml><?xml version="1.0" encoding="utf-8"?>
-<p:sld xmlns:a="http://schemas.openxmlformats.org/drawingml/2006/main" xmlns:r="http://schemas.openxmlformats.org/officeDocument/2006/relationships" xmlns:p="http://schemas.openxmlformats.org/presentationml/2006/main">
-  <p:cSld>
-    <p:spTree>
-      <p:nvGrpSpPr>
-        <p:cNvPr id="1" name=""/>
-        <p:cNvGrpSpPr/>
-        <p:nvPr/>
-      </p:nvGrpSpPr>
-      <p:grpSpPr>
-        <a:xfrm>
-          <a:off x="0" y="0"/>
-          <a:ext cx="0" cy="0"/>
-          <a:chOff x="0" y="0"/>
-          <a:chExt cx="0" cy="0"/>
-        </a:xfrm>
-      </p:grpSpPr>
-      <p:sp>
-        <p:nvSpPr>
           <p:cNvPr id="4" name="Title 3"/>
           <p:cNvSpPr>
             <a:spLocks noGrp="1"/>
@@ -6300,6 +5997,47 @@
           </a:p>
         </p:txBody>
       </p:sp>
+      <p:pic>
+        <p:nvPicPr>
+          <p:cNvPr id="3074" name="Picture 2" descr="http://www.rabbitmq.com/img/tutorials/exchanges.png"/>
+          <p:cNvPicPr>
+            <a:picLocks noChangeAspect="1" noChangeArrowheads="1"/>
+          </p:cNvPicPr>
+          <p:nvPr/>
+        </p:nvPicPr>
+        <p:blipFill>
+          <a:blip r:embed="rId2">
+            <a:extLst>
+              <a:ext uri="{28A0092B-C50C-407E-A947-70E740481C1C}">
+                <a14:useLocalDpi xmlns:a14="http://schemas.microsoft.com/office/drawing/2010/main" val="0"/>
+              </a:ext>
+            </a:extLst>
+          </a:blip>
+          <a:srcRect/>
+          <a:stretch>
+            <a:fillRect/>
+          </a:stretch>
+        </p:blipFill>
+        <p:spPr bwMode="auto">
+          <a:xfrm>
+            <a:off x="1713788" y="5095081"/>
+            <a:ext cx="3162300" cy="1057276"/>
+          </a:xfrm>
+          <a:prstGeom prst="rect">
+            <a:avLst/>
+          </a:prstGeom>
+          <a:noFill/>
+          <a:extLst>
+            <a:ext uri="{909E8E84-426E-40DD-AFC4-6F175D3DCCD1}">
+              <a14:hiddenFill xmlns:a14="http://schemas.microsoft.com/office/drawing/2010/main">
+                <a:solidFill>
+                  <a:srgbClr val="FFFFFF"/>
+                </a:solidFill>
+              </a14:hiddenFill>
+            </a:ext>
+          </a:extLst>
+        </p:spPr>
+      </p:pic>
     </p:spTree>
     <p:extLst>
       <p:ext uri="{BB962C8B-B14F-4D97-AF65-F5344CB8AC3E}">
@@ -6322,10 +6060,17 @@
       </p:transition>
     </mc:Fallback>
   </mc:AlternateContent>
+  <p:timing>
+    <p:tnLst>
+      <p:par>
+        <p:cTn id="1" dur="indefinite" restart="never" nodeType="tmRoot"/>
+      </p:par>
+    </p:tnLst>
+  </p:timing>
 </p:sld>
 </file>
 
-<file path=ppt/slides/slide15.xml><?xml version="1.0" encoding="utf-8"?>
+<file path=ppt/slides/slide14.xml><?xml version="1.0" encoding="utf-8"?>
 <p:sld xmlns:a="http://schemas.openxmlformats.org/drawingml/2006/main" xmlns:r="http://schemas.openxmlformats.org/officeDocument/2006/relationships" xmlns:p="http://schemas.openxmlformats.org/presentationml/2006/main">
   <p:cSld>
     <p:spTree>
@@ -6388,6 +6133,47 @@
           </a:p>
         </p:txBody>
       </p:sp>
+      <p:pic>
+        <p:nvPicPr>
+          <p:cNvPr id="4098" name="Picture 2" descr="http://www.rabbitmq.com/img/tutorials/python-five.png"/>
+          <p:cNvPicPr>
+            <a:picLocks noChangeAspect="1" noChangeArrowheads="1"/>
+          </p:cNvPicPr>
+          <p:nvPr/>
+        </p:nvPicPr>
+        <p:blipFill>
+          <a:blip r:embed="rId2">
+            <a:extLst>
+              <a:ext uri="{28A0092B-C50C-407E-A947-70E740481C1C}">
+                <a14:useLocalDpi xmlns:a14="http://schemas.microsoft.com/office/drawing/2010/main" val="0"/>
+              </a:ext>
+            </a:extLst>
+          </a:blip>
+          <a:srcRect/>
+          <a:stretch>
+            <a:fillRect/>
+          </a:stretch>
+        </p:blipFill>
+        <p:spPr bwMode="auto">
+          <a:xfrm>
+            <a:off x="1135289" y="4903787"/>
+            <a:ext cx="4038600" cy="1628776"/>
+          </a:xfrm>
+          <a:prstGeom prst="rect">
+            <a:avLst/>
+          </a:prstGeom>
+          <a:noFill/>
+          <a:extLst>
+            <a:ext uri="{909E8E84-426E-40DD-AFC4-6F175D3DCCD1}">
+              <a14:hiddenFill xmlns:a14="http://schemas.microsoft.com/office/drawing/2010/main">
+                <a:solidFill>
+                  <a:srgbClr val="FFFFFF"/>
+                </a:solidFill>
+              </a14:hiddenFill>
+            </a:ext>
+          </a:extLst>
+        </p:spPr>
+      </p:pic>
     </p:spTree>
     <p:extLst>
       <p:ext uri="{BB962C8B-B14F-4D97-AF65-F5344CB8AC3E}">
@@ -6410,94 +6196,17 @@
       </p:transition>
     </mc:Fallback>
   </mc:AlternateContent>
+  <p:timing>
+    <p:tnLst>
+      <p:par>
+        <p:cTn id="1" dur="indefinite" restart="never" nodeType="tmRoot"/>
+      </p:par>
+    </p:tnLst>
+  </p:timing>
 </p:sld>
 </file>
 
-<file path=ppt/slides/slide16.xml><?xml version="1.0" encoding="utf-8"?>
-<p:sld xmlns:a="http://schemas.openxmlformats.org/drawingml/2006/main" xmlns:r="http://schemas.openxmlformats.org/officeDocument/2006/relationships" xmlns:p="http://schemas.openxmlformats.org/presentationml/2006/main">
-  <p:cSld>
-    <p:spTree>
-      <p:nvGrpSpPr>
-        <p:cNvPr id="1" name=""/>
-        <p:cNvGrpSpPr/>
-        <p:nvPr/>
-      </p:nvGrpSpPr>
-      <p:grpSpPr>
-        <a:xfrm>
-          <a:off x="0" y="0"/>
-          <a:ext cx="0" cy="0"/>
-          <a:chOff x="0" y="0"/>
-          <a:chExt cx="0" cy="0"/>
-        </a:xfrm>
-      </p:grpSpPr>
-      <p:sp>
-        <p:nvSpPr>
-          <p:cNvPr id="4" name="Title 3"/>
-          <p:cNvSpPr>
-            <a:spLocks noGrp="1"/>
-          </p:cNvSpPr>
-          <p:nvPr>
-            <p:ph type="title"/>
-          </p:nvPr>
-        </p:nvSpPr>
-        <p:spPr/>
-        <p:txBody>
-          <a:bodyPr/>
-          <a:lstStyle/>
-          <a:p>
-            <a:r>
-              <a:rPr lang="en-US" dirty="0" smtClean="0"/>
-              <a:t>Other Considerations</a:t>
-            </a:r>
-            <a:endParaRPr lang="en-US" dirty="0"/>
-          </a:p>
-        </p:txBody>
-      </p:sp>
-      <p:sp>
-        <p:nvSpPr>
-          <p:cNvPr id="5" name="Text Placeholder 4"/>
-          <p:cNvSpPr>
-            <a:spLocks noGrp="1"/>
-          </p:cNvSpPr>
-          <p:nvPr>
-            <p:ph type="body" idx="1"/>
-          </p:nvPr>
-        </p:nvSpPr>
-        <p:spPr/>
-        <p:txBody>
-          <a:bodyPr/>
-          <a:lstStyle/>
-          <a:p>
-            <a:endParaRPr lang="en-US"/>
-          </a:p>
-        </p:txBody>
-      </p:sp>
-    </p:spTree>
-    <p:extLst>
-      <p:ext uri="{BB962C8B-B14F-4D97-AF65-F5344CB8AC3E}">
-        <p14:creationId xmlns:p14="http://schemas.microsoft.com/office/powerpoint/2010/main" val="43101360"/>
-      </p:ext>
-    </p:extLst>
-  </p:cSld>
-  <p:clrMapOvr>
-    <a:masterClrMapping/>
-  </p:clrMapOvr>
-  <mc:AlternateContent xmlns:mc="http://schemas.openxmlformats.org/markup-compatibility/2006" xmlns:p14="http://schemas.microsoft.com/office/powerpoint/2010/main">
-    <mc:Choice Requires="p14">
-      <p:transition spd="med" p14:dur="700">
-        <p:fade/>
-      </p:transition>
-    </mc:Choice>
-    <mc:Fallback xmlns="">
-      <p:transition spd="med">
-        <p:fade/>
-      </p:transition>
-    </mc:Fallback>
-  </mc:AlternateContent>
-</p:sld>
-</file>
-
-<file path=ppt/slides/slide17.xml><?xml version="1.0" encoding="utf-8"?>
+<file path=ppt/slides/slide15.xml><?xml version="1.0" encoding="utf-8"?>
 <p:sld xmlns:a="http://schemas.openxmlformats.org/drawingml/2006/main" xmlns:r="http://schemas.openxmlformats.org/officeDocument/2006/relationships" xmlns:p="http://schemas.openxmlformats.org/presentationml/2006/main">
   <p:cSld>
     <p:spTree>
@@ -6601,6 +6310,285 @@
       </p:transition>
     </mc:Fallback>
   </mc:AlternateContent>
+  <p:timing>
+    <p:tnLst>
+      <p:par>
+        <p:cTn id="1" dur="indefinite" restart="never" nodeType="tmRoot"/>
+      </p:par>
+    </p:tnLst>
+  </p:timing>
+</p:sld>
+</file>
+
+<file path=ppt/slides/slide16.xml><?xml version="1.0" encoding="utf-8"?>
+<p:sld xmlns:a="http://schemas.openxmlformats.org/drawingml/2006/main" xmlns:r="http://schemas.openxmlformats.org/officeDocument/2006/relationships" xmlns:p="http://schemas.openxmlformats.org/presentationml/2006/main">
+  <p:cSld>
+    <p:spTree>
+      <p:nvGrpSpPr>
+        <p:cNvPr id="1" name=""/>
+        <p:cNvGrpSpPr/>
+        <p:nvPr/>
+      </p:nvGrpSpPr>
+      <p:grpSpPr>
+        <a:xfrm>
+          <a:off x="0" y="0"/>
+          <a:ext cx="0" cy="0"/>
+          <a:chOff x="0" y="0"/>
+          <a:chExt cx="0" cy="0"/>
+        </a:xfrm>
+      </p:grpSpPr>
+      <p:sp>
+        <p:nvSpPr>
+          <p:cNvPr id="2" name="Title 1"/>
+          <p:cNvSpPr>
+            <a:spLocks noGrp="1"/>
+          </p:cNvSpPr>
+          <p:nvPr>
+            <p:ph type="title"/>
+          </p:nvPr>
+        </p:nvSpPr>
+        <p:spPr/>
+        <p:txBody>
+          <a:bodyPr/>
+          <a:lstStyle/>
+          <a:p>
+            <a:r>
+              <a:rPr lang="en-US" dirty="0" smtClean="0"/>
+              <a:t>Recovery and Scaling</a:t>
+            </a:r>
+            <a:endParaRPr lang="en-US" dirty="0"/>
+          </a:p>
+        </p:txBody>
+      </p:sp>
+      <p:sp>
+        <p:nvSpPr>
+          <p:cNvPr id="3" name="Content Placeholder 2"/>
+          <p:cNvSpPr>
+            <a:spLocks noGrp="1"/>
+          </p:cNvSpPr>
+          <p:nvPr>
+            <p:ph idx="1"/>
+          </p:nvPr>
+        </p:nvSpPr>
+        <p:spPr/>
+        <p:txBody>
+          <a:bodyPr/>
+          <a:lstStyle/>
+          <a:p>
+            <a:r>
+              <a:rPr lang="en-US" dirty="0" smtClean="0"/>
+              <a:t>Basic – Use Message Acknowledgements</a:t>
+            </a:r>
+          </a:p>
+          <a:p>
+            <a:r>
+              <a:rPr lang="en-US" dirty="0" smtClean="0"/>
+              <a:t>Clustering</a:t>
+            </a:r>
+          </a:p>
+          <a:p>
+            <a:pPr lvl="1"/>
+            <a:r>
+              <a:rPr lang="en-US" dirty="0" smtClean="0"/>
+              <a:t>Exchanges, Routes, and Users replicate</a:t>
+            </a:r>
+          </a:p>
+          <a:p>
+            <a:pPr lvl="1"/>
+            <a:r>
+              <a:rPr lang="en-US" dirty="0" smtClean="0"/>
+              <a:t>Queues require more work</a:t>
+            </a:r>
+          </a:p>
+          <a:p>
+            <a:r>
+              <a:rPr lang="en-US" dirty="0" smtClean="0"/>
+              <a:t>More Scaling</a:t>
+            </a:r>
+          </a:p>
+          <a:p>
+            <a:pPr lvl="1"/>
+            <a:r>
+              <a:rPr lang="en-US" dirty="0"/>
+              <a:t>Shovel: </a:t>
+            </a:r>
+            <a:r>
+              <a:rPr lang="en-US" dirty="0">
+                <a:hlinkClick r:id="rId2"/>
+              </a:rPr>
+              <a:t>http://www.rabbitmq.com/shovel.html</a:t>
+            </a:r>
+            <a:endParaRPr lang="en-US" dirty="0" smtClean="0"/>
+          </a:p>
+          <a:p>
+            <a:pPr lvl="1"/>
+            <a:r>
+              <a:rPr lang="en-US" dirty="0"/>
+              <a:t>Federation: </a:t>
+            </a:r>
+            <a:r>
+              <a:rPr lang="en-US" dirty="0">
+                <a:hlinkClick r:id="rId3"/>
+              </a:rPr>
+              <a:t>http://www.rabbitmq.com/federation.html</a:t>
+            </a:r>
+            <a:endParaRPr lang="en-US" dirty="0"/>
+          </a:p>
+        </p:txBody>
+      </p:sp>
+    </p:spTree>
+    <p:extLst>
+      <p:ext uri="{BB962C8B-B14F-4D97-AF65-F5344CB8AC3E}">
+        <p14:creationId xmlns:p14="http://schemas.microsoft.com/office/powerpoint/2010/main" val="3782935011"/>
+      </p:ext>
+    </p:extLst>
+  </p:cSld>
+  <p:clrMapOvr>
+    <a:masterClrMapping/>
+  </p:clrMapOvr>
+  <mc:AlternateContent xmlns:mc="http://schemas.openxmlformats.org/markup-compatibility/2006">
+    <mc:Choice xmlns:p14="http://schemas.microsoft.com/office/powerpoint/2010/main" Requires="p14">
+      <p:transition spd="med" p14:dur="700">
+        <p:fade/>
+      </p:transition>
+    </mc:Choice>
+    <mc:Fallback>
+      <p:transition spd="med">
+        <p:fade/>
+      </p:transition>
+    </mc:Fallback>
+  </mc:AlternateContent>
+  <p:timing>
+    <p:tnLst>
+      <p:par>
+        <p:cTn id="1" dur="indefinite" restart="never" nodeType="tmRoot"/>
+      </p:par>
+    </p:tnLst>
+  </p:timing>
+</p:sld>
+</file>
+
+<file path=ppt/slides/slide17.xml><?xml version="1.0" encoding="utf-8"?>
+<p:sld xmlns:a="http://schemas.openxmlformats.org/drawingml/2006/main" xmlns:r="http://schemas.openxmlformats.org/officeDocument/2006/relationships" xmlns:p="http://schemas.openxmlformats.org/presentationml/2006/main">
+  <p:cSld>
+    <p:spTree>
+      <p:nvGrpSpPr>
+        <p:cNvPr id="1" name=""/>
+        <p:cNvGrpSpPr/>
+        <p:nvPr/>
+      </p:nvGrpSpPr>
+      <p:grpSpPr>
+        <a:xfrm>
+          <a:off x="0" y="0"/>
+          <a:ext cx="0" cy="0"/>
+          <a:chOff x="0" y="0"/>
+          <a:chExt cx="0" cy="0"/>
+        </a:xfrm>
+      </p:grpSpPr>
+      <p:sp>
+        <p:nvSpPr>
+          <p:cNvPr id="2" name="Title 1"/>
+          <p:cNvSpPr>
+            <a:spLocks noGrp="1"/>
+          </p:cNvSpPr>
+          <p:nvPr>
+            <p:ph type="title"/>
+          </p:nvPr>
+        </p:nvSpPr>
+        <p:spPr/>
+        <p:txBody>
+          <a:bodyPr/>
+          <a:lstStyle/>
+          <a:p>
+            <a:r>
+              <a:rPr lang="en-US" dirty="0" smtClean="0"/>
+              <a:t>Domain Driven Design</a:t>
+            </a:r>
+            <a:endParaRPr lang="en-US" dirty="0"/>
+          </a:p>
+        </p:txBody>
+      </p:sp>
+      <p:sp>
+        <p:nvSpPr>
+          <p:cNvPr id="3" name="Content Placeholder 2"/>
+          <p:cNvSpPr>
+            <a:spLocks noGrp="1"/>
+          </p:cNvSpPr>
+          <p:nvPr>
+            <p:ph idx="1"/>
+          </p:nvPr>
+        </p:nvSpPr>
+        <p:spPr/>
+        <p:txBody>
+          <a:bodyPr/>
+          <a:lstStyle/>
+          <a:p>
+            <a:pPr marL="457200" indent="-457200">
+              <a:buFont typeface="Arial" charset="0"/>
+              <a:buChar char="•"/>
+            </a:pPr>
+            <a:r>
+              <a:rPr lang="en-US" sz="3200" dirty="0"/>
+              <a:t>Domain Driven Design – Eric Evans</a:t>
+            </a:r>
+          </a:p>
+          <a:p>
+            <a:pPr marL="457200" indent="-457200">
+              <a:buFont typeface="Arial" charset="0"/>
+              <a:buChar char="•"/>
+            </a:pPr>
+            <a:r>
+              <a:rPr lang="en-US" sz="3200" dirty="0"/>
+              <a:t>DDD Quickly (the Cliff Notes)</a:t>
+            </a:r>
+          </a:p>
+          <a:p>
+            <a:pPr marL="731520" lvl="1" indent="-457200">
+              <a:buFont typeface="Arial" charset="0"/>
+              <a:buChar char="•"/>
+            </a:pPr>
+            <a:r>
+              <a:rPr lang="en-US" sz="1600" dirty="0">
+                <a:hlinkClick r:id="rId2"/>
+              </a:rPr>
+              <a:t>http://www.infoq.com/minibooks/domain-driven-design-quickly</a:t>
+            </a:r>
+            <a:endParaRPr lang="en-US" sz="1600" dirty="0"/>
+          </a:p>
+          <a:p>
+            <a:endParaRPr lang="en-US" dirty="0"/>
+          </a:p>
+        </p:txBody>
+      </p:sp>
+    </p:spTree>
+    <p:extLst>
+      <p:ext uri="{BB962C8B-B14F-4D97-AF65-F5344CB8AC3E}">
+        <p14:creationId xmlns:p14="http://schemas.microsoft.com/office/powerpoint/2010/main" val="1451244177"/>
+      </p:ext>
+    </p:extLst>
+  </p:cSld>
+  <p:clrMapOvr>
+    <a:masterClrMapping/>
+  </p:clrMapOvr>
+  <mc:AlternateContent xmlns:mc="http://schemas.openxmlformats.org/markup-compatibility/2006" xmlns:p14="http://schemas.microsoft.com/office/powerpoint/2010/main">
+    <mc:Choice Requires="p14">
+      <p:transition spd="med" p14:dur="700">
+        <p:fade/>
+      </p:transition>
+    </mc:Choice>
+    <mc:Fallback xmlns="">
+      <p:transition spd="med">
+        <p:fade/>
+      </p:transition>
+    </mc:Fallback>
+  </mc:AlternateContent>
+  <p:timing>
+    <p:tnLst>
+      <p:par>
+        <p:cTn id="1" dur="indefinite" restart="never" nodeType="tmRoot"/>
+      </p:par>
+    </p:tnLst>
+  </p:timing>
 </p:sld>
 </file>
 
@@ -6659,7 +6647,54 @@
           <a:bodyPr/>
           <a:lstStyle/>
           <a:p>
-            <a:endParaRPr lang="en-US"/>
+            <a:r>
+              <a:rPr lang="en-US" dirty="0" smtClean="0"/>
+              <a:t>Documentation</a:t>
+            </a:r>
+          </a:p>
+          <a:p>
+            <a:pPr lvl="1"/>
+            <a:r>
+              <a:rPr lang="en-US" dirty="0" smtClean="0">
+                <a:hlinkClick r:id="rId2"/>
+              </a:rPr>
+              <a:t>http</a:t>
+            </a:r>
+            <a:r>
+              <a:rPr lang="en-US" dirty="0">
+                <a:hlinkClick r:id="rId2"/>
+              </a:rPr>
+              <a:t>://</a:t>
+            </a:r>
+            <a:r>
+              <a:rPr lang="en-US" dirty="0" smtClean="0">
+                <a:hlinkClick r:id="rId2"/>
+              </a:rPr>
+              <a:t>docs.masstransit-project.com</a:t>
+            </a:r>
+            <a:endParaRPr lang="en-US" dirty="0" smtClean="0"/>
+          </a:p>
+          <a:p>
+            <a:r>
+              <a:rPr lang="en-US" dirty="0" smtClean="0"/>
+              <a:t>Google Groups</a:t>
+            </a:r>
+          </a:p>
+          <a:p>
+            <a:pPr lvl="1"/>
+            <a:r>
+              <a:rPr lang="en-US" dirty="0" smtClean="0">
+                <a:hlinkClick r:id="rId3"/>
+              </a:rPr>
+              <a:t>http</a:t>
+            </a:r>
+            <a:r>
+              <a:rPr lang="en-US" dirty="0">
+                <a:hlinkClick r:id="rId3"/>
+              </a:rPr>
+              <a:t>://groups.google.com/group/masstransit-discuss</a:t>
+            </a:r>
+            <a:endParaRPr lang="en-US" dirty="0"/>
           </a:p>
         </p:txBody>
       </p:sp>
@@ -6685,6 +6720,13 @@
       </p:transition>
     </mc:Fallback>
   </mc:AlternateContent>
+  <p:timing>
+    <p:tnLst>
+      <p:par>
+        <p:cTn id="1" dur="indefinite" restart="never" nodeType="tmRoot"/>
+      </p:par>
+    </p:tnLst>
+  </p:timing>
 </p:sld>
 </file>
 
@@ -6707,182 +6749,6 @@
       </p:grpSpPr>
       <p:sp>
         <p:nvSpPr>
-          <p:cNvPr id="2" name="Title 1"/>
-          <p:cNvSpPr>
-            <a:spLocks noGrp="1"/>
-          </p:cNvSpPr>
-          <p:nvPr>
-            <p:ph type="title"/>
-          </p:nvPr>
-        </p:nvSpPr>
-        <p:spPr/>
-        <p:txBody>
-          <a:bodyPr/>
-          <a:lstStyle/>
-          <a:p>
-            <a:r>
-              <a:rPr lang="en-US" dirty="0" smtClean="0"/>
-              <a:t>Domain Driven Design</a:t>
-            </a:r>
-            <a:endParaRPr lang="en-US" dirty="0"/>
-          </a:p>
-        </p:txBody>
-      </p:sp>
-      <p:sp>
-        <p:nvSpPr>
-          <p:cNvPr id="3" name="Content Placeholder 2"/>
-          <p:cNvSpPr>
-            <a:spLocks noGrp="1"/>
-          </p:cNvSpPr>
-          <p:nvPr>
-            <p:ph idx="1"/>
-          </p:nvPr>
-        </p:nvSpPr>
-        <p:spPr/>
-        <p:txBody>
-          <a:bodyPr/>
-          <a:lstStyle/>
-          <a:p>
-            <a:endParaRPr lang="en-US"/>
-          </a:p>
-        </p:txBody>
-      </p:sp>
-    </p:spTree>
-    <p:extLst>
-      <p:ext uri="{BB962C8B-B14F-4D97-AF65-F5344CB8AC3E}">
-        <p14:creationId xmlns:p14="http://schemas.microsoft.com/office/powerpoint/2010/main" val="1451244177"/>
-      </p:ext>
-    </p:extLst>
-  </p:cSld>
-  <p:clrMapOvr>
-    <a:masterClrMapping/>
-  </p:clrMapOvr>
-  <mc:AlternateContent xmlns:mc="http://schemas.openxmlformats.org/markup-compatibility/2006" xmlns:p14="http://schemas.microsoft.com/office/powerpoint/2010/main">
-    <mc:Choice Requires="p14">
-      <p:transition spd="med" p14:dur="700">
-        <p:fade/>
-      </p:transition>
-    </mc:Choice>
-    <mc:Fallback xmlns="">
-      <p:transition spd="med">
-        <p:fade/>
-      </p:transition>
-    </mc:Fallback>
-  </mc:AlternateContent>
-</p:sld>
-</file>
-
-<file path=ppt/slides/slide2.xml><?xml version="1.0" encoding="utf-8"?>
-<p:sld xmlns:a="http://schemas.openxmlformats.org/drawingml/2006/main" xmlns:r="http://schemas.openxmlformats.org/officeDocument/2006/relationships" xmlns:p="http://schemas.openxmlformats.org/presentationml/2006/main">
-  <p:cSld>
-    <p:spTree>
-      <p:nvGrpSpPr>
-        <p:cNvPr id="1" name=""/>
-        <p:cNvGrpSpPr/>
-        <p:nvPr/>
-      </p:nvGrpSpPr>
-      <p:grpSpPr>
-        <a:xfrm>
-          <a:off x="0" y="0"/>
-          <a:ext cx="0" cy="0"/>
-          <a:chOff x="0" y="0"/>
-          <a:chExt cx="0" cy="0"/>
-        </a:xfrm>
-      </p:grpSpPr>
-      <p:sp>
-        <p:nvSpPr>
-          <p:cNvPr id="5" name="Title 4"/>
-          <p:cNvSpPr>
-            <a:spLocks noGrp="1"/>
-          </p:cNvSpPr>
-          <p:nvPr>
-            <p:ph type="title"/>
-          </p:nvPr>
-        </p:nvSpPr>
-        <p:spPr/>
-        <p:txBody>
-          <a:bodyPr/>
-          <a:lstStyle/>
-          <a:p>
-            <a:r>
-              <a:rPr lang="en-US" dirty="0"/>
-              <a:t>Breaking Down Complex Systems with </a:t>
-            </a:r>
-            <a:r>
-              <a:rPr lang="en-US" dirty="0" err="1"/>
-              <a:t>RabbitMQ</a:t>
-            </a:r>
-            <a:endParaRPr lang="en-US" dirty="0"/>
-          </a:p>
-        </p:txBody>
-      </p:sp>
-      <p:sp>
-        <p:nvSpPr>
-          <p:cNvPr id="6" name="Content Placeholder 5"/>
-          <p:cNvSpPr>
-            <a:spLocks noGrp="1"/>
-          </p:cNvSpPr>
-          <p:nvPr>
-            <p:ph idx="1"/>
-          </p:nvPr>
-        </p:nvSpPr>
-        <p:spPr/>
-        <p:txBody>
-          <a:bodyPr/>
-          <a:lstStyle/>
-          <a:p>
-            <a:r>
-              <a:rPr lang="en-US" dirty="0" smtClean="0"/>
-              <a:t>TBD</a:t>
-            </a:r>
-            <a:endParaRPr lang="en-US" dirty="0"/>
-          </a:p>
-        </p:txBody>
-      </p:sp>
-    </p:spTree>
-    <p:extLst>
-      <p:ext uri="{BB962C8B-B14F-4D97-AF65-F5344CB8AC3E}">
-        <p14:creationId xmlns:p14="http://schemas.microsoft.com/office/powerpoint/2010/main" val="2518175153"/>
-      </p:ext>
-    </p:extLst>
-  </p:cSld>
-  <p:clrMapOvr>
-    <a:masterClrMapping/>
-  </p:clrMapOvr>
-  <mc:AlternateContent xmlns:mc="http://schemas.openxmlformats.org/markup-compatibility/2006" xmlns:p14="http://schemas.microsoft.com/office/powerpoint/2010/main">
-    <mc:Choice Requires="p14">
-      <p:transition spd="med" p14:dur="700">
-        <p:fade/>
-      </p:transition>
-    </mc:Choice>
-    <mc:Fallback xmlns="">
-      <p:transition spd="med">
-        <p:fade/>
-      </p:transition>
-    </mc:Fallback>
-  </mc:AlternateContent>
-</p:sld>
-</file>
-
-<file path=ppt/slides/slide20.xml><?xml version="1.0" encoding="utf-8"?>
-<p:sld xmlns:a="http://schemas.openxmlformats.org/drawingml/2006/main" xmlns:r="http://schemas.openxmlformats.org/officeDocument/2006/relationships" xmlns:p="http://schemas.openxmlformats.org/presentationml/2006/main">
-  <p:cSld>
-    <p:spTree>
-      <p:nvGrpSpPr>
-        <p:cNvPr id="1" name=""/>
-        <p:cNvGrpSpPr/>
-        <p:nvPr/>
-      </p:nvGrpSpPr>
-      <p:grpSpPr>
-        <a:xfrm>
-          <a:off x="0" y="0"/>
-          <a:ext cx="0" cy="0"/>
-          <a:chOff x="0" y="0"/>
-          <a:chExt cx="0" cy="0"/>
-        </a:xfrm>
-      </p:grpSpPr>
-      <p:sp>
-        <p:nvSpPr>
           <p:cNvPr id="7" name="Title 6"/>
           <p:cNvSpPr>
             <a:spLocks noGrp="1"/>
@@ -6919,10 +6785,61 @@
           <a:bodyPr/>
           <a:lstStyle/>
           <a:p>
-            <a:endParaRPr lang="en-US"/>
-          </a:p>
-        </p:txBody>
-      </p:sp>
+            <a:endParaRPr lang="en-US" dirty="0"/>
+          </a:p>
+        </p:txBody>
+      </p:sp>
+      <p:pic>
+        <p:nvPicPr>
+          <p:cNvPr id="4" name="Content Placeholder 2"/>
+          <p:cNvPicPr>
+            <a:picLocks noChangeAspect="1"/>
+          </p:cNvPicPr>
+          <p:nvPr/>
+        </p:nvPicPr>
+        <p:blipFill>
+          <a:blip r:embed="rId2">
+            <a:extLst>
+              <a:ext uri="{28A0092B-C50C-407E-A947-70E740481C1C}">
+                <a14:useLocalDpi xmlns:a14="http://schemas.microsoft.com/office/drawing/2010/main" val="0"/>
+              </a:ext>
+            </a:extLst>
+          </a:blip>
+          <a:srcRect/>
+          <a:stretch>
+            <a:fillRect/>
+          </a:stretch>
+        </p:blipFill>
+        <p:spPr bwMode="auto">
+          <a:xfrm>
+            <a:off x="3404620" y="1828800"/>
+            <a:ext cx="5382759" cy="4072151"/>
+          </a:xfrm>
+          <a:prstGeom prst="rect">
+            <a:avLst/>
+          </a:prstGeom>
+          <a:noFill/>
+          <a:extLst>
+            <a:ext uri="{909E8E84-426E-40DD-AFC4-6F175D3DCCD1}">
+              <a14:hiddenFill xmlns:a14="http://schemas.microsoft.com/office/drawing/2010/main">
+                <a:solidFill>
+                  <a:srgbClr val="FFFFFF"/>
+                </a:solidFill>
+              </a14:hiddenFill>
+            </a:ext>
+            <a:ext uri="{91240B29-F687-4F45-9708-019B960494DF}">
+              <a14:hiddenLine xmlns:a14="http://schemas.microsoft.com/office/drawing/2010/main" w="9525">
+                <a:solidFill>
+                  <a:srgbClr val="000000"/>
+                </a:solidFill>
+                <a:miter lim="800000"/>
+                <a:headEnd/>
+                <a:tailEnd/>
+              </a14:hiddenLine>
+            </a:ext>
+          </a:extLst>
+        </p:spPr>
+      </p:pic>
     </p:spTree>
     <p:extLst>
       <p:ext uri="{BB962C8B-B14F-4D97-AF65-F5344CB8AC3E}">
@@ -6945,10 +6862,161 @@
       </p:transition>
     </mc:Fallback>
   </mc:AlternateContent>
+  <p:timing>
+    <p:tnLst>
+      <p:par>
+        <p:cTn id="1" dur="indefinite" restart="never" nodeType="tmRoot"/>
+      </p:par>
+    </p:tnLst>
+  </p:timing>
 </p:sld>
 </file>
 
-<file path=ppt/slides/slide21.xml><?xml version="1.0" encoding="utf-8"?>
+<file path=ppt/slides/slide2.xml><?xml version="1.0" encoding="utf-8"?>
+<p:sld xmlns:a="http://schemas.openxmlformats.org/drawingml/2006/main" xmlns:r="http://schemas.openxmlformats.org/officeDocument/2006/relationships" xmlns:p="http://schemas.openxmlformats.org/presentationml/2006/main">
+  <p:cSld>
+    <p:spTree>
+      <p:nvGrpSpPr>
+        <p:cNvPr id="1" name=""/>
+        <p:cNvGrpSpPr/>
+        <p:nvPr/>
+      </p:nvGrpSpPr>
+      <p:grpSpPr>
+        <a:xfrm>
+          <a:off x="0" y="0"/>
+          <a:ext cx="0" cy="0"/>
+          <a:chOff x="0" y="0"/>
+          <a:chExt cx="0" cy="0"/>
+        </a:xfrm>
+      </p:grpSpPr>
+      <p:sp>
+        <p:nvSpPr>
+          <p:cNvPr id="2" name="Title 1"/>
+          <p:cNvSpPr>
+            <a:spLocks noGrp="1"/>
+          </p:cNvSpPr>
+          <p:nvPr>
+            <p:ph type="title"/>
+          </p:nvPr>
+        </p:nvSpPr>
+        <p:spPr/>
+        <p:txBody>
+          <a:bodyPr/>
+          <a:lstStyle/>
+          <a:p>
+            <a:r>
+              <a:rPr lang="en-US" dirty="0" smtClean="0"/>
+              <a:t>What is </a:t>
+            </a:r>
+            <a:r>
+              <a:rPr lang="en-US" dirty="0" err="1" smtClean="0"/>
+              <a:t>RabbitMQ</a:t>
+            </a:r>
+            <a:r>
+              <a:rPr lang="en-US" dirty="0" smtClean="0"/>
+              <a:t>?</a:t>
+            </a:r>
+            <a:endParaRPr lang="en-US" dirty="0"/>
+          </a:p>
+        </p:txBody>
+      </p:sp>
+      <p:sp>
+        <p:nvSpPr>
+          <p:cNvPr id="3" name="Content Placeholder 2"/>
+          <p:cNvSpPr>
+            <a:spLocks noGrp="1"/>
+          </p:cNvSpPr>
+          <p:nvPr>
+            <p:ph idx="1"/>
+          </p:nvPr>
+        </p:nvSpPr>
+        <p:spPr/>
+        <p:txBody>
+          <a:bodyPr/>
+          <a:lstStyle/>
+          <a:p>
+            <a:r>
+              <a:rPr lang="en-US" dirty="0" smtClean="0"/>
+              <a:t>A Message Broker</a:t>
+            </a:r>
+          </a:p>
+          <a:p>
+            <a:r>
+              <a:rPr lang="en-US" dirty="0" smtClean="0"/>
+              <a:t>Cross-platform</a:t>
+            </a:r>
+          </a:p>
+          <a:p>
+            <a:r>
+              <a:rPr lang="en-US" dirty="0" smtClean="0"/>
+              <a:t>Implements AMQP standard</a:t>
+            </a:r>
+          </a:p>
+          <a:p>
+            <a:r>
+              <a:rPr lang="en-US" dirty="0" smtClean="0"/>
+              <a:t>Open Source (</a:t>
+            </a:r>
+            <a:r>
+              <a:rPr lang="en-US" dirty="0" smtClean="0">
+                <a:hlinkClick r:id="rId2"/>
+              </a:rPr>
+              <a:t>MPL</a:t>
+            </a:r>
+            <a:r>
+              <a:rPr lang="en-US" dirty="0" smtClean="0"/>
+              <a:t>)</a:t>
+            </a:r>
+          </a:p>
+          <a:p>
+            <a:r>
+              <a:rPr lang="en-US" dirty="0" smtClean="0"/>
+              <a:t>Built on </a:t>
+            </a:r>
+            <a:r>
+              <a:rPr lang="en-US" dirty="0" err="1" smtClean="0"/>
+              <a:t>Erlang</a:t>
+            </a:r>
+            <a:endParaRPr lang="en-US" dirty="0" smtClean="0"/>
+          </a:p>
+          <a:p>
+            <a:endParaRPr lang="en-US" dirty="0" smtClean="0"/>
+          </a:p>
+        </p:txBody>
+      </p:sp>
+    </p:spTree>
+    <p:extLst>
+      <p:ext uri="{BB962C8B-B14F-4D97-AF65-F5344CB8AC3E}">
+        <p14:creationId xmlns:p14="http://schemas.microsoft.com/office/powerpoint/2010/main" val="2158326647"/>
+      </p:ext>
+    </p:extLst>
+  </p:cSld>
+  <p:clrMapOvr>
+    <a:masterClrMapping/>
+  </p:clrMapOvr>
+  <mc:AlternateContent xmlns:mc="http://schemas.openxmlformats.org/markup-compatibility/2006" xmlns:p14="http://schemas.microsoft.com/office/powerpoint/2010/main">
+    <mc:Choice Requires="p14">
+      <p:transition spd="med" p14:dur="700">
+        <p:fade/>
+      </p:transition>
+    </mc:Choice>
+    <mc:Fallback xmlns="">
+      <p:transition spd="med">
+        <p:fade/>
+      </p:transition>
+    </mc:Fallback>
+  </mc:AlternateContent>
+  <p:timing>
+    <p:tnLst>
+      <p:par>
+        <p:cTn id="1" dur="indefinite" restart="never" nodeType="tmRoot"/>
+      </p:par>
+    </p:tnLst>
+  </p:timing>
+</p:sld>
+</file>
+
+<file path=ppt/slides/slide20.xml><?xml version="1.0" encoding="utf-8"?>
 <p:sld xmlns:a="http://schemas.openxmlformats.org/drawingml/2006/main" xmlns:r="http://schemas.openxmlformats.org/officeDocument/2006/relationships" xmlns:p="http://schemas.openxmlformats.org/presentationml/2006/main">
   <p:cSld>
     <p:spTree>
@@ -7086,7 +7154,7 @@
 </p:sld>
 </file>
 
-<file path=ppt/slides/slide22.xml><?xml version="1.0" encoding="utf-8"?>
+<file path=ppt/slides/slide21.xml><?xml version="1.0" encoding="utf-8"?>
 <p:sld xmlns:a="http://schemas.openxmlformats.org/drawingml/2006/main" xmlns:r="http://schemas.openxmlformats.org/officeDocument/2006/relationships" xmlns:p="http://schemas.openxmlformats.org/presentationml/2006/main">
   <p:cSld>
     <p:spTree>
@@ -7214,7 +7282,7 @@
 </p:sld>
 </file>
 
-<file path=ppt/slides/slide23.xml><?xml version="1.0" encoding="utf-8"?>
+<file path=ppt/slides/slide22.xml><?xml version="1.0" encoding="utf-8"?>
 <p:sld xmlns:a="http://schemas.openxmlformats.org/drawingml/2006/main" xmlns:r="http://schemas.openxmlformats.org/officeDocument/2006/relationships" xmlns:p="http://schemas.openxmlformats.org/presentationml/2006/main">
   <p:cSld>
     <p:spTree>
@@ -7361,305 +7429,7 @@
 </p:sld>
 </file>
 
-<file path=ppt/slides/slide24.xml><?xml version="1.0" encoding="utf-8"?>
-<p:sld xmlns:a="http://schemas.openxmlformats.org/drawingml/2006/main" xmlns:r="http://schemas.openxmlformats.org/officeDocument/2006/relationships" xmlns:p="http://schemas.openxmlformats.org/presentationml/2006/main">
-  <p:cSld>
-    <p:spTree>
-      <p:nvGrpSpPr>
-        <p:cNvPr id="1" name=""/>
-        <p:cNvGrpSpPr/>
-        <p:nvPr/>
-      </p:nvGrpSpPr>
-      <p:grpSpPr>
-        <a:xfrm>
-          <a:off x="0" y="0"/>
-          <a:ext cx="0" cy="0"/>
-          <a:chOff x="0" y="0"/>
-          <a:chExt cx="0" cy="0"/>
-        </a:xfrm>
-      </p:grpSpPr>
-      <p:sp>
-        <p:nvSpPr>
-          <p:cNvPr id="7" name="Content Placeholder 6"/>
-          <p:cNvSpPr>
-            <a:spLocks noGrp="1"/>
-          </p:cNvSpPr>
-          <p:nvPr>
-            <p:ph idx="1"/>
-          </p:nvPr>
-        </p:nvSpPr>
-        <p:spPr/>
-        <p:txBody>
-          <a:bodyPr>
-            <a:normAutofit/>
-          </a:bodyPr>
-          <a:lstStyle/>
-          <a:p>
-            <a:pPr marL="457200" indent="-457200">
-              <a:buFont typeface="Arial" charset="0"/>
-              <a:buChar char="•"/>
-            </a:pPr>
-            <a:r>
-              <a:rPr lang="en-US" sz="3200" dirty="0"/>
-              <a:t>Domain Driven Design – Eric Evans</a:t>
-            </a:r>
-          </a:p>
-          <a:p>
-            <a:pPr marL="457200" indent="-457200">
-              <a:buFont typeface="Arial" charset="0"/>
-              <a:buChar char="•"/>
-            </a:pPr>
-            <a:r>
-              <a:rPr lang="en-US" sz="3200" dirty="0"/>
-              <a:t>DDD Quickly (the Cliff Notes): </a:t>
-            </a:r>
-            <a:r>
-              <a:rPr lang="en-US" sz="2000" dirty="0">
-                <a:hlinkClick r:id="rId2"/>
-              </a:rPr>
-              <a:t>http://www.infoq.com/minibooks/domain-driven-design-quickly</a:t>
-            </a:r>
-            <a:endParaRPr lang="en-US" sz="2000" dirty="0"/>
-          </a:p>
-        </p:txBody>
-      </p:sp>
-      <p:sp>
-        <p:nvSpPr>
-          <p:cNvPr id="6" name="Title 5"/>
-          <p:cNvSpPr>
-            <a:spLocks noGrp="1"/>
-          </p:cNvSpPr>
-          <p:nvPr>
-            <p:ph type="title"/>
-          </p:nvPr>
-        </p:nvSpPr>
-        <p:spPr/>
-        <p:txBody>
-          <a:bodyPr anchor="b"/>
-          <a:lstStyle/>
-          <a:p>
-            <a:r>
-              <a:rPr lang="en-US" sz="3600" dirty="0"/>
-              <a:t>For more details:</a:t>
-            </a:r>
-          </a:p>
-        </p:txBody>
-      </p:sp>
-    </p:spTree>
-    <p:extLst>
-      <p:ext uri="{BB962C8B-B14F-4D97-AF65-F5344CB8AC3E}">
-        <p14:creationId xmlns:p14="http://schemas.microsoft.com/office/powerpoint/2010/main" val="2269176925"/>
-      </p:ext>
-    </p:extLst>
-  </p:cSld>
-  <p:clrMapOvr>
-    <a:masterClrMapping/>
-  </p:clrMapOvr>
-  <p:timing>
-    <p:tnLst>
-      <p:par>
-        <p:cTn id="1" dur="indefinite" restart="never" nodeType="tmRoot"/>
-      </p:par>
-    </p:tnLst>
-  </p:timing>
-</p:sld>
-</file>
-
-<file path=ppt/slides/slide25.xml><?xml version="1.0" encoding="utf-8"?>
-<p:sld xmlns:a="http://schemas.openxmlformats.org/drawingml/2006/main" xmlns:r="http://schemas.openxmlformats.org/officeDocument/2006/relationships" xmlns:p="http://schemas.openxmlformats.org/presentationml/2006/main">
-  <p:cSld>
-    <p:spTree>
-      <p:nvGrpSpPr>
-        <p:cNvPr id="1" name=""/>
-        <p:cNvGrpSpPr/>
-        <p:nvPr/>
-      </p:nvGrpSpPr>
-      <p:grpSpPr>
-        <a:xfrm>
-          <a:off x="0" y="0"/>
-          <a:ext cx="0" cy="0"/>
-          <a:chOff x="0" y="0"/>
-          <a:chExt cx="0" cy="0"/>
-        </a:xfrm>
-      </p:grpSpPr>
-      <p:sp>
-        <p:nvSpPr>
-          <p:cNvPr id="5" name="Title 4"/>
-          <p:cNvSpPr>
-            <a:spLocks noGrp="1"/>
-          </p:cNvSpPr>
-          <p:nvPr>
-            <p:ph type="title"/>
-          </p:nvPr>
-        </p:nvSpPr>
-        <p:spPr/>
-        <p:txBody>
-          <a:bodyPr/>
-          <a:lstStyle/>
-          <a:p>
-            <a:r>
-              <a:rPr lang="en-US" dirty="0" smtClean="0"/>
-              <a:t>Resources</a:t>
-            </a:r>
-            <a:endParaRPr lang="en-US" dirty="0"/>
-          </a:p>
-        </p:txBody>
-      </p:sp>
-      <p:sp>
-        <p:nvSpPr>
-          <p:cNvPr id="6" name="Content Placeholder 5"/>
-          <p:cNvSpPr>
-            <a:spLocks noGrp="1"/>
-          </p:cNvSpPr>
-          <p:nvPr>
-            <p:ph idx="1"/>
-          </p:nvPr>
-        </p:nvSpPr>
-        <p:spPr/>
-        <p:txBody>
-          <a:bodyPr/>
-          <a:lstStyle/>
-          <a:p>
-            <a:r>
-              <a:rPr lang="en-US" sz="3600" dirty="0" err="1"/>
-              <a:t>MassTransit</a:t>
-            </a:r>
-            <a:endParaRPr lang="en-US" sz="3600" dirty="0"/>
-          </a:p>
-          <a:p>
-            <a:pPr lvl="1"/>
-            <a:r>
-              <a:rPr lang="en-US" dirty="0"/>
-              <a:t>Docs: </a:t>
-            </a:r>
-            <a:r>
-              <a:rPr lang="en-US" dirty="0">
-                <a:hlinkClick r:id="rId2"/>
-              </a:rPr>
-              <a:t>http://docs.masstransit-project.com</a:t>
-            </a:r>
-            <a:endParaRPr lang="en-US" dirty="0"/>
-          </a:p>
-          <a:p>
-            <a:pPr lvl="1"/>
-            <a:r>
-              <a:rPr lang="en-US" dirty="0"/>
-              <a:t>Google Groups: </a:t>
-            </a:r>
-            <a:r>
-              <a:rPr lang="en-US" dirty="0">
-                <a:hlinkClick r:id="rId3"/>
-              </a:rPr>
-              <a:t>http://groups.google.com/group/masstransit-discuss/</a:t>
-            </a:r>
-            <a:endParaRPr lang="en-US" dirty="0"/>
-          </a:p>
-          <a:p>
-            <a:pPr lvl="1"/>
-            <a:r>
-              <a:rPr lang="en-US" dirty="0"/>
-              <a:t>Chris Patterson: </a:t>
-            </a:r>
-            <a:r>
-              <a:rPr lang="en-US" dirty="0">
-                <a:hlinkClick r:id="rId4"/>
-              </a:rPr>
-              <a:t>http://blog.phatboyg.com/</a:t>
-            </a:r>
-            <a:endParaRPr lang="en-US" dirty="0"/>
-          </a:p>
-          <a:p>
-            <a:pPr lvl="1"/>
-            <a:r>
-              <a:rPr lang="en-US" dirty="0" err="1"/>
-              <a:t>Dru</a:t>
-            </a:r>
-            <a:r>
-              <a:rPr lang="en-US" dirty="0"/>
-              <a:t> Sellers: </a:t>
-            </a:r>
-            <a:r>
-              <a:rPr lang="en-US" dirty="0">
-                <a:hlinkClick r:id="rId5"/>
-              </a:rPr>
-              <a:t>http://codebetter.com/drusellers/</a:t>
-            </a:r>
-            <a:endParaRPr lang="en-US" dirty="0"/>
-          </a:p>
-          <a:p>
-            <a:r>
-              <a:rPr lang="en-US" sz="3600" dirty="0"/>
-              <a:t>Messaging/Distributed Systems</a:t>
-            </a:r>
-          </a:p>
-          <a:p>
-            <a:pPr lvl="1"/>
-            <a:r>
-              <a:rPr lang="en-US" dirty="0" err="1"/>
-              <a:t>Udi</a:t>
-            </a:r>
-            <a:r>
-              <a:rPr lang="en-US" dirty="0"/>
-              <a:t> </a:t>
-            </a:r>
-            <a:r>
-              <a:rPr lang="en-US" dirty="0" err="1"/>
-              <a:t>Dahan</a:t>
-            </a:r>
-            <a:r>
-              <a:rPr lang="en-US" dirty="0"/>
-              <a:t>: </a:t>
-            </a:r>
-            <a:r>
-              <a:rPr lang="en-US" dirty="0">
-                <a:hlinkClick r:id="rId6"/>
-              </a:rPr>
-              <a:t>http://www.udidahan.com/</a:t>
-            </a:r>
-            <a:endParaRPr lang="en-US" dirty="0"/>
-          </a:p>
-          <a:p>
-            <a:pPr lvl="1"/>
-            <a:r>
-              <a:rPr lang="en-US" dirty="0"/>
-              <a:t>Martin Fowler – Patterns in Enterprise Software: </a:t>
-            </a:r>
-            <a:r>
-              <a:rPr lang="en-US" sz="1800" dirty="0">
-                <a:hlinkClick r:id="rId7"/>
-              </a:rPr>
-              <a:t>http://www.martinfowler.com/articles/enterprisePatterns.html</a:t>
-            </a:r>
-            <a:endParaRPr lang="en-US" sz="1800" dirty="0"/>
-          </a:p>
-        </p:txBody>
-      </p:sp>
-    </p:spTree>
-    <p:extLst>
-      <p:ext uri="{BB962C8B-B14F-4D97-AF65-F5344CB8AC3E}">
-        <p14:creationId xmlns:p14="http://schemas.microsoft.com/office/powerpoint/2010/main" val="2665133634"/>
-      </p:ext>
-    </p:extLst>
-  </p:cSld>
-  <p:clrMapOvr>
-    <a:masterClrMapping/>
-  </p:clrMapOvr>
-  <mc:AlternateContent xmlns:mc="http://schemas.openxmlformats.org/markup-compatibility/2006" xmlns:p14="http://schemas.microsoft.com/office/powerpoint/2010/main">
-    <mc:Choice Requires="p14">
-      <p:transition spd="med" p14:dur="700">
-        <p:fade/>
-      </p:transition>
-    </mc:Choice>
-    <mc:Fallback xmlns="">
-      <p:transition spd="med">
-        <p:fade/>
-      </p:transition>
-    </mc:Fallback>
-  </mc:AlternateContent>
-</p:sld>
-</file>
-
-<file path=ppt/slides/slide26.xml><?xml version="1.0" encoding="utf-8"?>
+<file path=ppt/slides/slide23.xml><?xml version="1.0" encoding="utf-8"?>
 <p:sld xmlns:a="http://schemas.openxmlformats.org/drawingml/2006/main" xmlns:r="http://schemas.openxmlformats.org/officeDocument/2006/relationships" xmlns:p="http://schemas.openxmlformats.org/presentationml/2006/main">
   <p:cSld>
     <p:spTree>
@@ -7810,147 +7580,17 @@
       </p:transition>
     </mc:Fallback>
   </mc:AlternateContent>
+  <p:timing>
+    <p:tnLst>
+      <p:par>
+        <p:cTn id="1" dur="indefinite" restart="never" nodeType="tmRoot"/>
+      </p:par>
+    </p:tnLst>
+  </p:timing>
 </p:sld>
 </file>
 
 <file path=ppt/slides/slide3.xml><?xml version="1.0" encoding="utf-8"?>
-<p:sld xmlns:a="http://schemas.openxmlformats.org/drawingml/2006/main" xmlns:r="http://schemas.openxmlformats.org/officeDocument/2006/relationships" xmlns:p="http://schemas.openxmlformats.org/presentationml/2006/main">
-  <p:cSld>
-    <p:spTree>
-      <p:nvGrpSpPr>
-        <p:cNvPr id="1" name=""/>
-        <p:cNvGrpSpPr/>
-        <p:nvPr/>
-      </p:nvGrpSpPr>
-      <p:grpSpPr>
-        <a:xfrm>
-          <a:off x="0" y="0"/>
-          <a:ext cx="0" cy="0"/>
-          <a:chOff x="0" y="0"/>
-          <a:chExt cx="0" cy="0"/>
-        </a:xfrm>
-      </p:grpSpPr>
-      <p:sp>
-        <p:nvSpPr>
-          <p:cNvPr id="2" name="Title 1"/>
-          <p:cNvSpPr>
-            <a:spLocks noGrp="1"/>
-          </p:cNvSpPr>
-          <p:nvPr>
-            <p:ph type="title"/>
-          </p:nvPr>
-        </p:nvSpPr>
-        <p:spPr/>
-        <p:txBody>
-          <a:bodyPr/>
-          <a:lstStyle/>
-          <a:p>
-            <a:r>
-              <a:rPr lang="en-US" dirty="0" smtClean="0"/>
-              <a:t>What is </a:t>
-            </a:r>
-            <a:r>
-              <a:rPr lang="en-US" dirty="0" err="1" smtClean="0"/>
-              <a:t>RabbitMQ</a:t>
-            </a:r>
-            <a:r>
-              <a:rPr lang="en-US" dirty="0" smtClean="0"/>
-              <a:t>?</a:t>
-            </a:r>
-            <a:endParaRPr lang="en-US" dirty="0"/>
-          </a:p>
-        </p:txBody>
-      </p:sp>
-      <p:sp>
-        <p:nvSpPr>
-          <p:cNvPr id="3" name="Content Placeholder 2"/>
-          <p:cNvSpPr>
-            <a:spLocks noGrp="1"/>
-          </p:cNvSpPr>
-          <p:nvPr>
-            <p:ph idx="1"/>
-          </p:nvPr>
-        </p:nvSpPr>
-        <p:spPr/>
-        <p:txBody>
-          <a:bodyPr/>
-          <a:lstStyle/>
-          <a:p>
-            <a:r>
-              <a:rPr lang="en-US" dirty="0" smtClean="0"/>
-              <a:t>A Message Broker</a:t>
-            </a:r>
-          </a:p>
-          <a:p>
-            <a:r>
-              <a:rPr lang="en-US" dirty="0" smtClean="0"/>
-              <a:t>Cross-platform</a:t>
-            </a:r>
-          </a:p>
-          <a:p>
-            <a:r>
-              <a:rPr lang="en-US" dirty="0" smtClean="0"/>
-              <a:t>Implements AMQP standard</a:t>
-            </a:r>
-          </a:p>
-          <a:p>
-            <a:r>
-              <a:rPr lang="en-US" dirty="0" smtClean="0"/>
-              <a:t>Open Source (</a:t>
-            </a:r>
-            <a:r>
-              <a:rPr lang="en-US" dirty="0" smtClean="0">
-                <a:hlinkClick r:id="rId2"/>
-              </a:rPr>
-              <a:t>MPL</a:t>
-            </a:r>
-            <a:r>
-              <a:rPr lang="en-US" dirty="0" smtClean="0"/>
-              <a:t>)</a:t>
-            </a:r>
-          </a:p>
-          <a:p>
-            <a:r>
-              <a:rPr lang="en-US" dirty="0" smtClean="0"/>
-              <a:t>Built on </a:t>
-            </a:r>
-            <a:r>
-              <a:rPr lang="en-US" dirty="0" err="1" smtClean="0"/>
-              <a:t>Erlang</a:t>
-            </a:r>
-            <a:endParaRPr lang="en-US" dirty="0" smtClean="0"/>
-          </a:p>
-          <a:p>
-            <a:endParaRPr lang="en-US" dirty="0" smtClean="0"/>
-          </a:p>
-        </p:txBody>
-      </p:sp>
-    </p:spTree>
-    <p:extLst>
-      <p:ext uri="{BB962C8B-B14F-4D97-AF65-F5344CB8AC3E}">
-        <p14:creationId xmlns:p14="http://schemas.microsoft.com/office/powerpoint/2010/main" val="2158326647"/>
-      </p:ext>
-    </p:extLst>
-  </p:cSld>
-  <p:clrMapOvr>
-    <a:masterClrMapping/>
-  </p:clrMapOvr>
-  <mc:AlternateContent xmlns:mc="http://schemas.openxmlformats.org/markup-compatibility/2006" xmlns:p14="http://schemas.microsoft.com/office/powerpoint/2010/main">
-    <mc:Choice Requires="p14">
-      <p:transition spd="med" p14:dur="700">
-        <p:fade/>
-      </p:transition>
-    </mc:Choice>
-    <mc:Fallback xmlns="">
-      <p:transition spd="med">
-        <p:fade/>
-      </p:transition>
-    </mc:Fallback>
-  </mc:AlternateContent>
-</p:sld>
-</file>
-
-<file path=ppt/slides/slide4.xml><?xml version="1.0" encoding="utf-8"?>
 <p:sld xmlns:a="http://schemas.openxmlformats.org/drawingml/2006/main" xmlns:r="http://schemas.openxmlformats.org/officeDocument/2006/relationships" xmlns:p="http://schemas.openxmlformats.org/presentationml/2006/main">
   <p:cSld>
     <p:spTree>
@@ -8053,6 +7693,130 @@
       </p:transition>
     </mc:Fallback>
   </mc:AlternateContent>
+  <p:timing>
+    <p:tnLst>
+      <p:par>
+        <p:cTn id="1" dur="indefinite" restart="never" nodeType="tmRoot"/>
+      </p:par>
+    </p:tnLst>
+  </p:timing>
+</p:sld>
+</file>
+
+<file path=ppt/slides/slide4.xml><?xml version="1.0" encoding="utf-8"?>
+<p:sld xmlns:a="http://schemas.openxmlformats.org/drawingml/2006/main" xmlns:r="http://schemas.openxmlformats.org/officeDocument/2006/relationships" xmlns:p="http://schemas.openxmlformats.org/presentationml/2006/main">
+  <p:cSld>
+    <p:spTree>
+      <p:nvGrpSpPr>
+        <p:cNvPr id="1" name=""/>
+        <p:cNvGrpSpPr/>
+        <p:nvPr/>
+      </p:nvGrpSpPr>
+      <p:grpSpPr>
+        <a:xfrm>
+          <a:off x="0" y="0"/>
+          <a:ext cx="0" cy="0"/>
+          <a:chOff x="0" y="0"/>
+          <a:chExt cx="0" cy="0"/>
+        </a:xfrm>
+      </p:grpSpPr>
+      <p:sp>
+        <p:nvSpPr>
+          <p:cNvPr id="2" name="Title 1"/>
+          <p:cNvSpPr>
+            <a:spLocks noGrp="1"/>
+          </p:cNvSpPr>
+          <p:nvPr>
+            <p:ph type="title"/>
+          </p:nvPr>
+        </p:nvSpPr>
+        <p:spPr/>
+        <p:txBody>
+          <a:bodyPr/>
+          <a:lstStyle/>
+          <a:p>
+            <a:r>
+              <a:rPr lang="en-US" dirty="0" smtClean="0"/>
+              <a:t>Why Break Up?</a:t>
+            </a:r>
+            <a:endParaRPr lang="en-US" dirty="0"/>
+          </a:p>
+        </p:txBody>
+      </p:sp>
+      <p:sp>
+        <p:nvSpPr>
+          <p:cNvPr id="3" name="Content Placeholder 2"/>
+          <p:cNvSpPr>
+            <a:spLocks noGrp="1"/>
+          </p:cNvSpPr>
+          <p:nvPr>
+            <p:ph idx="1"/>
+          </p:nvPr>
+        </p:nvSpPr>
+        <p:spPr/>
+        <p:txBody>
+          <a:bodyPr/>
+          <a:lstStyle/>
+          <a:p>
+            <a:r>
+              <a:rPr lang="en-US" dirty="0" smtClean="0"/>
+              <a:t>Separate Concerns</a:t>
+            </a:r>
+          </a:p>
+          <a:p>
+            <a:r>
+              <a:rPr lang="en-US" dirty="0" smtClean="0"/>
+              <a:t>Scale Out</a:t>
+            </a:r>
+          </a:p>
+          <a:p>
+            <a:r>
+              <a:rPr lang="en-US" dirty="0" smtClean="0"/>
+              <a:t>Spread Out Work</a:t>
+            </a:r>
+          </a:p>
+          <a:p>
+            <a:r>
+              <a:rPr lang="en-US" dirty="0" smtClean="0"/>
+              <a:t>Facilitate </a:t>
+            </a:r>
+            <a:r>
+              <a:rPr lang="en-US" smtClean="0"/>
+              <a:t>Newer Deployment Models</a:t>
+            </a:r>
+            <a:endParaRPr lang="en-US" dirty="0"/>
+          </a:p>
+        </p:txBody>
+      </p:sp>
+    </p:spTree>
+    <p:extLst>
+      <p:ext uri="{BB962C8B-B14F-4D97-AF65-F5344CB8AC3E}">
+        <p14:creationId xmlns:p14="http://schemas.microsoft.com/office/powerpoint/2010/main" val="1177894957"/>
+      </p:ext>
+    </p:extLst>
+  </p:cSld>
+  <p:clrMapOvr>
+    <a:masterClrMapping/>
+  </p:clrMapOvr>
+  <mc:AlternateContent xmlns:mc="http://schemas.openxmlformats.org/markup-compatibility/2006" xmlns:p14="http://schemas.microsoft.com/office/powerpoint/2010/main">
+    <mc:Choice Requires="p14">
+      <p:transition spd="med" p14:dur="700">
+        <p:fade/>
+      </p:transition>
+    </mc:Choice>
+    <mc:Fallback xmlns="">
+      <p:transition spd="med">
+        <p:fade/>
+      </p:transition>
+    </mc:Fallback>
+  </mc:AlternateContent>
+  <p:timing>
+    <p:tnLst>
+      <p:par>
+        <p:cTn id="1" dur="indefinite" restart="never" nodeType="tmRoot"/>
+      </p:par>
+    </p:tnLst>
+  </p:timing>
 </p:sld>
 </file>
 
@@ -8090,7 +7854,11 @@
           <a:p>
             <a:r>
               <a:rPr lang="en-US" dirty="0" smtClean="0"/>
-              <a:t>Why Break Up?</a:t>
+              <a:t>Installing </a:t>
+            </a:r>
+            <a:r>
+              <a:rPr lang="en-US" dirty="0" err="1" smtClean="0"/>
+              <a:t>RabbitMQ</a:t>
             </a:r>
             <a:endParaRPr lang="en-US" dirty="0"/>
           </a:p>
@@ -8111,14 +7879,83 @@
           <a:bodyPr/>
           <a:lstStyle/>
           <a:p>
+            <a:r>
+              <a:rPr lang="en-US" dirty="0" smtClean="0"/>
+              <a:t>Install </a:t>
+            </a:r>
+            <a:r>
+              <a:rPr lang="en-US" dirty="0" err="1" smtClean="0"/>
+              <a:t>Erlang</a:t>
+            </a:r>
+            <a:endParaRPr lang="en-US" dirty="0" smtClean="0"/>
+          </a:p>
+          <a:p>
+            <a:pPr lvl="1"/>
+            <a:r>
+              <a:rPr lang="en-US" dirty="0" smtClean="0">
+                <a:hlinkClick r:id="rId2"/>
+              </a:rPr>
+              <a:t>http://www.erlang.org/download.html</a:t>
+            </a:r>
+            <a:endParaRPr lang="en-US" dirty="0" smtClean="0"/>
+          </a:p>
+          <a:p>
+            <a:r>
+              <a:rPr lang="en-US" dirty="0" smtClean="0"/>
+              <a:t>Install </a:t>
+            </a:r>
+            <a:r>
+              <a:rPr lang="en-US" dirty="0" err="1" smtClean="0"/>
+              <a:t>RabbitMQ</a:t>
+            </a:r>
+            <a:endParaRPr lang="en-US" dirty="0" smtClean="0"/>
+          </a:p>
+          <a:p>
+            <a:pPr lvl="1"/>
+            <a:r>
+              <a:rPr lang="en-US" dirty="0" smtClean="0">
+                <a:hlinkClick r:id="rId3"/>
+              </a:rPr>
+              <a:t>http</a:t>
+            </a:r>
+            <a:r>
+              <a:rPr lang="en-US" dirty="0">
+                <a:hlinkClick r:id="rId3"/>
+              </a:rPr>
+              <a:t>://www.rabbitmq.com/install-windows.html</a:t>
+            </a:r>
             <a:endParaRPr lang="en-US" dirty="0"/>
           </a:p>
         </p:txBody>
       </p:sp>
+      <p:pic>
+        <p:nvPicPr>
+          <p:cNvPr id="4" name="Picture 3"/>
+          <p:cNvPicPr>
+            <a:picLocks noChangeAspect="1"/>
+          </p:cNvPicPr>
+          <p:nvPr/>
+        </p:nvPicPr>
+        <p:blipFill>
+          <a:blip r:embed="rId4"/>
+          <a:stretch>
+            <a:fillRect/>
+          </a:stretch>
+        </p:blipFill>
+        <p:spPr>
+          <a:xfrm>
+            <a:off x="8486775" y="2252856"/>
+            <a:ext cx="2409825" cy="504825"/>
+          </a:xfrm>
+          <a:prstGeom prst="rect">
+            <a:avLst/>
+          </a:prstGeom>
+        </p:spPr>
+      </p:pic>
     </p:spTree>
     <p:extLst>
       <p:ext uri="{BB962C8B-B14F-4D97-AF65-F5344CB8AC3E}">
-        <p14:creationId xmlns:p14="http://schemas.microsoft.com/office/powerpoint/2010/main" val="1177894957"/>
+        <p14:creationId xmlns:p14="http://schemas.microsoft.com/office/powerpoint/2010/main" val="271620338"/>
       </p:ext>
     </p:extLst>
   </p:cSld>
@@ -8174,7 +8011,7 @@
           <a:p>
             <a:r>
               <a:rPr lang="en-US" dirty="0" smtClean="0"/>
-              <a:t>Installing </a:t>
+              <a:t>Parts of </a:t>
             </a:r>
             <a:r>
               <a:rPr lang="en-US" dirty="0" err="1" smtClean="0"/>
@@ -8201,57 +8038,68 @@
           <a:p>
             <a:r>
               <a:rPr lang="en-US" dirty="0" smtClean="0"/>
-              <a:t>Install </a:t>
-            </a:r>
-            <a:r>
-              <a:rPr lang="en-US" dirty="0" err="1" smtClean="0"/>
-              <a:t>Erlang</a:t>
+              <a:t>Publishers</a:t>
             </a:r>
             <a:endParaRPr lang="en-US" dirty="0" smtClean="0"/>
           </a:p>
           <a:p>
-            <a:pPr lvl="1"/>
-            <a:r>
-              <a:rPr lang="en-US" dirty="0" smtClean="0">
-                <a:hlinkClick r:id="rId2"/>
-              </a:rPr>
-              <a:t>http://www.erlang.org/download.html</a:t>
+            <a:r>
+              <a:rPr lang="en-US" dirty="0"/>
+              <a:t>Exchanges</a:t>
+            </a:r>
+          </a:p>
+          <a:p>
+            <a:r>
+              <a:rPr lang="en-US" dirty="0" smtClean="0"/>
+              <a:t>Routes</a:t>
+            </a:r>
+          </a:p>
+          <a:p>
+            <a:r>
+              <a:rPr lang="en-US" dirty="0" smtClean="0"/>
+              <a:t>Queues</a:t>
             </a:r>
             <a:endParaRPr lang="en-US" dirty="0" smtClean="0"/>
           </a:p>
           <a:p>
             <a:r>
-              <a:rPr lang="en-US" dirty="0" smtClean="0"/>
-              <a:t>Install </a:t>
-            </a:r>
-            <a:r>
-              <a:rPr lang="en-US" dirty="0" err="1" smtClean="0"/>
-              <a:t>RabbitMQ</a:t>
-            </a:r>
-            <a:endParaRPr lang="en-US" dirty="0" smtClean="0"/>
-          </a:p>
-          <a:p>
-            <a:pPr lvl="1"/>
-            <a:r>
-              <a:rPr lang="en-US" dirty="0" smtClean="0">
-                <a:hlinkClick r:id="rId3"/>
-              </a:rPr>
-              <a:t>http</a:t>
-            </a:r>
-            <a:r>
-              <a:rPr lang="en-US" dirty="0">
-                <a:hlinkClick r:id="rId3"/>
-              </a:rPr>
-              <a:t>://www.rabbitmq.com/install-windows.html</a:t>
-            </a:r>
+              <a:rPr lang="en-US" dirty="0"/>
+              <a:t>Consumers</a:t>
+            </a:r>
+          </a:p>
+          <a:p>
             <a:endParaRPr lang="en-US" dirty="0"/>
           </a:p>
         </p:txBody>
       </p:sp>
+      <p:pic>
+        <p:nvPicPr>
+          <p:cNvPr id="4" name="Picture 3"/>
+          <p:cNvPicPr>
+            <a:picLocks noChangeAspect="1"/>
+          </p:cNvPicPr>
+          <p:nvPr/>
+        </p:nvPicPr>
+        <p:blipFill>
+          <a:blip r:embed="rId2"/>
+          <a:stretch>
+            <a:fillRect/>
+          </a:stretch>
+        </p:blipFill>
+        <p:spPr>
+          <a:xfrm>
+            <a:off x="4003221" y="1828800"/>
+            <a:ext cx="6667500" cy="3124200"/>
+          </a:xfrm>
+          <a:prstGeom prst="rect">
+            <a:avLst/>
+          </a:prstGeom>
+        </p:spPr>
+      </p:pic>
     </p:spTree>
     <p:extLst>
       <p:ext uri="{BB962C8B-B14F-4D97-AF65-F5344CB8AC3E}">
-        <p14:creationId xmlns:p14="http://schemas.microsoft.com/office/powerpoint/2010/main" val="271620338"/>
+        <p14:creationId xmlns:p14="http://schemas.microsoft.com/office/powerpoint/2010/main" val="2803891935"/>
       </p:ext>
     </p:extLst>
   </p:cSld>
@@ -8306,13 +8154,13 @@
           <a:lstStyle/>
           <a:p>
             <a:r>
-              <a:rPr lang="en-US" dirty="0" smtClean="0"/>
-              <a:t>Parts of </a:t>
-            </a:r>
-            <a:r>
               <a:rPr lang="en-US" dirty="0" err="1" smtClean="0"/>
               <a:t>RabbitMQ</a:t>
             </a:r>
+            <a:r>
+              <a:rPr lang="en-US" dirty="0" smtClean="0"/>
+              <a:t> – Admin Console</a:t>
+            </a:r>
             <a:endParaRPr lang="en-US" dirty="0"/>
           </a:p>
         </p:txBody>
@@ -8334,28 +8182,87 @@
           <a:p>
             <a:r>
               <a:rPr lang="en-US" dirty="0" smtClean="0"/>
-              <a:t>Producers</a:t>
-            </a:r>
-          </a:p>
-          <a:p>
+              <a:t>Open the </a:t>
+            </a:r>
+            <a:r>
+              <a:rPr lang="en-US" dirty="0" err="1" smtClean="0"/>
+              <a:t>RabbitMQ</a:t>
+            </a:r>
             <a:r>
               <a:rPr lang="en-US" dirty="0" smtClean="0"/>
-              <a:t>Consumers</a:t>
+              <a:t> Prompt</a:t>
             </a:r>
           </a:p>
           <a:p>
             <a:r>
               <a:rPr lang="en-US" dirty="0" smtClean="0"/>
-              <a:t>Queues</a:t>
-            </a:r>
-          </a:p>
-          <a:p>
-            <a:r>
-              <a:rPr lang="en-US" smtClean="0"/>
-              <a:t>Exchanges</a:t>
-            </a:r>
-          </a:p>
-          <a:p>
+              <a:t>Type: </a:t>
+            </a:r>
+            <a:r>
+              <a:rPr lang="en-US" dirty="0" err="1">
+                <a:latin typeface="Consolas" panose="020B0609020204030204" pitchFamily="49" charset="0"/>
+                <a:cs typeface="Consolas" panose="020B0609020204030204" pitchFamily="49" charset="0"/>
+              </a:rPr>
+              <a:t>rabbitmq</a:t>
+            </a:r>
+            <a:r>
+              <a:rPr lang="en-US" dirty="0">
+                <a:latin typeface="Consolas" panose="020B0609020204030204" pitchFamily="49" charset="0"/>
+                <a:cs typeface="Consolas" panose="020B0609020204030204" pitchFamily="49" charset="0"/>
+              </a:rPr>
+              <a:t>-plugins enable </a:t>
+            </a:r>
+            <a:r>
+              <a:rPr lang="en-US" dirty="0" err="1" smtClean="0">
+                <a:latin typeface="Consolas" panose="020B0609020204030204" pitchFamily="49" charset="0"/>
+                <a:cs typeface="Consolas" panose="020B0609020204030204" pitchFamily="49" charset="0"/>
+              </a:rPr>
+              <a:t>rabbitmq_management</a:t>
+            </a:r>
+            <a:endParaRPr lang="en-US" dirty="0" smtClean="0">
+              <a:latin typeface="Consolas" panose="020B0609020204030204" pitchFamily="49" charset="0"/>
+              <a:cs typeface="Consolas" panose="020B0609020204030204" pitchFamily="49" charset="0"/>
+            </a:endParaRPr>
+          </a:p>
+          <a:p>
+            <a:r>
+              <a:rPr lang="en-US" dirty="0" smtClean="0"/>
+              <a:t>Restart </a:t>
+            </a:r>
+            <a:r>
+              <a:rPr lang="en-US" dirty="0" err="1" smtClean="0"/>
+              <a:t>RabbitMQ</a:t>
+            </a:r>
+            <a:endParaRPr lang="en-US" dirty="0" smtClean="0"/>
+          </a:p>
+          <a:p>
+            <a:r>
+              <a:rPr lang="en-US" dirty="0"/>
+              <a:t>Navigate to: </a:t>
+            </a:r>
+            <a:r>
+              <a:rPr lang="en-US" dirty="0">
+                <a:hlinkClick r:id="rId2"/>
+              </a:rPr>
+              <a:t>http://localhost:15672</a:t>
+            </a:r>
+            <a:r>
+              <a:rPr lang="en-US" dirty="0" smtClean="0">
+                <a:hlinkClick r:id="rId2"/>
+              </a:rPr>
+              <a:t>/</a:t>
+            </a:r>
+            <a:endParaRPr lang="en-US" dirty="0" smtClean="0"/>
+          </a:p>
+          <a:p>
+            <a:r>
+              <a:rPr lang="en-US" dirty="0" smtClean="0"/>
+              <a:t>Default login</a:t>
+            </a:r>
+            <a:r>
+              <a:rPr lang="en-US" smtClean="0"/>
+              <a:t>: guest/guest</a:t>
+            </a:r>
             <a:endParaRPr lang="en-US" dirty="0"/>
           </a:p>
         </p:txBody>
@@ -8363,20 +8270,20 @@
     </p:spTree>
     <p:extLst>
       <p:ext uri="{BB962C8B-B14F-4D97-AF65-F5344CB8AC3E}">
-        <p14:creationId xmlns:p14="http://schemas.microsoft.com/office/powerpoint/2010/main" val="2803891935"/>
+        <p14:creationId xmlns:p14="http://schemas.microsoft.com/office/powerpoint/2010/main" val="2641800662"/>
       </p:ext>
     </p:extLst>
   </p:cSld>
   <p:clrMapOvr>
     <a:masterClrMapping/>
   </p:clrMapOvr>
-  <mc:AlternateContent xmlns:mc="http://schemas.openxmlformats.org/markup-compatibility/2006">
-    <mc:Choice xmlns:p14="http://schemas.microsoft.com/office/powerpoint/2010/main" Requires="p14">
+  <mc:AlternateContent xmlns:mc="http://schemas.openxmlformats.org/markup-compatibility/2006" xmlns:p14="http://schemas.microsoft.com/office/powerpoint/2010/main">
+    <mc:Choice Requires="p14">
       <p:transition spd="med" p14:dur="700">
         <p:fade/>
       </p:transition>
     </mc:Choice>
-    <mc:Fallback>
+    <mc:Fallback xmlns="">
       <p:transition spd="med">
         <p:fade/>
       </p:transition>
@@ -8418,12 +8325,8 @@
           <a:lstStyle/>
           <a:p>
             <a:r>
-              <a:rPr lang="en-US" dirty="0" err="1" smtClean="0"/>
-              <a:t>RabbitMQ</a:t>
-            </a:r>
-            <a:r>
               <a:rPr lang="en-US" dirty="0" smtClean="0"/>
-              <a:t> – Admin Console</a:t>
+              <a:t>Background Worker Scenarios</a:t>
             </a:r>
             <a:endParaRPr lang="en-US" dirty="0"/>
           </a:p>
@@ -8441,100 +8344,44 @@
         </p:nvSpPr>
         <p:spPr/>
         <p:txBody>
-          <a:bodyPr/>
-          <a:lstStyle/>
-          <a:p>
-            <a:r>
-              <a:rPr lang="en-US" dirty="0" smtClean="0"/>
-              <a:t>Open the </a:t>
-            </a:r>
-            <a:r>
-              <a:rPr lang="en-US" dirty="0" err="1" smtClean="0"/>
-              <a:t>RabbitMQ</a:t>
-            </a:r>
-            <a:r>
-              <a:rPr lang="en-US" dirty="0" smtClean="0"/>
-              <a:t> Prompt</a:t>
-            </a:r>
-          </a:p>
-          <a:p>
-            <a:r>
-              <a:rPr lang="en-US" dirty="0" smtClean="0"/>
-              <a:t>Type: </a:t>
-            </a:r>
-            <a:r>
-              <a:rPr lang="en-US" dirty="0" err="1">
-                <a:latin typeface="Consolas" panose="020B0609020204030204" pitchFamily="49" charset="0"/>
-                <a:cs typeface="Consolas" panose="020B0609020204030204" pitchFamily="49" charset="0"/>
-              </a:rPr>
-              <a:t>rabbitmq</a:t>
-            </a:r>
-            <a:r>
-              <a:rPr lang="en-US" dirty="0">
-                <a:latin typeface="Consolas" panose="020B0609020204030204" pitchFamily="49" charset="0"/>
-                <a:cs typeface="Consolas" panose="020B0609020204030204" pitchFamily="49" charset="0"/>
-              </a:rPr>
-              <a:t>-plugins enable </a:t>
-            </a:r>
-            <a:r>
-              <a:rPr lang="en-US" dirty="0" err="1" smtClean="0">
-                <a:latin typeface="Consolas" panose="020B0609020204030204" pitchFamily="49" charset="0"/>
-                <a:cs typeface="Consolas" panose="020B0609020204030204" pitchFamily="49" charset="0"/>
-              </a:rPr>
-              <a:t>rabbitmq_management</a:t>
-            </a:r>
-            <a:endParaRPr lang="en-US" dirty="0" smtClean="0">
-              <a:latin typeface="Consolas" panose="020B0609020204030204" pitchFamily="49" charset="0"/>
-              <a:cs typeface="Consolas" panose="020B0609020204030204" pitchFamily="49" charset="0"/>
-            </a:endParaRPr>
-          </a:p>
-          <a:p>
-            <a:r>
-              <a:rPr lang="en-US" dirty="0" smtClean="0"/>
-              <a:t>Restart </a:t>
-            </a:r>
-            <a:r>
-              <a:rPr lang="en-US" dirty="0" err="1" smtClean="0"/>
-              <a:t>RabbitMQ</a:t>
-            </a:r>
-            <a:endParaRPr lang="en-US" dirty="0" smtClean="0"/>
-          </a:p>
-          <a:p>
-            <a:r>
-              <a:rPr lang="en-US" dirty="0"/>
-              <a:t>Navigate to: </a:t>
-            </a:r>
-            <a:r>
-              <a:rPr lang="en-US" dirty="0">
-                <a:hlinkClick r:id="rId2"/>
-              </a:rPr>
-              <a:t>http://localhost:15672</a:t>
-            </a:r>
-            <a:r>
-              <a:rPr lang="en-US" dirty="0" smtClean="0">
-                <a:hlinkClick r:id="rId2"/>
-              </a:rPr>
-              <a:t>/</a:t>
-            </a:r>
-            <a:endParaRPr lang="en-US" dirty="0" smtClean="0"/>
-          </a:p>
-          <a:p>
-            <a:r>
-              <a:rPr lang="en-US" dirty="0" smtClean="0"/>
-              <a:t>Default login</a:t>
-            </a:r>
-            <a:r>
-              <a:rPr lang="en-US" smtClean="0"/>
-              <a:t>: guest/guest</a:t>
-            </a:r>
-            <a:endParaRPr lang="en-US" dirty="0"/>
+          <a:bodyPr>
+            <a:normAutofit/>
+          </a:bodyPr>
+          <a:lstStyle/>
+          <a:p>
+            <a:r>
+              <a:rPr lang="en-US" sz="3600" dirty="0" smtClean="0"/>
+              <a:t>Offload work</a:t>
+            </a:r>
+          </a:p>
+          <a:p>
+            <a:pPr lvl="1"/>
+            <a:r>
+              <a:rPr lang="en-US" sz="3200" dirty="0" smtClean="0"/>
+              <a:t>Same application, background thread</a:t>
+            </a:r>
+          </a:p>
+          <a:p>
+            <a:pPr lvl="1"/>
+            <a:r>
+              <a:rPr lang="en-US" sz="3200" dirty="0" smtClean="0"/>
+              <a:t>Different application/service (same or different machine)</a:t>
+            </a:r>
+          </a:p>
+          <a:p>
+            <a:pPr lvl="1"/>
+            <a:r>
+              <a:rPr lang="en-US" sz="3200" dirty="0" smtClean="0"/>
+              <a:t>Multiple instances of an application/service on multiple machines</a:t>
+            </a:r>
+            <a:endParaRPr lang="en-US" sz="3200" dirty="0"/>
           </a:p>
         </p:txBody>
       </p:sp>
     </p:spTree>
     <p:extLst>
       <p:ext uri="{BB962C8B-B14F-4D97-AF65-F5344CB8AC3E}">
-        <p14:creationId xmlns:p14="http://schemas.microsoft.com/office/powerpoint/2010/main" val="2641800662"/>
+        <p14:creationId xmlns:p14="http://schemas.microsoft.com/office/powerpoint/2010/main" val="2763057525"/>
       </p:ext>
     </p:extLst>
   </p:cSld>
@@ -8575,7 +8422,7 @@
       </p:grpSpPr>
       <p:sp>
         <p:nvSpPr>
-          <p:cNvPr id="2" name="Title 1"/>
+          <p:cNvPr id="4" name="Title 3"/>
           <p:cNvSpPr>
             <a:spLocks noGrp="1"/>
           </p:cNvSpPr>
@@ -8590,7 +8437,7 @@
           <a:p>
             <a:r>
               <a:rPr lang="en-US" dirty="0" smtClean="0"/>
-              <a:t>Background Worker Scenarios</a:t>
+              <a:t>Demo</a:t>
             </a:r>
             <a:endParaRPr lang="en-US" dirty="0"/>
           </a:p>
@@ -8598,54 +8445,72 @@
       </p:sp>
       <p:sp>
         <p:nvSpPr>
-          <p:cNvPr id="3" name="Content Placeholder 2"/>
-          <p:cNvSpPr>
-            <a:spLocks noGrp="1"/>
-          </p:cNvSpPr>
-          <p:nvPr>
-            <p:ph idx="1"/>
+          <p:cNvPr id="5" name="Text Placeholder 4"/>
+          <p:cNvSpPr>
+            <a:spLocks noGrp="1"/>
+          </p:cNvSpPr>
+          <p:nvPr>
+            <p:ph type="body" idx="1"/>
           </p:nvPr>
         </p:nvSpPr>
         <p:spPr/>
         <p:txBody>
-          <a:bodyPr>
-            <a:normAutofit/>
-          </a:bodyPr>
-          <a:lstStyle/>
-          <a:p>
-            <a:r>
-              <a:rPr lang="en-US" sz="3600" dirty="0" smtClean="0"/>
-              <a:t>Offload work</a:t>
-            </a:r>
-          </a:p>
-          <a:p>
-            <a:pPr lvl="1"/>
-            <a:r>
-              <a:rPr lang="en-US" sz="3200" dirty="0" smtClean="0"/>
-              <a:t>Same application, background thread</a:t>
-            </a:r>
-          </a:p>
-          <a:p>
-            <a:pPr lvl="1"/>
-            <a:r>
-              <a:rPr lang="en-US" sz="3200" dirty="0" smtClean="0"/>
-              <a:t>Different application/service (same or different machine)</a:t>
-            </a:r>
-          </a:p>
-          <a:p>
-            <a:pPr lvl="1"/>
-            <a:r>
-              <a:rPr lang="en-US" sz="3200" dirty="0" smtClean="0"/>
-              <a:t>Multiple instances of an application/service on multiple machines</a:t>
-            </a:r>
-            <a:endParaRPr lang="en-US" sz="3200" dirty="0"/>
-          </a:p>
-        </p:txBody>
-      </p:sp>
+          <a:bodyPr/>
+          <a:lstStyle/>
+          <a:p>
+            <a:r>
+              <a:rPr lang="en-US" dirty="0" smtClean="0"/>
+              <a:t>Simple Background Worker</a:t>
+            </a:r>
+            <a:endParaRPr lang="en-US" dirty="0"/>
+          </a:p>
+        </p:txBody>
+      </p:sp>
+      <p:pic>
+        <p:nvPicPr>
+          <p:cNvPr id="1026" name="Picture 2" descr="http://www.rabbitmq.com/img/tutorials/python-one-overall.png"/>
+          <p:cNvPicPr>
+            <a:picLocks noChangeAspect="1" noChangeArrowheads="1"/>
+          </p:cNvPicPr>
+          <p:nvPr/>
+        </p:nvPicPr>
+        <p:blipFill>
+          <a:blip r:embed="rId2">
+            <a:extLst>
+              <a:ext uri="{28A0092B-C50C-407E-A947-70E740481C1C}">
+                <a14:useLocalDpi xmlns:a14="http://schemas.microsoft.com/office/drawing/2010/main" val="0"/>
+              </a:ext>
+            </a:extLst>
+          </a:blip>
+          <a:srcRect/>
+          <a:stretch>
+            <a:fillRect/>
+          </a:stretch>
+        </p:blipFill>
+        <p:spPr bwMode="auto">
+          <a:xfrm>
+            <a:off x="1741779" y="5095081"/>
+            <a:ext cx="2743200" cy="952500"/>
+          </a:xfrm>
+          <a:prstGeom prst="rect">
+            <a:avLst/>
+          </a:prstGeom>
+          <a:noFill/>
+          <a:extLst>
+            <a:ext uri="{909E8E84-426E-40DD-AFC4-6F175D3DCCD1}">
+              <a14:hiddenFill xmlns:a14="http://schemas.microsoft.com/office/drawing/2010/main">
+                <a:solidFill>
+                  <a:srgbClr val="FFFFFF"/>
+                </a:solidFill>
+              </a14:hiddenFill>
+            </a:ext>
+          </a:extLst>
+        </p:spPr>
+      </p:pic>
     </p:spTree>
     <p:extLst>
       <p:ext uri="{BB962C8B-B14F-4D97-AF65-F5344CB8AC3E}">
-        <p14:creationId xmlns:p14="http://schemas.microsoft.com/office/powerpoint/2010/main" val="2763057525"/>
+        <p14:creationId xmlns:p14="http://schemas.microsoft.com/office/powerpoint/2010/main" val="3758219476"/>
       </p:ext>
     </p:extLst>
   </p:cSld>
